--- a/React - The Functional Way.pptx
+++ b/React - The Functional Way.pptx
@@ -15,19 +15,20 @@
     <p:sldId id="271" r:id="rId9"/>
     <p:sldId id="272" r:id="rId10"/>
     <p:sldId id="275" r:id="rId11"/>
-    <p:sldId id="277" r:id="rId12"/>
+    <p:sldId id="291" r:id="rId12"/>
     <p:sldId id="281" r:id="rId13"/>
     <p:sldId id="265" r:id="rId14"/>
     <p:sldId id="279" r:id="rId15"/>
-    <p:sldId id="282" r:id="rId16"/>
-    <p:sldId id="280" r:id="rId17"/>
+    <p:sldId id="280" r:id="rId16"/>
+    <p:sldId id="282" r:id="rId17"/>
     <p:sldId id="283" r:id="rId18"/>
-    <p:sldId id="284" r:id="rId19"/>
-    <p:sldId id="285" r:id="rId20"/>
-    <p:sldId id="288" r:id="rId21"/>
-    <p:sldId id="286" r:id="rId22"/>
-    <p:sldId id="289" r:id="rId23"/>
-    <p:sldId id="290" r:id="rId24"/>
+    <p:sldId id="285" r:id="rId19"/>
+    <p:sldId id="284" r:id="rId20"/>
+    <p:sldId id="294" r:id="rId21"/>
+    <p:sldId id="293" r:id="rId22"/>
+    <p:sldId id="295" r:id="rId23"/>
+    <p:sldId id="296" r:id="rId24"/>
+    <p:sldId id="290" r:id="rId25"/>
   </p:sldIdLst>
   <p:sldSz cx="12192000" cy="6858000"/>
   <p:notesSz cx="6858000" cy="9144000"/>
@@ -229,7 +230,7 @@
           <a:effectLst/>
           <a:extLst>
             <a:ext uri="{91240B29-F687-4f45-9708-019B960494DF}">
-              <a14:hiddenLine xmlns="" xmlns:a14="http://schemas.microsoft.com/office/drawing/2010/main" w="9525">
+              <a14:hiddenLine xmlns:a14="http://schemas.microsoft.com/office/drawing/2010/main" xmlns="" w="9525">
                 <a:solidFill>
                   <a:srgbClr val="000000"/>
                 </a:solidFill>
@@ -421,7 +422,7 @@
           <a:p>
             <a:fld id="{02AC24A9-CCB6-4F8D-B8DB-C2F3692CFA5A}" type="datetimeFigureOut">
               <a:rPr lang="en-US" smtClean="0"/>
-              <a:t>11/10/20</a:t>
+              <a:t>11/13/20</a:t>
             </a:fld>
             <a:endParaRPr lang="en-US" dirty="0"/>
           </a:p>
@@ -739,7 +740,7 @@
           <a:p>
             <a:fld id="{02AC24A9-CCB6-4F8D-B8DB-C2F3692CFA5A}" type="datetimeFigureOut">
               <a:rPr lang="en-US" smtClean="0"/>
-              <a:t>11/10/20</a:t>
+              <a:t>11/13/20</a:t>
             </a:fld>
             <a:endParaRPr lang="en-US"/>
           </a:p>
@@ -1227,7 +1228,7 @@
           <a:p>
             <a:fld id="{02AC24A9-CCB6-4F8D-B8DB-C2F3692CFA5A}" type="datetimeFigureOut">
               <a:rPr lang="en-US" smtClean="0"/>
-              <a:t>11/10/20</a:t>
+              <a:t>11/13/20</a:t>
             </a:fld>
             <a:endParaRPr lang="en-US"/>
           </a:p>
@@ -1596,7 +1597,7 @@
           <a:p>
             <a:fld id="{02AC24A9-CCB6-4F8D-B8DB-C2F3692CFA5A}" type="datetimeFigureOut">
               <a:rPr lang="en-US" smtClean="0"/>
-              <a:t>11/10/20</a:t>
+              <a:t>11/13/20</a:t>
             </a:fld>
             <a:endParaRPr lang="en-US"/>
           </a:p>
@@ -1751,7 +1752,7 @@
           <a:ln/>
           <a:extLst>
             <a:ext uri="{91240B29-F687-4f45-9708-019B960494DF}">
-              <a14:hiddenLine xmlns="" xmlns:a14="http://schemas.microsoft.com/office/drawing/2010/main" w="9525">
+              <a14:hiddenLine xmlns:a14="http://schemas.microsoft.com/office/drawing/2010/main" xmlns="" w="9525">
                 <a:solidFill>
                   <a:srgbClr val="000000"/>
                 </a:solidFill>
@@ -1869,7 +1870,7 @@
           <a:p>
             <a:fld id="{02AC24A9-CCB6-4F8D-B8DB-C2F3692CFA5A}" type="datetimeFigureOut">
               <a:rPr lang="en-US" smtClean="0"/>
-              <a:t>11/10/20</a:t>
+              <a:t>11/13/20</a:t>
             </a:fld>
             <a:endParaRPr lang="en-US"/>
           </a:p>
@@ -2026,7 +2027,7 @@
           <a:ln/>
           <a:extLst>
             <a:ext uri="{91240B29-F687-4f45-9708-019B960494DF}">
-              <a14:hiddenLine xmlns="" xmlns:a14="http://schemas.microsoft.com/office/drawing/2010/main" w="9525">
+              <a14:hiddenLine xmlns:a14="http://schemas.microsoft.com/office/drawing/2010/main" xmlns="" w="9525">
                 <a:solidFill>
                   <a:srgbClr val="000000"/>
                 </a:solidFill>
@@ -2154,7 +2155,7 @@
           <a:p>
             <a:fld id="{02AC24A9-CCB6-4F8D-B8DB-C2F3692CFA5A}" type="datetimeFigureOut">
               <a:rPr lang="en-US" smtClean="0"/>
-              <a:t>11/10/20</a:t>
+              <a:t>11/13/20</a:t>
             </a:fld>
             <a:endParaRPr lang="en-US"/>
           </a:p>
@@ -2309,7 +2310,7 @@
           <a:ln/>
           <a:extLst>
             <a:ext uri="{91240B29-F687-4f45-9708-019B960494DF}">
-              <a14:hiddenLine xmlns="" xmlns:a14="http://schemas.microsoft.com/office/drawing/2010/main" w="9525">
+              <a14:hiddenLine xmlns:a14="http://schemas.microsoft.com/office/drawing/2010/main" xmlns="" w="9525">
                 <a:solidFill>
                   <a:srgbClr val="000000"/>
                 </a:solidFill>
@@ -2437,7 +2438,7 @@
           <a:p>
             <a:fld id="{02AC24A9-CCB6-4F8D-B8DB-C2F3692CFA5A}" type="datetimeFigureOut">
               <a:rPr lang="en-US" smtClean="0"/>
-              <a:t>11/10/20</a:t>
+              <a:t>11/13/20</a:t>
             </a:fld>
             <a:endParaRPr lang="en-US"/>
           </a:p>
@@ -2780,7 +2781,7 @@
           <a:p>
             <a:fld id="{02AC24A9-CCB6-4F8D-B8DB-C2F3692CFA5A}" type="datetimeFigureOut">
               <a:rPr lang="en-US" smtClean="0"/>
-              <a:t>11/10/20</a:t>
+              <a:t>11/13/20</a:t>
             </a:fld>
             <a:endParaRPr lang="en-US"/>
           </a:p>
@@ -2935,7 +2936,7 @@
           <a:ln/>
           <a:extLst>
             <a:ext uri="{91240B29-F687-4f45-9708-019B960494DF}">
-              <a14:hiddenLine xmlns="" xmlns:a14="http://schemas.microsoft.com/office/drawing/2010/main" w="9525">
+              <a14:hiddenLine xmlns:a14="http://schemas.microsoft.com/office/drawing/2010/main" xmlns="" w="9525">
                 <a:solidFill>
                   <a:srgbClr val="000000"/>
                 </a:solidFill>
@@ -3119,7 +3120,7 @@
           <a:p>
             <a:fld id="{02AC24A9-CCB6-4F8D-B8DB-C2F3692CFA5A}" type="datetimeFigureOut">
               <a:rPr lang="en-US" smtClean="0"/>
-              <a:t>11/10/20</a:t>
+              <a:t>11/13/20</a:t>
             </a:fld>
             <a:endParaRPr lang="en-US"/>
           </a:p>
@@ -3279,7 +3280,7 @@
           <a:ln/>
           <a:extLst>
             <a:ext uri="{91240B29-F687-4f45-9708-019B960494DF}">
-              <a14:hiddenLine xmlns="" xmlns:a14="http://schemas.microsoft.com/office/drawing/2010/main" w="9525">
+              <a14:hiddenLine xmlns:a14="http://schemas.microsoft.com/office/drawing/2010/main" xmlns="" w="9525">
                 <a:solidFill>
                   <a:srgbClr val="000000"/>
                 </a:solidFill>
@@ -3601,7 +3602,7 @@
           <a:p>
             <a:fld id="{02AC24A9-CCB6-4F8D-B8DB-C2F3692CFA5A}" type="datetimeFigureOut">
               <a:rPr lang="en-US" smtClean="0"/>
-              <a:t>11/10/20</a:t>
+              <a:t>11/13/20</a:t>
             </a:fld>
             <a:endParaRPr lang="en-US"/>
           </a:p>
@@ -3756,7 +3757,7 @@
           <a:ln/>
           <a:extLst>
             <a:ext uri="{91240B29-F687-4f45-9708-019B960494DF}">
-              <a14:hiddenLine xmlns="" xmlns:a14="http://schemas.microsoft.com/office/drawing/2010/main" w="9525">
+              <a14:hiddenLine xmlns:a14="http://schemas.microsoft.com/office/drawing/2010/main" xmlns="" w="9525">
                 <a:solidFill>
                   <a:srgbClr val="000000"/>
                 </a:solidFill>
@@ -3822,7 +3823,7 @@
           <a:p>
             <a:fld id="{02AC24A9-CCB6-4F8D-B8DB-C2F3692CFA5A}" type="datetimeFigureOut">
               <a:rPr lang="en-US" smtClean="0"/>
-              <a:t>11/10/20</a:t>
+              <a:t>11/13/20</a:t>
             </a:fld>
             <a:endParaRPr lang="en-US"/>
           </a:p>
@@ -3917,7 +3918,7 @@
           <a:p>
             <a:fld id="{02AC24A9-CCB6-4F8D-B8DB-C2F3692CFA5A}" type="datetimeFigureOut">
               <a:rPr lang="en-US" smtClean="0"/>
-              <a:t>11/10/20</a:t>
+              <a:t>11/13/20</a:t>
             </a:fld>
             <a:endParaRPr lang="en-US"/>
           </a:p>
@@ -4185,7 +4186,7 @@
           <a:ln/>
           <a:extLst>
             <a:ext uri="{91240B29-F687-4f45-9708-019B960494DF}">
-              <a14:hiddenLine xmlns="" xmlns:a14="http://schemas.microsoft.com/office/drawing/2010/main" w="9525">
+              <a14:hiddenLine xmlns:a14="http://schemas.microsoft.com/office/drawing/2010/main" xmlns="" w="9525">
                 <a:solidFill>
                   <a:srgbClr val="000000"/>
                 </a:solidFill>
@@ -4384,7 +4385,7 @@
           <a:p>
             <a:fld id="{02AC24A9-CCB6-4F8D-B8DB-C2F3692CFA5A}" type="datetimeFigureOut">
               <a:rPr lang="en-US" smtClean="0"/>
-              <a:t>11/10/20</a:t>
+              <a:t>11/13/20</a:t>
             </a:fld>
             <a:endParaRPr lang="en-US"/>
           </a:p>
@@ -4702,7 +4703,7 @@
           <a:p>
             <a:fld id="{02AC24A9-CCB6-4F8D-B8DB-C2F3692CFA5A}" type="datetimeFigureOut">
               <a:rPr lang="en-US" smtClean="0"/>
-              <a:t>11/10/20</a:t>
+              <a:t>11/13/20</a:t>
             </a:fld>
             <a:endParaRPr lang="en-US"/>
           </a:p>
@@ -4972,7 +4973,7 @@
           <a:p>
             <a:fld id="{02AC24A9-CCB6-4F8D-B8DB-C2F3692CFA5A}" type="datetimeFigureOut">
               <a:rPr lang="en-US" smtClean="0"/>
-              <a:t>11/10/20</a:t>
+              <a:t>11/13/20</a:t>
             </a:fld>
             <a:endParaRPr lang="en-US"/>
           </a:p>
@@ -5785,7 +5786,7 @@
           <a:effectLst/>
           <a:extLst>
             <a:ext uri="{91240B29-F687-4f45-9708-019B960494DF}">
-              <a14:hiddenLine xmlns:a16="http://schemas.microsoft.com/office/drawing/2014/main" xmlns:p14="http://schemas.microsoft.com/office/powerpoint/2010/main" xmlns:a14="http://schemas.microsoft.com/office/drawing/2010/main" xmlns="" w="9525">
+              <a14:hiddenLine xmlns="" xmlns:a14="http://schemas.microsoft.com/office/drawing/2010/main" xmlns:p14="http://schemas.microsoft.com/office/powerpoint/2010/main" xmlns:a16="http://schemas.microsoft.com/office/drawing/2014/main" w="9525">
                 <a:solidFill>
                   <a:srgbClr val="000000"/>
                 </a:solidFill>
@@ -6176,7 +6177,7 @@
             <a:pPr algn="ctr"/>
             <a:r>
               <a:rPr lang="en-US" dirty="0"/>
-              <a:t>Design Patterns in FP – Partial Application and Currying</a:t>
+              <a:t>Design Patterns in FP – Partial Application and Currying (3)</a:t>
             </a:r>
           </a:p>
         </p:txBody>
@@ -7356,7 +7357,7 @@
               <a:buNone/>
             </a:pPr>
             <a:r>
-              <a:rPr lang="en-GB" sz="1100" dirty="0">
+              <a:rPr lang="en-GB" sz="1100" dirty="0" err="1">
                 <a:solidFill>
                   <a:srgbClr val="C792EA"/>
                 </a:solidFill>
@@ -7451,7 +7452,7 @@
               <a:buNone/>
             </a:pPr>
             <a:r>
-              <a:rPr lang="en-GB" sz="1100" dirty="0">
+              <a:rPr lang="en-GB" sz="1100" dirty="0" err="1">
                 <a:solidFill>
                   <a:srgbClr val="C792EA"/>
                 </a:solidFill>
@@ -7739,7 +7740,7 @@
             <a:pPr algn="ctr"/>
             <a:r>
               <a:rPr lang="en-US" dirty="0"/>
-              <a:t>Design Patterns in FP – Recursion</a:t>
+              <a:t>Design Patterns in FP – Declarative Programming (4)</a:t>
             </a:r>
           </a:p>
         </p:txBody>
@@ -7762,144 +7763,187 @@
         </p:nvSpPr>
         <p:spPr>
           <a:xfrm>
-            <a:off x="5224007" y="446088"/>
-            <a:ext cx="6618126" cy="5677300"/>
+            <a:off x="5255813" y="446088"/>
+            <a:ext cx="4471662" cy="6015672"/>
           </a:xfrm>
+          <a:noFill/>
         </p:spPr>
         <p:txBody>
           <a:bodyPr>
-            <a:normAutofit/>
+            <a:normAutofit fontScale="55000" lnSpcReduction="20000"/>
           </a:bodyPr>
           <a:lstStyle/>
           <a:p>
             <a:pPr marL="0" indent="0">
               <a:buNone/>
             </a:pPr>
-            <a:endParaRPr lang="en-GB" sz="1100" dirty="0">
-              <a:solidFill>
-                <a:srgbClr val="C792EA"/>
-              </a:solidFill>
-              <a:latin typeface="Menlo" panose="020B0609030804020204" pitchFamily="49" charset="0"/>
-            </a:endParaRPr>
+            <a:r>
+              <a:rPr lang="en-GB" dirty="0" err="1">
+                <a:solidFill>
+                  <a:srgbClr val="C792EA"/>
+                </a:solidFill>
+                <a:latin typeface="Menlo" panose="020B0609030804020204" pitchFamily="49" charset="0"/>
+              </a:rPr>
+              <a:t>const</a:t>
+            </a:r>
+            <a:r>
+              <a:rPr lang="en-GB" dirty="0">
+                <a:solidFill>
+                  <a:srgbClr val="A6ACCD"/>
+                </a:solidFill>
+                <a:latin typeface="Menlo" panose="020B0609030804020204" pitchFamily="49" charset="0"/>
+              </a:rPr>
+              <a:t> </a:t>
+            </a:r>
+            <a:r>
+              <a:rPr lang="en-GB" dirty="0" err="1">
+                <a:solidFill>
+                  <a:srgbClr val="A6ACCD"/>
+                </a:solidFill>
+                <a:latin typeface="Menlo" panose="020B0609030804020204" pitchFamily="49" charset="0"/>
+              </a:rPr>
+              <a:t>arr</a:t>
+            </a:r>
+            <a:r>
+              <a:rPr lang="en-GB" dirty="0">
+                <a:solidFill>
+                  <a:srgbClr val="A6ACCD"/>
+                </a:solidFill>
+                <a:latin typeface="Menlo" panose="020B0609030804020204" pitchFamily="49" charset="0"/>
+              </a:rPr>
+              <a:t> </a:t>
+            </a:r>
+            <a:r>
+              <a:rPr lang="en-GB" dirty="0">
+                <a:solidFill>
+                  <a:srgbClr val="89DDFF"/>
+                </a:solidFill>
+                <a:latin typeface="Menlo" panose="020B0609030804020204" pitchFamily="49" charset="0"/>
+              </a:rPr>
+              <a:t>=</a:t>
+            </a:r>
+            <a:r>
+              <a:rPr lang="en-GB" dirty="0">
+                <a:solidFill>
+                  <a:srgbClr val="A6ACCD"/>
+                </a:solidFill>
+                <a:latin typeface="Menlo" panose="020B0609030804020204" pitchFamily="49" charset="0"/>
+              </a:rPr>
+              <a:t> [</a:t>
+            </a:r>
+            <a:r>
+              <a:rPr lang="en-GB" dirty="0">
+                <a:solidFill>
+                  <a:srgbClr val="F78C6C"/>
+                </a:solidFill>
+                <a:latin typeface="Menlo" panose="020B0609030804020204" pitchFamily="49" charset="0"/>
+              </a:rPr>
+              <a:t>1</a:t>
+            </a:r>
+            <a:r>
+              <a:rPr lang="en-GB" dirty="0">
+                <a:solidFill>
+                  <a:srgbClr val="89DDFF"/>
+                </a:solidFill>
+                <a:latin typeface="Menlo" panose="020B0609030804020204" pitchFamily="49" charset="0"/>
+              </a:rPr>
+              <a:t>,</a:t>
+            </a:r>
+            <a:r>
+              <a:rPr lang="en-GB" dirty="0">
+                <a:solidFill>
+                  <a:srgbClr val="F78C6C"/>
+                </a:solidFill>
+                <a:latin typeface="Menlo" panose="020B0609030804020204" pitchFamily="49" charset="0"/>
+              </a:rPr>
+              <a:t>2</a:t>
+            </a:r>
+            <a:r>
+              <a:rPr lang="en-GB" dirty="0">
+                <a:solidFill>
+                  <a:srgbClr val="89DDFF"/>
+                </a:solidFill>
+                <a:latin typeface="Menlo" panose="020B0609030804020204" pitchFamily="49" charset="0"/>
+              </a:rPr>
+              <a:t>,</a:t>
+            </a:r>
+            <a:r>
+              <a:rPr lang="en-GB" dirty="0">
+                <a:solidFill>
+                  <a:srgbClr val="F78C6C"/>
+                </a:solidFill>
+                <a:latin typeface="Menlo" panose="020B0609030804020204" pitchFamily="49" charset="0"/>
+              </a:rPr>
+              <a:t>3</a:t>
+            </a:r>
+            <a:r>
+              <a:rPr lang="en-GB" dirty="0">
+                <a:solidFill>
+                  <a:srgbClr val="89DDFF"/>
+                </a:solidFill>
+                <a:latin typeface="Menlo" panose="020B0609030804020204" pitchFamily="49" charset="0"/>
+              </a:rPr>
+              <a:t>,</a:t>
+            </a:r>
+            <a:r>
+              <a:rPr lang="en-GB" dirty="0">
+                <a:solidFill>
+                  <a:srgbClr val="F78C6C"/>
+                </a:solidFill>
+                <a:latin typeface="Menlo" panose="020B0609030804020204" pitchFamily="49" charset="0"/>
+              </a:rPr>
+              <a:t>4</a:t>
+            </a:r>
+            <a:r>
+              <a:rPr lang="en-GB" dirty="0">
+                <a:solidFill>
+                  <a:srgbClr val="89DDFF"/>
+                </a:solidFill>
+                <a:latin typeface="Menlo" panose="020B0609030804020204" pitchFamily="49" charset="0"/>
+              </a:rPr>
+              <a:t>,</a:t>
+            </a:r>
+            <a:r>
+              <a:rPr lang="en-GB" dirty="0">
+                <a:solidFill>
+                  <a:srgbClr val="F78C6C"/>
+                </a:solidFill>
+                <a:latin typeface="Menlo" panose="020B0609030804020204" pitchFamily="49" charset="0"/>
+              </a:rPr>
+              <a:t>5</a:t>
+            </a:r>
+            <a:r>
+              <a:rPr lang="en-GB" dirty="0">
+                <a:solidFill>
+                  <a:srgbClr val="A6ACCD"/>
+                </a:solidFill>
+                <a:latin typeface="Menlo" panose="020B0609030804020204" pitchFamily="49" charset="0"/>
+              </a:rPr>
+              <a:t>]</a:t>
+            </a:r>
           </a:p>
           <a:p>
             <a:pPr marL="0" indent="0">
               <a:buNone/>
             </a:pPr>
-            <a:r>
-              <a:rPr lang="en-GB" sz="1100" dirty="0">
-                <a:solidFill>
-                  <a:srgbClr val="C792EA"/>
-                </a:solidFill>
-                <a:latin typeface="Menlo" panose="020B0609030804020204" pitchFamily="49" charset="0"/>
-              </a:rPr>
-              <a:t>const</a:t>
-            </a:r>
-            <a:r>
-              <a:rPr lang="en-GB" sz="1100" dirty="0">
-                <a:solidFill>
-                  <a:srgbClr val="A6ACCD"/>
-                </a:solidFill>
-                <a:latin typeface="Menlo" panose="020B0609030804020204" pitchFamily="49" charset="0"/>
-              </a:rPr>
-              <a:t> factorial </a:t>
-            </a:r>
-            <a:r>
-              <a:rPr lang="en-GB" sz="1100" dirty="0">
-                <a:solidFill>
-                  <a:srgbClr val="89DDFF"/>
-                </a:solidFill>
-                <a:latin typeface="Menlo" panose="020B0609030804020204" pitchFamily="49" charset="0"/>
-              </a:rPr>
-              <a:t>=</a:t>
-            </a:r>
-            <a:r>
-              <a:rPr lang="en-GB" sz="1100" dirty="0">
-                <a:solidFill>
-                  <a:srgbClr val="A6ACCD"/>
-                </a:solidFill>
-                <a:latin typeface="Menlo" panose="020B0609030804020204" pitchFamily="49" charset="0"/>
-              </a:rPr>
-              <a:t> </a:t>
-            </a:r>
-            <a:r>
-              <a:rPr lang="en-GB" sz="1100" dirty="0">
-                <a:solidFill>
-                  <a:srgbClr val="89DDFF"/>
-                </a:solidFill>
-                <a:latin typeface="Menlo" panose="020B0609030804020204" pitchFamily="49" charset="0"/>
-              </a:rPr>
-              <a:t>(</a:t>
-            </a:r>
-            <a:r>
-              <a:rPr lang="en-GB" sz="1100" dirty="0" err="1">
-                <a:solidFill>
-                  <a:srgbClr val="A6ACCD"/>
-                </a:solidFill>
-                <a:latin typeface="Menlo" panose="020B0609030804020204" pitchFamily="49" charset="0"/>
-              </a:rPr>
-              <a:t>num</a:t>
-            </a:r>
-            <a:r>
-              <a:rPr lang="en-GB" sz="1100" dirty="0">
-                <a:solidFill>
-                  <a:srgbClr val="89DDFF"/>
-                </a:solidFill>
-                <a:latin typeface="Menlo" panose="020B0609030804020204" pitchFamily="49" charset="0"/>
-              </a:rPr>
-              <a:t>)</a:t>
-            </a:r>
-            <a:r>
-              <a:rPr lang="en-GB" sz="1100" dirty="0">
-                <a:solidFill>
-                  <a:srgbClr val="A6ACCD"/>
-                </a:solidFill>
-                <a:latin typeface="Menlo" panose="020B0609030804020204" pitchFamily="49" charset="0"/>
-              </a:rPr>
-              <a:t> </a:t>
-            </a:r>
-            <a:r>
-              <a:rPr lang="en-GB" sz="1100" dirty="0">
-                <a:solidFill>
-                  <a:srgbClr val="C792EA"/>
-                </a:solidFill>
-                <a:latin typeface="Menlo" panose="020B0609030804020204" pitchFamily="49" charset="0"/>
-              </a:rPr>
-              <a:t>=&gt;</a:t>
-            </a:r>
-            <a:r>
-              <a:rPr lang="en-GB" sz="1100" dirty="0">
-                <a:solidFill>
-                  <a:srgbClr val="A6ACCD"/>
-                </a:solidFill>
-                <a:latin typeface="Menlo" panose="020B0609030804020204" pitchFamily="49" charset="0"/>
-              </a:rPr>
-              <a:t> </a:t>
-            </a:r>
-            <a:r>
-              <a:rPr lang="en-GB" sz="1100" dirty="0">
-                <a:solidFill>
-                  <a:srgbClr val="89DDFF"/>
-                </a:solidFill>
-                <a:latin typeface="Menlo" panose="020B0609030804020204" pitchFamily="49" charset="0"/>
-              </a:rPr>
-              <a:t>{</a:t>
-            </a:r>
-          </a:p>
-          <a:p>
-            <a:pPr marL="0" indent="0">
-              <a:buNone/>
-            </a:pPr>
-            <a:r>
-              <a:rPr lang="en-GB" sz="1100" i="1" dirty="0">
+            <a:br>
+              <a:rPr lang="en-GB" dirty="0">
+                <a:solidFill>
+                  <a:srgbClr val="A6ACCD"/>
+                </a:solidFill>
+                <a:latin typeface="Menlo" panose="020B0609030804020204" pitchFamily="49" charset="0"/>
+              </a:rPr>
+            </a:br>
+            <a:r>
+              <a:rPr lang="en-GB" i="1" dirty="0">
                 <a:solidFill>
                   <a:srgbClr val="464B5D"/>
                 </a:solidFill>
                 <a:latin typeface="Menlo" panose="020B0609030804020204" pitchFamily="49" charset="0"/>
               </a:rPr>
-              <a:t>	// edge case</a:t>
-            </a:r>
-            <a:endParaRPr lang="en-GB" sz="1100" dirty="0">
+              <a:t>// filtering</a:t>
+            </a:r>
+            <a:endParaRPr lang="en-GB" dirty="0">
               <a:solidFill>
                 <a:srgbClr val="A6ACCD"/>
               </a:solidFill>
@@ -7907,91 +7951,109 @@
             </a:endParaRPr>
           </a:p>
           <a:p>
-            <a:pPr marL="400050" lvl="1" indent="0">
+            <a:pPr marL="0" indent="0">
               <a:buNone/>
             </a:pPr>
             <a:r>
-              <a:rPr lang="en-GB" sz="1100" i="1" dirty="0">
+              <a:rPr lang="en-GB" dirty="0" err="1">
+                <a:solidFill>
+                  <a:srgbClr val="C792EA"/>
+                </a:solidFill>
+                <a:latin typeface="Menlo" panose="020B0609030804020204" pitchFamily="49" charset="0"/>
+              </a:rPr>
+              <a:t>const</a:t>
+            </a:r>
+            <a:r>
+              <a:rPr lang="en-GB" dirty="0">
+                <a:solidFill>
+                  <a:srgbClr val="A6ACCD"/>
+                </a:solidFill>
+                <a:latin typeface="Menlo" panose="020B0609030804020204" pitchFamily="49" charset="0"/>
+              </a:rPr>
+              <a:t> </a:t>
+            </a:r>
+            <a:r>
+              <a:rPr lang="en-GB" dirty="0" err="1">
+                <a:solidFill>
+                  <a:srgbClr val="A6ACCD"/>
+                </a:solidFill>
+                <a:latin typeface="Menlo" panose="020B0609030804020204" pitchFamily="49" charset="0"/>
+              </a:rPr>
+              <a:t>filterElementsNotEqualOne</a:t>
+            </a:r>
+            <a:r>
+              <a:rPr lang="en-GB" dirty="0">
+                <a:solidFill>
+                  <a:srgbClr val="A6ACCD"/>
+                </a:solidFill>
+                <a:latin typeface="Menlo" panose="020B0609030804020204" pitchFamily="49" charset="0"/>
+              </a:rPr>
+              <a:t> </a:t>
+            </a:r>
+            <a:r>
+              <a:rPr lang="en-GB" dirty="0">
                 <a:solidFill>
                   <a:srgbClr val="89DDFF"/>
                 </a:solidFill>
                 <a:latin typeface="Menlo" panose="020B0609030804020204" pitchFamily="49" charset="0"/>
               </a:rPr>
-              <a:t>if</a:t>
-            </a:r>
-            <a:r>
-              <a:rPr lang="en-GB" sz="1100" dirty="0">
-                <a:solidFill>
-                  <a:srgbClr val="F07178"/>
-                </a:solidFill>
-                <a:latin typeface="Menlo" panose="020B0609030804020204" pitchFamily="49" charset="0"/>
-              </a:rPr>
-              <a:t>(</a:t>
-            </a:r>
-            <a:r>
-              <a:rPr lang="en-GB" sz="1100" dirty="0" err="1">
-                <a:solidFill>
-                  <a:srgbClr val="A6ACCD"/>
-                </a:solidFill>
-                <a:latin typeface="Menlo" panose="020B0609030804020204" pitchFamily="49" charset="0"/>
-              </a:rPr>
-              <a:t>num</a:t>
-            </a:r>
-            <a:r>
-              <a:rPr lang="en-GB" sz="1100" dirty="0">
-                <a:solidFill>
-                  <a:srgbClr val="F07178"/>
+              <a:t>=</a:t>
+            </a:r>
+            <a:r>
+              <a:rPr lang="en-GB" dirty="0">
+                <a:solidFill>
+                  <a:srgbClr val="A6ACCD"/>
                 </a:solidFill>
                 <a:latin typeface="Menlo" panose="020B0609030804020204" pitchFamily="49" charset="0"/>
               </a:rPr>
               <a:t> </a:t>
             </a:r>
             <a:r>
-              <a:rPr lang="en-GB" sz="1100" dirty="0">
+              <a:rPr lang="en-GB" dirty="0" err="1">
+                <a:solidFill>
+                  <a:srgbClr val="A6ACCD"/>
+                </a:solidFill>
+                <a:latin typeface="Menlo" panose="020B0609030804020204" pitchFamily="49" charset="0"/>
+              </a:rPr>
+              <a:t>arr</a:t>
+            </a:r>
+            <a:r>
+              <a:rPr lang="en-GB" dirty="0">
+                <a:solidFill>
+                  <a:srgbClr val="A6ACCD"/>
+                </a:solidFill>
+                <a:latin typeface="Menlo" panose="020B0609030804020204" pitchFamily="49" charset="0"/>
+              </a:rPr>
+              <a:t> </a:t>
+            </a:r>
+            <a:r>
+              <a:rPr lang="en-GB" dirty="0">
+                <a:solidFill>
+                  <a:srgbClr val="C792EA"/>
+                </a:solidFill>
+                <a:latin typeface="Menlo" panose="020B0609030804020204" pitchFamily="49" charset="0"/>
+              </a:rPr>
+              <a:t>=&gt;</a:t>
+            </a:r>
+            <a:r>
+              <a:rPr lang="en-GB" dirty="0">
+                <a:solidFill>
+                  <a:srgbClr val="A6ACCD"/>
+                </a:solidFill>
+                <a:latin typeface="Menlo" panose="020B0609030804020204" pitchFamily="49" charset="0"/>
+              </a:rPr>
+              <a:t> </a:t>
+            </a:r>
+            <a:r>
+              <a:rPr lang="en-GB" dirty="0">
                 <a:solidFill>
                   <a:srgbClr val="89DDFF"/>
                 </a:solidFill>
                 <a:latin typeface="Menlo" panose="020B0609030804020204" pitchFamily="49" charset="0"/>
               </a:rPr>
-              <a:t>&lt;=</a:t>
-            </a:r>
-            <a:r>
-              <a:rPr lang="en-GB" sz="1100" dirty="0">
-                <a:solidFill>
-                  <a:srgbClr val="F07178"/>
-                </a:solidFill>
-                <a:latin typeface="Menlo" panose="020B0609030804020204" pitchFamily="49" charset="0"/>
-              </a:rPr>
-              <a:t> </a:t>
-            </a:r>
-            <a:r>
-              <a:rPr lang="en-GB" sz="1100" dirty="0">
-                <a:solidFill>
-                  <a:srgbClr val="F78C6C"/>
-                </a:solidFill>
-                <a:latin typeface="Menlo" panose="020B0609030804020204" pitchFamily="49" charset="0"/>
-              </a:rPr>
-              <a:t>0</a:t>
-            </a:r>
-            <a:r>
-              <a:rPr lang="en-GB" sz="1100" dirty="0">
-                <a:solidFill>
-                  <a:srgbClr val="F07178"/>
-                </a:solidFill>
-                <a:latin typeface="Menlo" panose="020B0609030804020204" pitchFamily="49" charset="0"/>
-              </a:rPr>
-              <a:t>)</a:t>
-            </a:r>
-            <a:r>
-              <a:rPr lang="en-GB" sz="1100" dirty="0">
-                <a:solidFill>
-                  <a:srgbClr val="89DDFF"/>
-                </a:solidFill>
-                <a:latin typeface="Menlo" panose="020B0609030804020204" pitchFamily="49" charset="0"/>
-              </a:rPr>
               <a:t>{</a:t>
             </a:r>
-            <a:endParaRPr lang="en-GB" sz="1100" dirty="0">
+            <a:endParaRPr lang="en-GB" dirty="0">
               <a:solidFill>
                 <a:srgbClr val="A6ACCD"/>
               </a:solidFill>
@@ -7999,37 +8061,73 @@
             </a:endParaRPr>
           </a:p>
           <a:p>
-            <a:pPr marL="400050" lvl="1" indent="0">
+            <a:pPr marL="0" indent="0">
               <a:buNone/>
             </a:pPr>
             <a:r>
-              <a:rPr lang="en-GB" sz="1100" i="1" dirty="0">
+              <a:rPr lang="en-GB" dirty="0">
+                <a:solidFill>
+                  <a:srgbClr val="C792EA"/>
+                </a:solidFill>
+                <a:latin typeface="Menlo" panose="020B0609030804020204" pitchFamily="49" charset="0"/>
+              </a:rPr>
+              <a:t>	</a:t>
+            </a:r>
+            <a:r>
+              <a:rPr lang="en-GB" dirty="0" err="1">
+                <a:solidFill>
+                  <a:srgbClr val="C792EA"/>
+                </a:solidFill>
+                <a:latin typeface="Menlo" panose="020B0609030804020204" pitchFamily="49" charset="0"/>
+              </a:rPr>
+              <a:t>const</a:t>
+            </a:r>
+            <a:r>
+              <a:rPr lang="en-GB" dirty="0">
+                <a:solidFill>
+                  <a:srgbClr val="F07178"/>
+                </a:solidFill>
+                <a:latin typeface="Menlo" panose="020B0609030804020204" pitchFamily="49" charset="0"/>
+              </a:rPr>
+              <a:t> </a:t>
+            </a:r>
+            <a:r>
+              <a:rPr lang="en-GB" dirty="0" err="1">
+                <a:solidFill>
+                  <a:srgbClr val="A6ACCD"/>
+                </a:solidFill>
+                <a:latin typeface="Menlo" panose="020B0609030804020204" pitchFamily="49" charset="0"/>
+              </a:rPr>
+              <a:t>newArr</a:t>
+            </a:r>
+            <a:r>
+              <a:rPr lang="en-GB" dirty="0">
+                <a:solidFill>
+                  <a:srgbClr val="F07178"/>
+                </a:solidFill>
+                <a:latin typeface="Menlo" panose="020B0609030804020204" pitchFamily="49" charset="0"/>
+              </a:rPr>
+              <a:t> </a:t>
+            </a:r>
+            <a:r>
+              <a:rPr lang="en-GB" dirty="0">
                 <a:solidFill>
                   <a:srgbClr val="89DDFF"/>
                 </a:solidFill>
                 <a:latin typeface="Menlo" panose="020B0609030804020204" pitchFamily="49" charset="0"/>
               </a:rPr>
-              <a:t>	  	return</a:t>
-            </a:r>
-            <a:r>
-              <a:rPr lang="en-GB" sz="1100" dirty="0">
+              <a:t>=</a:t>
+            </a:r>
+            <a:r>
+              <a:rPr lang="en-GB" dirty="0">
                 <a:solidFill>
                   <a:srgbClr val="F07178"/>
                 </a:solidFill>
                 <a:latin typeface="Menlo" panose="020B0609030804020204" pitchFamily="49" charset="0"/>
               </a:rPr>
-              <a:t> </a:t>
-            </a:r>
-            <a:r>
-              <a:rPr lang="en-GB" sz="1100" dirty="0">
-                <a:solidFill>
-                  <a:srgbClr val="89DDFF"/>
-                </a:solidFill>
-                <a:latin typeface="Menlo" panose="020B0609030804020204" pitchFamily="49" charset="0"/>
-              </a:rPr>
-              <a:t>undefined</a:t>
-            </a:r>
-            <a:endParaRPr lang="en-GB" sz="1100" dirty="0">
+              <a:t> []</a:t>
+            </a:r>
+            <a:endParaRPr lang="en-GB" dirty="0">
               <a:solidFill>
                 <a:srgbClr val="A6ACCD"/>
               </a:solidFill>
@@ -8037,19 +8135,109 @@
             </a:endParaRPr>
           </a:p>
           <a:p>
-            <a:pPr marL="400050" lvl="1" indent="0">
+            <a:pPr marL="0" indent="0">
               <a:buNone/>
             </a:pPr>
             <a:r>
-              <a:rPr lang="en-GB" sz="1100" dirty="0">
+              <a:rPr lang="en-GB" i="1" dirty="0">
                 <a:solidFill>
                   <a:srgbClr val="89DDFF"/>
                 </a:solidFill>
                 <a:latin typeface="Menlo" panose="020B0609030804020204" pitchFamily="49" charset="0"/>
               </a:rPr>
-              <a:t>}</a:t>
-            </a:r>
-            <a:endParaRPr lang="en-GB" sz="1100" dirty="0">
+              <a:t>	for</a:t>
+            </a:r>
+            <a:r>
+              <a:rPr lang="en-GB" dirty="0">
+                <a:solidFill>
+                  <a:srgbClr val="F07178"/>
+                </a:solidFill>
+                <a:latin typeface="Menlo" panose="020B0609030804020204" pitchFamily="49" charset="0"/>
+              </a:rPr>
+              <a:t>(</a:t>
+            </a:r>
+            <a:r>
+              <a:rPr lang="en-GB" dirty="0" err="1">
+                <a:solidFill>
+                  <a:srgbClr val="C792EA"/>
+                </a:solidFill>
+                <a:latin typeface="Menlo" panose="020B0609030804020204" pitchFamily="49" charset="0"/>
+              </a:rPr>
+              <a:t>const</a:t>
+            </a:r>
+            <a:r>
+              <a:rPr lang="en-GB" dirty="0">
+                <a:solidFill>
+                  <a:srgbClr val="F07178"/>
+                </a:solidFill>
+                <a:latin typeface="Menlo" panose="020B0609030804020204" pitchFamily="49" charset="0"/>
+              </a:rPr>
+              <a:t> </a:t>
+            </a:r>
+            <a:r>
+              <a:rPr lang="en-GB" dirty="0" err="1">
+                <a:solidFill>
+                  <a:srgbClr val="A6ACCD"/>
+                </a:solidFill>
+                <a:latin typeface="Menlo" panose="020B0609030804020204" pitchFamily="49" charset="0"/>
+              </a:rPr>
+              <a:t>num</a:t>
+            </a:r>
+            <a:r>
+              <a:rPr lang="en-GB" dirty="0">
+                <a:solidFill>
+                  <a:srgbClr val="F07178"/>
+                </a:solidFill>
+                <a:latin typeface="Menlo" panose="020B0609030804020204" pitchFamily="49" charset="0"/>
+              </a:rPr>
+              <a:t> </a:t>
+            </a:r>
+            <a:r>
+              <a:rPr lang="en-GB" dirty="0">
+                <a:solidFill>
+                  <a:srgbClr val="89DDFF"/>
+                </a:solidFill>
+                <a:latin typeface="Menlo" panose="020B0609030804020204" pitchFamily="49" charset="0"/>
+              </a:rPr>
+              <a:t>of</a:t>
+            </a:r>
+            <a:r>
+              <a:rPr lang="en-GB" dirty="0">
+                <a:solidFill>
+                  <a:srgbClr val="F07178"/>
+                </a:solidFill>
+                <a:latin typeface="Menlo" panose="020B0609030804020204" pitchFamily="49" charset="0"/>
+              </a:rPr>
+              <a:t> </a:t>
+            </a:r>
+            <a:r>
+              <a:rPr lang="en-GB" dirty="0" err="1">
+                <a:solidFill>
+                  <a:srgbClr val="A6ACCD"/>
+                </a:solidFill>
+                <a:latin typeface="Menlo" panose="020B0609030804020204" pitchFamily="49" charset="0"/>
+              </a:rPr>
+              <a:t>arr</a:t>
+            </a:r>
+            <a:r>
+              <a:rPr lang="en-GB" dirty="0">
+                <a:solidFill>
+                  <a:srgbClr val="F07178"/>
+                </a:solidFill>
+                <a:latin typeface="Menlo" panose="020B0609030804020204" pitchFamily="49" charset="0"/>
+              </a:rPr>
+              <a:t>)</a:t>
+            </a:r>
+            <a:r>
+              <a:rPr lang="en-GB" dirty="0">
+                <a:solidFill>
+                  <a:srgbClr val="89DDFF"/>
+                </a:solidFill>
+                <a:latin typeface="Menlo" panose="020B0609030804020204" pitchFamily="49" charset="0"/>
+              </a:rPr>
+              <a:t>{</a:t>
+            </a:r>
+            <a:endParaRPr lang="en-GB" dirty="0">
               <a:solidFill>
                 <a:srgbClr val="A6ACCD"/>
               </a:solidFill>
@@ -8060,33 +8248,88 @@
             <a:pPr marL="0" indent="0">
               <a:buNone/>
             </a:pPr>
-            <a:br>
-              <a:rPr lang="en-GB" sz="1100" dirty="0">
-                <a:solidFill>
-                  <a:srgbClr val="A6ACCD"/>
-                </a:solidFill>
-                <a:latin typeface="Menlo" panose="020B0609030804020204" pitchFamily="49" charset="0"/>
-              </a:rPr>
-            </a:br>
-            <a:r>
-              <a:rPr lang="en-GB" sz="1100" dirty="0">
-                <a:solidFill>
-                  <a:srgbClr val="A6ACCD"/>
-                </a:solidFill>
-                <a:latin typeface="Menlo" panose="020B0609030804020204" pitchFamily="49" charset="0"/>
-              </a:rPr>
-              <a:t>	</a:t>
-            </a:r>
-            <a:r>
-              <a:rPr lang="en-GB" sz="1100" i="1" dirty="0">
-                <a:solidFill>
-                  <a:srgbClr val="464B5D"/>
-                </a:solidFill>
-                <a:latin typeface="Menlo" panose="020B0609030804020204" pitchFamily="49" charset="0"/>
-              </a:rPr>
-              <a:t>// base of recursion</a:t>
-            </a:r>
-            <a:endParaRPr lang="en-GB" sz="1100" dirty="0">
+            <a:r>
+              <a:rPr lang="en-GB" i="1" dirty="0">
+                <a:solidFill>
+                  <a:srgbClr val="89DDFF"/>
+                </a:solidFill>
+                <a:latin typeface="Menlo" panose="020B0609030804020204" pitchFamily="49" charset="0"/>
+              </a:rPr>
+              <a:t>		if</a:t>
+            </a:r>
+            <a:r>
+              <a:rPr lang="en-GB" dirty="0">
+                <a:solidFill>
+                  <a:srgbClr val="F07178"/>
+                </a:solidFill>
+                <a:latin typeface="Menlo" panose="020B0609030804020204" pitchFamily="49" charset="0"/>
+              </a:rPr>
+              <a:t>(</a:t>
+            </a:r>
+            <a:r>
+              <a:rPr lang="en-GB" dirty="0" err="1">
+                <a:solidFill>
+                  <a:srgbClr val="A6ACCD"/>
+                </a:solidFill>
+                <a:latin typeface="Menlo" panose="020B0609030804020204" pitchFamily="49" charset="0"/>
+              </a:rPr>
+              <a:t>num</a:t>
+            </a:r>
+            <a:r>
+              <a:rPr lang="en-GB" dirty="0">
+                <a:solidFill>
+                  <a:srgbClr val="F07178"/>
+                </a:solidFill>
+                <a:latin typeface="Menlo" panose="020B0609030804020204" pitchFamily="49" charset="0"/>
+              </a:rPr>
+              <a:t> </a:t>
+            </a:r>
+            <a:r>
+              <a:rPr lang="en-GB" dirty="0">
+                <a:solidFill>
+                  <a:srgbClr val="89DDFF"/>
+                </a:solidFill>
+                <a:latin typeface="Menlo" panose="020B0609030804020204" pitchFamily="49" charset="0"/>
+              </a:rPr>
+              <a:t>!==</a:t>
+            </a:r>
+            <a:r>
+              <a:rPr lang="en-GB" dirty="0">
+                <a:solidFill>
+                  <a:srgbClr val="F07178"/>
+                </a:solidFill>
+                <a:latin typeface="Menlo" panose="020B0609030804020204" pitchFamily="49" charset="0"/>
+              </a:rPr>
+              <a:t> </a:t>
+            </a:r>
+            <a:r>
+              <a:rPr lang="en-GB" dirty="0">
+                <a:solidFill>
+                  <a:srgbClr val="F78C6C"/>
+                </a:solidFill>
+                <a:latin typeface="Menlo" panose="020B0609030804020204" pitchFamily="49" charset="0"/>
+              </a:rPr>
+              <a:t>1</a:t>
+            </a:r>
+            <a:r>
+              <a:rPr lang="en-GB" dirty="0">
+                <a:solidFill>
+                  <a:srgbClr val="F07178"/>
+                </a:solidFill>
+                <a:latin typeface="Menlo" panose="020B0609030804020204" pitchFamily="49" charset="0"/>
+              </a:rPr>
+              <a:t>)</a:t>
+            </a:r>
+            <a:r>
+              <a:rPr lang="en-GB" dirty="0">
+                <a:solidFill>
+                  <a:srgbClr val="89DDFF"/>
+                </a:solidFill>
+                <a:latin typeface="Menlo" panose="020B0609030804020204" pitchFamily="49" charset="0"/>
+              </a:rPr>
+              <a:t>{</a:t>
+            </a:r>
+            <a:endParaRPr lang="en-GB" dirty="0">
               <a:solidFill>
                 <a:srgbClr val="A6ACCD"/>
               </a:solidFill>
@@ -8098,16 +8341,43 @@
               <a:buNone/>
             </a:pPr>
             <a:r>
-              <a:rPr lang="en-GB" sz="1100" i="1" dirty="0">
+              <a:rPr lang="en-GB" dirty="0">
+                <a:solidFill>
+                  <a:srgbClr val="A6ACCD"/>
+                </a:solidFill>
+                <a:latin typeface="Menlo" panose="020B0609030804020204" pitchFamily="49" charset="0"/>
+              </a:rPr>
+              <a:t>			</a:t>
+            </a:r>
+            <a:r>
+              <a:rPr lang="en-GB" dirty="0" err="1">
+                <a:solidFill>
+                  <a:srgbClr val="A6ACCD"/>
+                </a:solidFill>
+                <a:latin typeface="Menlo" panose="020B0609030804020204" pitchFamily="49" charset="0"/>
+              </a:rPr>
+              <a:t>newArr</a:t>
+            </a:r>
+            <a:r>
+              <a:rPr lang="en-GB" dirty="0" err="1">
                 <a:solidFill>
                   <a:srgbClr val="89DDFF"/>
                 </a:solidFill>
                 <a:latin typeface="Menlo" panose="020B0609030804020204" pitchFamily="49" charset="0"/>
               </a:rPr>
-              <a:t>	if</a:t>
-            </a:r>
-            <a:r>
-              <a:rPr lang="en-GB" sz="1100" dirty="0">
+              <a:t>.</a:t>
+            </a:r>
+            <a:r>
+              <a:rPr lang="en-GB" dirty="0" err="1">
+                <a:solidFill>
+                  <a:srgbClr val="82AAFF"/>
+                </a:solidFill>
+                <a:latin typeface="Menlo" panose="020B0609030804020204" pitchFamily="49" charset="0"/>
+              </a:rPr>
+              <a:t>push</a:t>
+            </a:r>
+            <a:r>
+              <a:rPr lang="en-GB" dirty="0">
                 <a:solidFill>
                   <a:srgbClr val="F07178"/>
                 </a:solidFill>
@@ -8116,7 +8386,7 @@
               <a:t>(</a:t>
             </a:r>
             <a:r>
-              <a:rPr lang="en-GB" sz="1100" dirty="0" err="1">
+              <a:rPr lang="en-GB" dirty="0" err="1">
                 <a:solidFill>
                   <a:srgbClr val="A6ACCD"/>
                 </a:solidFill>
@@ -8125,60 +8395,75 @@
               <a:t>num</a:t>
             </a:r>
             <a:r>
-              <a:rPr lang="en-GB" sz="1100" dirty="0">
+              <a:rPr lang="en-GB" dirty="0">
                 <a:solidFill>
                   <a:srgbClr val="F07178"/>
                 </a:solidFill>
                 <a:latin typeface="Menlo" panose="020B0609030804020204" pitchFamily="49" charset="0"/>
               </a:rPr>
+              <a:t>)</a:t>
+            </a:r>
+          </a:p>
+          <a:p>
+            <a:pPr marL="0" indent="0">
+              <a:buNone/>
+            </a:pPr>
+            <a:r>
+              <a:rPr lang="en-GB" dirty="0">
+                <a:solidFill>
+                  <a:srgbClr val="89DDFF"/>
+                </a:solidFill>
+                <a:latin typeface="Menlo" panose="020B0609030804020204" pitchFamily="49" charset="0"/>
+              </a:rPr>
+              <a:t>		}</a:t>
+            </a:r>
+          </a:p>
+          <a:p>
+            <a:pPr marL="0" indent="0">
+              <a:buNone/>
+            </a:pPr>
+            <a:r>
+              <a:rPr lang="en-GB" dirty="0">
+                <a:solidFill>
+                  <a:srgbClr val="89DDFF"/>
+                </a:solidFill>
+                <a:latin typeface="Menlo" panose="020B0609030804020204" pitchFamily="49" charset="0"/>
+              </a:rPr>
+              <a:t>	}</a:t>
+            </a:r>
+          </a:p>
+          <a:p>
+            <a:pPr marL="0" indent="0">
+              <a:buNone/>
+            </a:pPr>
+            <a:r>
+              <a:rPr lang="en-GB" i="1" dirty="0">
+                <a:solidFill>
+                  <a:srgbClr val="89DDFF"/>
+                </a:solidFill>
+                <a:latin typeface="Menlo" panose="020B0609030804020204" pitchFamily="49" charset="0"/>
+              </a:rPr>
+              <a:t>	return</a:t>
+            </a:r>
+            <a:r>
+              <a:rPr lang="en-GB" dirty="0">
+                <a:solidFill>
+                  <a:srgbClr val="F07178"/>
+                </a:solidFill>
+                <a:latin typeface="Menlo" panose="020B0609030804020204" pitchFamily="49" charset="0"/>
+              </a:rPr>
               <a:t> </a:t>
             </a:r>
             <a:r>
-              <a:rPr lang="en-GB" sz="1100" dirty="0">
-                <a:solidFill>
-                  <a:srgbClr val="89DDFF"/>
-                </a:solidFill>
-                <a:latin typeface="Menlo" panose="020B0609030804020204" pitchFamily="49" charset="0"/>
-              </a:rPr>
-              <a:t>===</a:t>
-            </a:r>
-            <a:r>
-              <a:rPr lang="en-GB" sz="1100" dirty="0">
-                <a:solidFill>
-                  <a:srgbClr val="F07178"/>
-                </a:solidFill>
-                <a:latin typeface="Menlo" panose="020B0609030804020204" pitchFamily="49" charset="0"/>
-              </a:rPr>
-              <a:t> </a:t>
-            </a:r>
-            <a:r>
-              <a:rPr lang="en-GB" sz="1100" dirty="0">
-                <a:solidFill>
-                  <a:srgbClr val="F78C6C"/>
-                </a:solidFill>
-                <a:latin typeface="Menlo" panose="020B0609030804020204" pitchFamily="49" charset="0"/>
-              </a:rPr>
-              <a:t>1</a:t>
-            </a:r>
-            <a:r>
-              <a:rPr lang="en-GB" sz="1100" dirty="0">
-                <a:solidFill>
-                  <a:srgbClr val="F07178"/>
-                </a:solidFill>
-                <a:latin typeface="Menlo" panose="020B0609030804020204" pitchFamily="49" charset="0"/>
-              </a:rPr>
-              <a:t>)</a:t>
-            </a:r>
-            <a:r>
-              <a:rPr lang="en-GB" sz="1100" dirty="0">
-                <a:solidFill>
-                  <a:srgbClr val="89DDFF"/>
-                </a:solidFill>
-                <a:latin typeface="Menlo" panose="020B0609030804020204" pitchFamily="49" charset="0"/>
-              </a:rPr>
-              <a:t>{</a:t>
-            </a:r>
-            <a:endParaRPr lang="en-GB" sz="1100" dirty="0">
+              <a:rPr lang="en-GB" dirty="0" err="1">
+                <a:solidFill>
+                  <a:srgbClr val="A6ACCD"/>
+                </a:solidFill>
+                <a:latin typeface="Menlo" panose="020B0609030804020204" pitchFamily="49" charset="0"/>
+              </a:rPr>
+              <a:t>newArr</a:t>
+            </a:r>
+            <a:endParaRPr lang="en-GB" dirty="0">
               <a:solidFill>
                 <a:srgbClr val="A6ACCD"/>
               </a:solidFill>
@@ -8190,33 +8475,20 @@
               <a:buNone/>
             </a:pPr>
             <a:r>
-              <a:rPr lang="en-GB" sz="1100" i="1" dirty="0">
+              <a:rPr lang="en-GB" dirty="0">
                 <a:solidFill>
                   <a:srgbClr val="89DDFF"/>
                 </a:solidFill>
                 <a:latin typeface="Menlo" panose="020B0609030804020204" pitchFamily="49" charset="0"/>
               </a:rPr>
-              <a:t>		return</a:t>
-            </a:r>
-            <a:r>
-              <a:rPr lang="en-GB" sz="1100" dirty="0">
-                <a:solidFill>
-                  <a:srgbClr val="F07178"/>
-                </a:solidFill>
-                <a:latin typeface="Menlo" panose="020B0609030804020204" pitchFamily="49" charset="0"/>
-              </a:rPr>
-              <a:t> </a:t>
-            </a:r>
-            <a:r>
-              <a:rPr lang="en-GB" sz="1100" dirty="0" err="1">
-                <a:solidFill>
-                  <a:srgbClr val="A6ACCD"/>
-                </a:solidFill>
-                <a:latin typeface="Menlo" panose="020B0609030804020204" pitchFamily="49" charset="0"/>
-              </a:rPr>
-              <a:t>num</a:t>
-            </a:r>
-            <a:endParaRPr lang="en-GB" sz="1100" dirty="0">
+              <a:t>}</a:t>
+            </a:r>
+          </a:p>
+          <a:p>
+            <a:pPr marL="0" indent="0">
+              <a:buNone/>
+            </a:pPr>
+            <a:endParaRPr lang="en-GB" dirty="0">
               <a:solidFill>
                 <a:srgbClr val="A6ACCD"/>
               </a:solidFill>
@@ -8228,15 +8500,51 @@
               <a:buNone/>
             </a:pPr>
             <a:r>
-              <a:rPr lang="en-GB" sz="1100" dirty="0">
-                <a:solidFill>
-                  <a:srgbClr val="89DDFF"/>
-                </a:solidFill>
-                <a:latin typeface="Menlo" panose="020B0609030804020204" pitchFamily="49" charset="0"/>
-              </a:rPr>
-              <a:t>	}</a:t>
-            </a:r>
-            <a:endParaRPr lang="en-GB" sz="1100" dirty="0">
+              <a:rPr lang="en-GB" dirty="0" err="1">
+                <a:solidFill>
+                  <a:srgbClr val="82AAFF"/>
+                </a:solidFill>
+                <a:latin typeface="Menlo" panose="020B0609030804020204" pitchFamily="49" charset="0"/>
+              </a:rPr>
+              <a:t>filterElementsNotEqualOne</a:t>
+            </a:r>
+            <a:r>
+              <a:rPr lang="en-GB" dirty="0">
+                <a:solidFill>
+                  <a:srgbClr val="A6ACCD"/>
+                </a:solidFill>
+                <a:latin typeface="Menlo" panose="020B0609030804020204" pitchFamily="49" charset="0"/>
+              </a:rPr>
+              <a:t>(</a:t>
+            </a:r>
+            <a:r>
+              <a:rPr lang="en-GB" dirty="0" err="1">
+                <a:solidFill>
+                  <a:srgbClr val="A6ACCD"/>
+                </a:solidFill>
+                <a:latin typeface="Menlo" panose="020B0609030804020204" pitchFamily="49" charset="0"/>
+              </a:rPr>
+              <a:t>arr</a:t>
+            </a:r>
+            <a:r>
+              <a:rPr lang="en-GB" dirty="0">
+                <a:solidFill>
+                  <a:srgbClr val="A6ACCD"/>
+                </a:solidFill>
+                <a:latin typeface="Menlo" panose="020B0609030804020204" pitchFamily="49" charset="0"/>
+              </a:rPr>
+              <a:t>) </a:t>
+            </a:r>
+            <a:r>
+              <a:rPr lang="en-GB" i="1" dirty="0">
+                <a:solidFill>
+                  <a:srgbClr val="464B5D"/>
+                </a:solidFill>
+                <a:latin typeface="Menlo" panose="020B0609030804020204" pitchFamily="49" charset="0"/>
+              </a:rPr>
+              <a:t>// [2,3,4,5]</a:t>
+            </a:r>
+            <a:endParaRPr lang="en-GB" dirty="0">
               <a:solidFill>
                 <a:srgbClr val="A6ACCD"/>
               </a:solidFill>
@@ -8247,43 +8555,80 @@
             <a:pPr marL="0" indent="0">
               <a:buNone/>
             </a:pPr>
-            <a:br>
-              <a:rPr lang="en-GB" sz="1100" dirty="0">
-                <a:solidFill>
-                  <a:srgbClr val="A6ACCD"/>
-                </a:solidFill>
-                <a:latin typeface="Menlo" panose="020B0609030804020204" pitchFamily="49" charset="0"/>
-              </a:rPr>
-            </a:br>
-            <a:r>
-              <a:rPr lang="en-GB" sz="1100" dirty="0">
-                <a:solidFill>
-                  <a:srgbClr val="A6ACCD"/>
-                </a:solidFill>
-                <a:latin typeface="Menlo" panose="020B0609030804020204" pitchFamily="49" charset="0"/>
-              </a:rPr>
-              <a:t>	</a:t>
-            </a:r>
-            <a:r>
-              <a:rPr lang="en-GB" sz="1100" i="1" dirty="0">
+            <a:r>
+              <a:rPr lang="en-GB" dirty="0" err="1">
+                <a:solidFill>
+                  <a:srgbClr val="A6ACCD"/>
+                </a:solidFill>
+                <a:latin typeface="Menlo" panose="020B0609030804020204" pitchFamily="49" charset="0"/>
+              </a:rPr>
+              <a:t>arr</a:t>
+            </a:r>
+            <a:r>
+              <a:rPr lang="en-GB" dirty="0" err="1">
                 <a:solidFill>
                   <a:srgbClr val="89DDFF"/>
                 </a:solidFill>
                 <a:latin typeface="Menlo" panose="020B0609030804020204" pitchFamily="49" charset="0"/>
               </a:rPr>
-              <a:t>return</a:t>
-            </a:r>
-            <a:r>
-              <a:rPr lang="en-GB" sz="1100" dirty="0">
-                <a:solidFill>
-                  <a:srgbClr val="F07178"/>
+              <a:t>.</a:t>
+            </a:r>
+            <a:r>
+              <a:rPr lang="en-GB" dirty="0" err="1">
+                <a:solidFill>
+                  <a:srgbClr val="82AAFF"/>
+                </a:solidFill>
+                <a:latin typeface="Menlo" panose="020B0609030804020204" pitchFamily="49" charset="0"/>
+              </a:rPr>
+              <a:t>filter</a:t>
+            </a:r>
+            <a:r>
+              <a:rPr lang="en-GB" dirty="0">
+                <a:solidFill>
+                  <a:srgbClr val="A6ACCD"/>
+                </a:solidFill>
+                <a:latin typeface="Menlo" panose="020B0609030804020204" pitchFamily="49" charset="0"/>
+              </a:rPr>
+              <a:t>(</a:t>
+            </a:r>
+            <a:r>
+              <a:rPr lang="en-GB" dirty="0" err="1">
+                <a:solidFill>
+                  <a:srgbClr val="A6ACCD"/>
+                </a:solidFill>
+                <a:latin typeface="Menlo" panose="020B0609030804020204" pitchFamily="49" charset="0"/>
+              </a:rPr>
+              <a:t>num</a:t>
+            </a:r>
+            <a:r>
+              <a:rPr lang="en-GB" dirty="0">
+                <a:solidFill>
+                  <a:srgbClr val="A6ACCD"/>
                 </a:solidFill>
                 <a:latin typeface="Menlo" panose="020B0609030804020204" pitchFamily="49" charset="0"/>
               </a:rPr>
               <a:t> </a:t>
             </a:r>
             <a:r>
-              <a:rPr lang="en-GB" sz="1100" dirty="0" err="1">
+              <a:rPr lang="en-GB" dirty="0">
+                <a:solidFill>
+                  <a:srgbClr val="C792EA"/>
+                </a:solidFill>
+                <a:latin typeface="Menlo" panose="020B0609030804020204" pitchFamily="49" charset="0"/>
+              </a:rPr>
+              <a:t>=&gt;</a:t>
+            </a:r>
+            <a:r>
+              <a:rPr lang="en-GB" dirty="0">
+                <a:solidFill>
+                  <a:srgbClr val="A6ACCD"/>
+                </a:solidFill>
+                <a:latin typeface="Menlo" panose="020B0609030804020204" pitchFamily="49" charset="0"/>
+              </a:rPr>
+              <a:t> </a:t>
+            </a:r>
+            <a:r>
+              <a:rPr lang="en-GB" dirty="0" err="1">
                 <a:solidFill>
                   <a:srgbClr val="A6ACCD"/>
                 </a:solidFill>
@@ -8292,88 +8637,34 @@
               <a:t>num</a:t>
             </a:r>
             <a:r>
-              <a:rPr lang="en-GB" sz="1100" dirty="0">
-                <a:solidFill>
-                  <a:srgbClr val="F07178"/>
+              <a:rPr lang="en-GB" dirty="0">
+                <a:solidFill>
+                  <a:srgbClr val="A6ACCD"/>
                 </a:solidFill>
                 <a:latin typeface="Menlo" panose="020B0609030804020204" pitchFamily="49" charset="0"/>
               </a:rPr>
               <a:t> </a:t>
             </a:r>
             <a:r>
-              <a:rPr lang="en-GB" sz="1100" dirty="0">
+              <a:rPr lang="en-GB" dirty="0">
                 <a:solidFill>
                   <a:srgbClr val="89DDFF"/>
                 </a:solidFill>
                 <a:latin typeface="Menlo" panose="020B0609030804020204" pitchFamily="49" charset="0"/>
               </a:rPr>
-              <a:t>*</a:t>
-            </a:r>
-            <a:r>
-              <a:rPr lang="en-GB" sz="1100" dirty="0">
-                <a:solidFill>
-                  <a:srgbClr val="F07178"/>
+              <a:t>!==</a:t>
+            </a:r>
+            <a:r>
+              <a:rPr lang="en-GB" dirty="0">
+                <a:solidFill>
+                  <a:srgbClr val="A6ACCD"/>
                 </a:solidFill>
                 <a:latin typeface="Menlo" panose="020B0609030804020204" pitchFamily="49" charset="0"/>
               </a:rPr>
               <a:t> </a:t>
             </a:r>
             <a:r>
-              <a:rPr lang="en-GB" sz="1100" dirty="0">
-                <a:solidFill>
-                  <a:srgbClr val="82AAFF"/>
-                </a:solidFill>
-                <a:latin typeface="Menlo" panose="020B0609030804020204" pitchFamily="49" charset="0"/>
-              </a:rPr>
-              <a:t>factorial</a:t>
-            </a:r>
-            <a:r>
-              <a:rPr lang="en-GB" sz="1100" dirty="0">
-                <a:solidFill>
-                  <a:srgbClr val="F07178"/>
-                </a:solidFill>
-                <a:latin typeface="Menlo" panose="020B0609030804020204" pitchFamily="49" charset="0"/>
-              </a:rPr>
-              <a:t>(</a:t>
-            </a:r>
-            <a:r>
-              <a:rPr lang="en-GB" sz="1100" dirty="0" err="1">
-                <a:solidFill>
-                  <a:srgbClr val="A6ACCD"/>
-                </a:solidFill>
-                <a:latin typeface="Menlo" panose="020B0609030804020204" pitchFamily="49" charset="0"/>
-              </a:rPr>
-              <a:t>num</a:t>
-            </a:r>
-            <a:r>
-              <a:rPr lang="en-GB" sz="1100" dirty="0">
-                <a:solidFill>
-                  <a:srgbClr val="F07178"/>
-                </a:solidFill>
-                <a:latin typeface="Menlo" panose="020B0609030804020204" pitchFamily="49" charset="0"/>
-              </a:rPr>
-              <a:t> </a:t>
-            </a:r>
-            <a:r>
-              <a:rPr lang="en-GB" sz="1100" dirty="0">
-                <a:solidFill>
-                  <a:srgbClr val="89DDFF"/>
-                </a:solidFill>
-                <a:latin typeface="Menlo" panose="020B0609030804020204" pitchFamily="49" charset="0"/>
-              </a:rPr>
-              <a:t>-</a:t>
-            </a:r>
-            <a:r>
-              <a:rPr lang="en-GB" sz="1100" dirty="0">
-                <a:solidFill>
-                  <a:srgbClr val="F07178"/>
-                </a:solidFill>
-                <a:latin typeface="Menlo" panose="020B0609030804020204" pitchFamily="49" charset="0"/>
-              </a:rPr>
-              <a:t> </a:t>
-            </a:r>
-            <a:r>
-              <a:rPr lang="en-GB" sz="1100" dirty="0">
+              <a:rPr lang="en-GB" dirty="0">
                 <a:solidFill>
                   <a:srgbClr val="F78C6C"/>
                 </a:solidFill>
@@ -8382,15 +8673,24 @@
               <a:t>1</a:t>
             </a:r>
             <a:r>
-              <a:rPr lang="en-GB" sz="1100" dirty="0">
-                <a:solidFill>
-                  <a:srgbClr val="F07178"/>
-                </a:solidFill>
-                <a:latin typeface="Menlo" panose="020B0609030804020204" pitchFamily="49" charset="0"/>
-              </a:rPr>
-              <a:t>)</a:t>
-            </a:r>
-            <a:endParaRPr lang="en-GB" sz="1100" dirty="0">
+              <a:rPr lang="en-GB" dirty="0">
+                <a:solidFill>
+                  <a:srgbClr val="A6ACCD"/>
+                </a:solidFill>
+                <a:latin typeface="Menlo" panose="020B0609030804020204" pitchFamily="49" charset="0"/>
+              </a:rPr>
+              <a:t>) </a:t>
+            </a:r>
+            <a:r>
+              <a:rPr lang="en-GB" i="1" dirty="0">
+                <a:solidFill>
+                  <a:srgbClr val="464B5D"/>
+                </a:solidFill>
+                <a:latin typeface="Menlo" panose="020B0609030804020204" pitchFamily="49" charset="0"/>
+              </a:rPr>
+              <a:t>// [2,3,4,5]</a:t>
+            </a:r>
+            <a:endParaRPr lang="en-GB" dirty="0">
               <a:solidFill>
                 <a:srgbClr val="A6ACCD"/>
               </a:solidFill>
@@ -8401,16 +8701,24 @@
             <a:pPr marL="0" indent="0">
               <a:buNone/>
             </a:pPr>
-            <a:r>
-              <a:rPr lang="en-GB" sz="1100" dirty="0">
-                <a:solidFill>
-                  <a:srgbClr val="89DDFF"/>
-                </a:solidFill>
-                <a:latin typeface="Menlo" panose="020B0609030804020204" pitchFamily="49" charset="0"/>
-              </a:rPr>
-              <a:t>}</a:t>
-            </a:r>
-            <a:endParaRPr lang="en-GB" sz="1100" dirty="0">
+            <a:br>
+              <a:rPr lang="en-GB" dirty="0">
+                <a:solidFill>
+                  <a:srgbClr val="A6ACCD"/>
+                </a:solidFill>
+                <a:latin typeface="Menlo" panose="020B0609030804020204" pitchFamily="49" charset="0"/>
+              </a:rPr>
+            </a:br>
+            <a:r>
+              <a:rPr lang="en-GB" i="1" dirty="0">
+                <a:solidFill>
+                  <a:srgbClr val="464B5D"/>
+                </a:solidFill>
+                <a:latin typeface="Menlo" panose="020B0609030804020204" pitchFamily="49" charset="0"/>
+              </a:rPr>
+              <a:t>// mapping </a:t>
+            </a:r>
+            <a:endParaRPr lang="en-GB" dirty="0">
               <a:solidFill>
                 <a:srgbClr val="A6ACCD"/>
               </a:solidFill>
@@ -8421,24 +8729,106 @@
             <a:pPr marL="0" indent="0">
               <a:buNone/>
             </a:pPr>
-            <a:br>
-              <a:rPr lang="en-GB" sz="1100" dirty="0">
-                <a:solidFill>
-                  <a:srgbClr val="A6ACCD"/>
-                </a:solidFill>
-                <a:latin typeface="Menlo" panose="020B0609030804020204" pitchFamily="49" charset="0"/>
-              </a:rPr>
-            </a:br>
-            <a:r>
-              <a:rPr lang="en-GB" sz="1100" i="1" dirty="0">
-                <a:solidFill>
-                  <a:srgbClr val="464B5D"/>
-                </a:solidFill>
-                <a:latin typeface="Menlo" panose="020B0609030804020204" pitchFamily="49" charset="0"/>
-              </a:rPr>
-              <a:t>// Recursion depth: 5</a:t>
-            </a:r>
-            <a:endParaRPr lang="en-GB" sz="1100" dirty="0">
+            <a:r>
+              <a:rPr lang="en-GB" dirty="0" err="1">
+                <a:solidFill>
+                  <a:srgbClr val="C792EA"/>
+                </a:solidFill>
+                <a:latin typeface="Menlo" panose="020B0609030804020204" pitchFamily="49" charset="0"/>
+              </a:rPr>
+              <a:t>const</a:t>
+            </a:r>
+            <a:r>
+              <a:rPr lang="en-GB" dirty="0">
+                <a:solidFill>
+                  <a:srgbClr val="A6ACCD"/>
+                </a:solidFill>
+                <a:latin typeface="Menlo" panose="020B0609030804020204" pitchFamily="49" charset="0"/>
+              </a:rPr>
+              <a:t> </a:t>
+            </a:r>
+            <a:r>
+              <a:rPr lang="en-GB" dirty="0" err="1">
+                <a:solidFill>
+                  <a:srgbClr val="A6ACCD"/>
+                </a:solidFill>
+                <a:latin typeface="Menlo" panose="020B0609030804020204" pitchFamily="49" charset="0"/>
+              </a:rPr>
+              <a:t>doupleArrayElements</a:t>
+            </a:r>
+            <a:r>
+              <a:rPr lang="en-GB" dirty="0">
+                <a:solidFill>
+                  <a:srgbClr val="A6ACCD"/>
+                </a:solidFill>
+                <a:latin typeface="Menlo" panose="020B0609030804020204" pitchFamily="49" charset="0"/>
+              </a:rPr>
+              <a:t> </a:t>
+            </a:r>
+            <a:r>
+              <a:rPr lang="en-GB" dirty="0">
+                <a:solidFill>
+                  <a:srgbClr val="89DDFF"/>
+                </a:solidFill>
+                <a:latin typeface="Menlo" panose="020B0609030804020204" pitchFamily="49" charset="0"/>
+              </a:rPr>
+              <a:t>=</a:t>
+            </a:r>
+            <a:r>
+              <a:rPr lang="en-GB" dirty="0">
+                <a:solidFill>
+                  <a:srgbClr val="A6ACCD"/>
+                </a:solidFill>
+                <a:latin typeface="Menlo" panose="020B0609030804020204" pitchFamily="49" charset="0"/>
+              </a:rPr>
+              <a:t> </a:t>
+            </a:r>
+            <a:r>
+              <a:rPr lang="en-GB" dirty="0" err="1">
+                <a:solidFill>
+                  <a:srgbClr val="A6ACCD"/>
+                </a:solidFill>
+                <a:latin typeface="Menlo" panose="020B0609030804020204" pitchFamily="49" charset="0"/>
+              </a:rPr>
+              <a:t>arr</a:t>
+            </a:r>
+            <a:r>
+              <a:rPr lang="en-GB" dirty="0">
+                <a:solidFill>
+                  <a:srgbClr val="A6ACCD"/>
+                </a:solidFill>
+                <a:latin typeface="Menlo" panose="020B0609030804020204" pitchFamily="49" charset="0"/>
+              </a:rPr>
+              <a:t> </a:t>
+            </a:r>
+            <a:r>
+              <a:rPr lang="en-GB" dirty="0">
+                <a:solidFill>
+                  <a:srgbClr val="C792EA"/>
+                </a:solidFill>
+                <a:latin typeface="Menlo" panose="020B0609030804020204" pitchFamily="49" charset="0"/>
+              </a:rPr>
+              <a:t>=&gt;</a:t>
+            </a:r>
+            <a:r>
+              <a:rPr lang="en-GB" dirty="0">
+                <a:solidFill>
+                  <a:srgbClr val="A6ACCD"/>
+                </a:solidFill>
+                <a:latin typeface="Menlo" panose="020B0609030804020204" pitchFamily="49" charset="0"/>
+              </a:rPr>
+              <a:t> </a:t>
+            </a:r>
+            <a:r>
+              <a:rPr lang="en-GB" dirty="0">
+                <a:solidFill>
+                  <a:srgbClr val="89DDFF"/>
+                </a:solidFill>
+                <a:latin typeface="Menlo" panose="020B0609030804020204" pitchFamily="49" charset="0"/>
+              </a:rPr>
+              <a:t>{</a:t>
+            </a:r>
+            <a:endParaRPr lang="en-GB" dirty="0">
               <a:solidFill>
                 <a:srgbClr val="A6ACCD"/>
               </a:solidFill>
@@ -8450,34 +8840,438 @@
               <a:buNone/>
             </a:pPr>
             <a:r>
-              <a:rPr lang="en-GB" sz="1100" dirty="0">
+              <a:rPr lang="en-GB" dirty="0">
+                <a:solidFill>
+                  <a:srgbClr val="C792EA"/>
+                </a:solidFill>
+                <a:latin typeface="Menlo" panose="020B0609030804020204" pitchFamily="49" charset="0"/>
+              </a:rPr>
+              <a:t>	</a:t>
+            </a:r>
+            <a:r>
+              <a:rPr lang="en-GB" dirty="0" err="1">
+                <a:solidFill>
+                  <a:srgbClr val="C792EA"/>
+                </a:solidFill>
+                <a:latin typeface="Menlo" panose="020B0609030804020204" pitchFamily="49" charset="0"/>
+              </a:rPr>
+              <a:t>const</a:t>
+            </a:r>
+            <a:r>
+              <a:rPr lang="en-GB" dirty="0">
+                <a:solidFill>
+                  <a:srgbClr val="F07178"/>
+                </a:solidFill>
+                <a:latin typeface="Menlo" panose="020B0609030804020204" pitchFamily="49" charset="0"/>
+              </a:rPr>
+              <a:t> </a:t>
+            </a:r>
+            <a:r>
+              <a:rPr lang="en-GB" dirty="0" err="1">
+                <a:solidFill>
+                  <a:srgbClr val="A6ACCD"/>
+                </a:solidFill>
+                <a:latin typeface="Menlo" panose="020B0609030804020204" pitchFamily="49" charset="0"/>
+              </a:rPr>
+              <a:t>newArr</a:t>
+            </a:r>
+            <a:r>
+              <a:rPr lang="en-GB" dirty="0">
+                <a:solidFill>
+                  <a:srgbClr val="F07178"/>
+                </a:solidFill>
+                <a:latin typeface="Menlo" panose="020B0609030804020204" pitchFamily="49" charset="0"/>
+              </a:rPr>
+              <a:t> </a:t>
+            </a:r>
+            <a:r>
+              <a:rPr lang="en-GB" dirty="0">
+                <a:solidFill>
+                  <a:srgbClr val="89DDFF"/>
+                </a:solidFill>
+                <a:latin typeface="Menlo" panose="020B0609030804020204" pitchFamily="49" charset="0"/>
+              </a:rPr>
+              <a:t>=</a:t>
+            </a:r>
+            <a:r>
+              <a:rPr lang="en-GB" dirty="0">
+                <a:solidFill>
+                  <a:srgbClr val="F07178"/>
+                </a:solidFill>
+                <a:latin typeface="Menlo" panose="020B0609030804020204" pitchFamily="49" charset="0"/>
+              </a:rPr>
+              <a:t> []</a:t>
+            </a:r>
+            <a:endParaRPr lang="en-GB" dirty="0">
+              <a:solidFill>
+                <a:srgbClr val="A6ACCD"/>
+              </a:solidFill>
+              <a:latin typeface="Menlo" panose="020B0609030804020204" pitchFamily="49" charset="0"/>
+            </a:endParaRPr>
+          </a:p>
+          <a:p>
+            <a:pPr marL="0" indent="0">
+              <a:buNone/>
+            </a:pPr>
+            <a:r>
+              <a:rPr lang="en-GB" i="1" dirty="0">
+                <a:solidFill>
+                  <a:srgbClr val="89DDFF"/>
+                </a:solidFill>
+                <a:latin typeface="Menlo" panose="020B0609030804020204" pitchFamily="49" charset="0"/>
+              </a:rPr>
+              <a:t>	for</a:t>
+            </a:r>
+            <a:r>
+              <a:rPr lang="en-GB" dirty="0">
+                <a:solidFill>
+                  <a:srgbClr val="F07178"/>
+                </a:solidFill>
+                <a:latin typeface="Menlo" panose="020B0609030804020204" pitchFamily="49" charset="0"/>
+              </a:rPr>
+              <a:t>(</a:t>
+            </a:r>
+            <a:r>
+              <a:rPr lang="en-GB" dirty="0" err="1">
+                <a:solidFill>
+                  <a:srgbClr val="C792EA"/>
+                </a:solidFill>
+                <a:latin typeface="Menlo" panose="020B0609030804020204" pitchFamily="49" charset="0"/>
+              </a:rPr>
+              <a:t>const</a:t>
+            </a:r>
+            <a:r>
+              <a:rPr lang="en-GB" dirty="0">
+                <a:solidFill>
+                  <a:srgbClr val="F07178"/>
+                </a:solidFill>
+                <a:latin typeface="Menlo" panose="020B0609030804020204" pitchFamily="49" charset="0"/>
+              </a:rPr>
+              <a:t> </a:t>
+            </a:r>
+            <a:r>
+              <a:rPr lang="en-GB" dirty="0" err="1">
+                <a:solidFill>
+                  <a:srgbClr val="A6ACCD"/>
+                </a:solidFill>
+                <a:latin typeface="Menlo" panose="020B0609030804020204" pitchFamily="49" charset="0"/>
+              </a:rPr>
+              <a:t>num</a:t>
+            </a:r>
+            <a:r>
+              <a:rPr lang="en-GB" dirty="0">
+                <a:solidFill>
+                  <a:srgbClr val="F07178"/>
+                </a:solidFill>
+                <a:latin typeface="Menlo" panose="020B0609030804020204" pitchFamily="49" charset="0"/>
+              </a:rPr>
+              <a:t> </a:t>
+            </a:r>
+            <a:r>
+              <a:rPr lang="en-GB" dirty="0">
+                <a:solidFill>
+                  <a:srgbClr val="89DDFF"/>
+                </a:solidFill>
+                <a:latin typeface="Menlo" panose="020B0609030804020204" pitchFamily="49" charset="0"/>
+              </a:rPr>
+              <a:t>of</a:t>
+            </a:r>
+            <a:r>
+              <a:rPr lang="en-GB" dirty="0">
+                <a:solidFill>
+                  <a:srgbClr val="F07178"/>
+                </a:solidFill>
+                <a:latin typeface="Menlo" panose="020B0609030804020204" pitchFamily="49" charset="0"/>
+              </a:rPr>
+              <a:t> </a:t>
+            </a:r>
+            <a:r>
+              <a:rPr lang="en-GB" dirty="0" err="1">
+                <a:solidFill>
+                  <a:srgbClr val="A6ACCD"/>
+                </a:solidFill>
+                <a:latin typeface="Menlo" panose="020B0609030804020204" pitchFamily="49" charset="0"/>
+              </a:rPr>
+              <a:t>arr</a:t>
+            </a:r>
+            <a:r>
+              <a:rPr lang="en-GB" dirty="0">
+                <a:solidFill>
+                  <a:srgbClr val="F07178"/>
+                </a:solidFill>
+                <a:latin typeface="Menlo" panose="020B0609030804020204" pitchFamily="49" charset="0"/>
+              </a:rPr>
+              <a:t>)</a:t>
+            </a:r>
+            <a:r>
+              <a:rPr lang="en-GB" dirty="0">
+                <a:solidFill>
+                  <a:srgbClr val="89DDFF"/>
+                </a:solidFill>
+                <a:latin typeface="Menlo" panose="020B0609030804020204" pitchFamily="49" charset="0"/>
+              </a:rPr>
+              <a:t>{</a:t>
+            </a:r>
+            <a:endParaRPr lang="en-GB" dirty="0">
+              <a:solidFill>
+                <a:srgbClr val="A6ACCD"/>
+              </a:solidFill>
+              <a:latin typeface="Menlo" panose="020B0609030804020204" pitchFamily="49" charset="0"/>
+            </a:endParaRPr>
+          </a:p>
+          <a:p>
+            <a:pPr marL="0" indent="0">
+              <a:buNone/>
+            </a:pPr>
+            <a:r>
+              <a:rPr lang="en-GB" dirty="0">
+                <a:solidFill>
+                  <a:srgbClr val="A6ACCD"/>
+                </a:solidFill>
+                <a:latin typeface="Menlo" panose="020B0609030804020204" pitchFamily="49" charset="0"/>
+              </a:rPr>
+              <a:t>		</a:t>
+            </a:r>
+            <a:r>
+              <a:rPr lang="en-GB" dirty="0" err="1">
+                <a:solidFill>
+                  <a:srgbClr val="A6ACCD"/>
+                </a:solidFill>
+                <a:latin typeface="Menlo" panose="020B0609030804020204" pitchFamily="49" charset="0"/>
+              </a:rPr>
+              <a:t>newArr</a:t>
+            </a:r>
+            <a:r>
+              <a:rPr lang="en-GB" dirty="0" err="1">
+                <a:solidFill>
+                  <a:srgbClr val="89DDFF"/>
+                </a:solidFill>
+                <a:latin typeface="Menlo" panose="020B0609030804020204" pitchFamily="49" charset="0"/>
+              </a:rPr>
+              <a:t>.</a:t>
+            </a:r>
+            <a:r>
+              <a:rPr lang="en-GB" dirty="0" err="1">
                 <a:solidFill>
                   <a:srgbClr val="82AAFF"/>
                 </a:solidFill>
                 <a:latin typeface="Menlo" panose="020B0609030804020204" pitchFamily="49" charset="0"/>
               </a:rPr>
-              <a:t>factorial</a:t>
-            </a:r>
-            <a:r>
-              <a:rPr lang="en-GB" sz="1100" dirty="0">
-                <a:solidFill>
-                  <a:srgbClr val="A6ACCD"/>
+              <a:t>push</a:t>
+            </a:r>
+            <a:r>
+              <a:rPr lang="en-GB" dirty="0">
+                <a:solidFill>
+                  <a:srgbClr val="F07178"/>
                 </a:solidFill>
                 <a:latin typeface="Menlo" panose="020B0609030804020204" pitchFamily="49" charset="0"/>
               </a:rPr>
               <a:t>(</a:t>
             </a:r>
             <a:r>
-              <a:rPr lang="en-GB" sz="1100" dirty="0">
+              <a:rPr lang="en-GB" dirty="0" err="1">
+                <a:solidFill>
+                  <a:srgbClr val="A6ACCD"/>
+                </a:solidFill>
+                <a:latin typeface="Menlo" panose="020B0609030804020204" pitchFamily="49" charset="0"/>
+              </a:rPr>
+              <a:t>num</a:t>
+            </a:r>
+            <a:r>
+              <a:rPr lang="en-GB" dirty="0">
+                <a:solidFill>
+                  <a:srgbClr val="F07178"/>
+                </a:solidFill>
+                <a:latin typeface="Menlo" panose="020B0609030804020204" pitchFamily="49" charset="0"/>
+              </a:rPr>
+              <a:t> </a:t>
+            </a:r>
+            <a:r>
+              <a:rPr lang="en-GB" dirty="0">
+                <a:solidFill>
+                  <a:srgbClr val="89DDFF"/>
+                </a:solidFill>
+                <a:latin typeface="Menlo" panose="020B0609030804020204" pitchFamily="49" charset="0"/>
+              </a:rPr>
+              <a:t>*</a:t>
+            </a:r>
+            <a:r>
+              <a:rPr lang="en-GB" dirty="0">
+                <a:solidFill>
+                  <a:srgbClr val="F07178"/>
+                </a:solidFill>
+                <a:latin typeface="Menlo" panose="020B0609030804020204" pitchFamily="49" charset="0"/>
+              </a:rPr>
+              <a:t> </a:t>
+            </a:r>
+            <a:r>
+              <a:rPr lang="en-GB" dirty="0">
                 <a:solidFill>
                   <a:srgbClr val="F78C6C"/>
                 </a:solidFill>
                 <a:latin typeface="Menlo" panose="020B0609030804020204" pitchFamily="49" charset="0"/>
               </a:rPr>
-              <a:t>5</a:t>
-            </a:r>
-            <a:r>
-              <a:rPr lang="en-GB" sz="1100" dirty="0">
+              <a:t>2</a:t>
+            </a:r>
+            <a:r>
+              <a:rPr lang="en-GB" dirty="0">
+                <a:solidFill>
+                  <a:srgbClr val="F07178"/>
+                </a:solidFill>
+                <a:latin typeface="Menlo" panose="020B0609030804020204" pitchFamily="49" charset="0"/>
+              </a:rPr>
+              <a:t>)</a:t>
+            </a:r>
+            <a:endParaRPr lang="en-GB" dirty="0">
+              <a:solidFill>
+                <a:srgbClr val="A6ACCD"/>
+              </a:solidFill>
+              <a:latin typeface="Menlo" panose="020B0609030804020204" pitchFamily="49" charset="0"/>
+            </a:endParaRPr>
+          </a:p>
+          <a:p>
+            <a:pPr marL="0" indent="0">
+              <a:buNone/>
+            </a:pPr>
+            <a:r>
+              <a:rPr lang="en-GB" dirty="0">
+                <a:solidFill>
+                  <a:srgbClr val="A6ACCD"/>
+                </a:solidFill>
+                <a:latin typeface="Menlo" panose="020B0609030804020204" pitchFamily="49" charset="0"/>
+              </a:rPr>
+              <a:t>	</a:t>
+            </a:r>
+            <a:r>
+              <a:rPr lang="en-GB" dirty="0">
+                <a:solidFill>
+                  <a:srgbClr val="89DDFF"/>
+                </a:solidFill>
+                <a:latin typeface="Menlo" panose="020B0609030804020204" pitchFamily="49" charset="0"/>
+              </a:rPr>
+              <a:t>}</a:t>
+            </a:r>
+            <a:endParaRPr lang="en-GB" dirty="0">
+              <a:solidFill>
+                <a:srgbClr val="A6ACCD"/>
+              </a:solidFill>
+              <a:latin typeface="Menlo" panose="020B0609030804020204" pitchFamily="49" charset="0"/>
+            </a:endParaRPr>
+          </a:p>
+          <a:p>
+            <a:pPr marL="0" indent="0">
+              <a:buNone/>
+            </a:pPr>
+            <a:r>
+              <a:rPr lang="en-GB" i="1" dirty="0">
+                <a:solidFill>
+                  <a:srgbClr val="A6ACCD"/>
+                </a:solidFill>
+                <a:latin typeface="Menlo" panose="020B0609030804020204" pitchFamily="49" charset="0"/>
+              </a:rPr>
+              <a:t>	</a:t>
+            </a:r>
+            <a:r>
+              <a:rPr lang="en-GB" i="1" dirty="0">
+                <a:solidFill>
+                  <a:srgbClr val="89DDFF"/>
+                </a:solidFill>
+                <a:latin typeface="Menlo" panose="020B0609030804020204" pitchFamily="49" charset="0"/>
+              </a:rPr>
+              <a:t>return</a:t>
+            </a:r>
+            <a:r>
+              <a:rPr lang="en-GB" dirty="0">
+                <a:solidFill>
+                  <a:srgbClr val="F07178"/>
+                </a:solidFill>
+                <a:latin typeface="Menlo" panose="020B0609030804020204" pitchFamily="49" charset="0"/>
+              </a:rPr>
+              <a:t> </a:t>
+            </a:r>
+            <a:r>
+              <a:rPr lang="en-GB" dirty="0" err="1">
+                <a:solidFill>
+                  <a:srgbClr val="A6ACCD"/>
+                </a:solidFill>
+                <a:latin typeface="Menlo" panose="020B0609030804020204" pitchFamily="49" charset="0"/>
+              </a:rPr>
+              <a:t>newArr</a:t>
+            </a:r>
+            <a:endParaRPr lang="en-GB" dirty="0">
+              <a:solidFill>
+                <a:srgbClr val="A6ACCD"/>
+              </a:solidFill>
+              <a:latin typeface="Menlo" panose="020B0609030804020204" pitchFamily="49" charset="0"/>
+            </a:endParaRPr>
+          </a:p>
+          <a:p>
+            <a:pPr marL="0" indent="0">
+              <a:buNone/>
+            </a:pPr>
+            <a:r>
+              <a:rPr lang="en-GB" dirty="0">
+                <a:solidFill>
+                  <a:srgbClr val="89DDFF"/>
+                </a:solidFill>
+                <a:latin typeface="Menlo" panose="020B0609030804020204" pitchFamily="49" charset="0"/>
+              </a:rPr>
+              <a:t>}</a:t>
+            </a:r>
+            <a:r>
+              <a:rPr lang="en-GB" dirty="0">
+                <a:solidFill>
+                  <a:srgbClr val="A6ACCD"/>
+                </a:solidFill>
+                <a:latin typeface="Menlo" panose="020B0609030804020204" pitchFamily="49" charset="0"/>
+              </a:rPr>
+              <a:t> </a:t>
+            </a:r>
+          </a:p>
+          <a:p>
+            <a:pPr marL="0" indent="0">
+              <a:buNone/>
+            </a:pPr>
+            <a:endParaRPr lang="en-GB" dirty="0">
+              <a:solidFill>
+                <a:srgbClr val="A6ACCD"/>
+              </a:solidFill>
+              <a:latin typeface="Menlo" panose="020B0609030804020204" pitchFamily="49" charset="0"/>
+            </a:endParaRPr>
+          </a:p>
+          <a:p>
+            <a:pPr marL="0" indent="0">
+              <a:buNone/>
+            </a:pPr>
+            <a:r>
+              <a:rPr lang="en-GB" dirty="0" err="1">
+                <a:solidFill>
+                  <a:srgbClr val="82AAFF"/>
+                </a:solidFill>
+                <a:latin typeface="Menlo" panose="020B0609030804020204" pitchFamily="49" charset="0"/>
+              </a:rPr>
+              <a:t>doupleArrayElements</a:t>
+            </a:r>
+            <a:r>
+              <a:rPr lang="en-GB" dirty="0">
+                <a:solidFill>
+                  <a:srgbClr val="A6ACCD"/>
+                </a:solidFill>
+                <a:latin typeface="Menlo" panose="020B0609030804020204" pitchFamily="49" charset="0"/>
+              </a:rPr>
+              <a:t>(</a:t>
+            </a:r>
+            <a:r>
+              <a:rPr lang="en-GB" dirty="0" err="1">
+                <a:solidFill>
+                  <a:srgbClr val="A6ACCD"/>
+                </a:solidFill>
+                <a:latin typeface="Menlo" panose="020B0609030804020204" pitchFamily="49" charset="0"/>
+              </a:rPr>
+              <a:t>arr</a:t>
+            </a:r>
+            <a:r>
+              <a:rPr lang="en-GB" dirty="0">
                 <a:solidFill>
                   <a:srgbClr val="A6ACCD"/>
                 </a:solidFill>
@@ -8486,23 +9280,161 @@
               <a:t>) </a:t>
             </a:r>
             <a:r>
-              <a:rPr lang="en-GB" sz="1100" i="1" dirty="0">
+              <a:rPr lang="en-GB" i="1" dirty="0">
                 <a:solidFill>
                   <a:srgbClr val="464B5D"/>
                 </a:solidFill>
                 <a:latin typeface="Menlo" panose="020B0609030804020204" pitchFamily="49" charset="0"/>
               </a:rPr>
-              <a:t>// 120 </a:t>
-            </a:r>
-            <a:br>
-              <a:rPr lang="en-GB" sz="1100" dirty="0">
-                <a:solidFill>
-                  <a:srgbClr val="A6ACCD"/>
-                </a:solidFill>
-                <a:latin typeface="Menlo" panose="020B0609030804020204" pitchFamily="49" charset="0"/>
-              </a:rPr>
-            </a:br>
-            <a:endParaRPr lang="en-GB" sz="1100" dirty="0">
+              <a:t>// [2,4,6,8,10]</a:t>
+            </a:r>
+            <a:endParaRPr lang="en-GB" dirty="0">
+              <a:solidFill>
+                <a:srgbClr val="A6ACCD"/>
+              </a:solidFill>
+              <a:latin typeface="Menlo" panose="020B0609030804020204" pitchFamily="49" charset="0"/>
+            </a:endParaRPr>
+          </a:p>
+          <a:p>
+            <a:pPr marL="0" indent="0">
+              <a:buNone/>
+            </a:pPr>
+            <a:r>
+              <a:rPr lang="en-GB" dirty="0" err="1">
+                <a:solidFill>
+                  <a:srgbClr val="A6ACCD"/>
+                </a:solidFill>
+                <a:latin typeface="Menlo" panose="020B0609030804020204" pitchFamily="49" charset="0"/>
+              </a:rPr>
+              <a:t>arr</a:t>
+            </a:r>
+            <a:r>
+              <a:rPr lang="en-GB" dirty="0" err="1">
+                <a:solidFill>
+                  <a:srgbClr val="89DDFF"/>
+                </a:solidFill>
+                <a:latin typeface="Menlo" panose="020B0609030804020204" pitchFamily="49" charset="0"/>
+              </a:rPr>
+              <a:t>.</a:t>
+            </a:r>
+            <a:r>
+              <a:rPr lang="en-GB" dirty="0" err="1">
+                <a:solidFill>
+                  <a:srgbClr val="82AAFF"/>
+                </a:solidFill>
+                <a:latin typeface="Menlo" panose="020B0609030804020204" pitchFamily="49" charset="0"/>
+              </a:rPr>
+              <a:t>map</a:t>
+            </a:r>
+            <a:r>
+              <a:rPr lang="en-GB" dirty="0">
+                <a:solidFill>
+                  <a:srgbClr val="A6ACCD"/>
+                </a:solidFill>
+                <a:latin typeface="Menlo" panose="020B0609030804020204" pitchFamily="49" charset="0"/>
+              </a:rPr>
+              <a:t>(</a:t>
+            </a:r>
+            <a:r>
+              <a:rPr lang="en-GB" dirty="0" err="1">
+                <a:solidFill>
+                  <a:srgbClr val="A6ACCD"/>
+                </a:solidFill>
+                <a:latin typeface="Menlo" panose="020B0609030804020204" pitchFamily="49" charset="0"/>
+              </a:rPr>
+              <a:t>num</a:t>
+            </a:r>
+            <a:r>
+              <a:rPr lang="en-GB" dirty="0">
+                <a:solidFill>
+                  <a:srgbClr val="A6ACCD"/>
+                </a:solidFill>
+                <a:latin typeface="Menlo" panose="020B0609030804020204" pitchFamily="49" charset="0"/>
+              </a:rPr>
+              <a:t> </a:t>
+            </a:r>
+            <a:r>
+              <a:rPr lang="en-GB" dirty="0">
+                <a:solidFill>
+                  <a:srgbClr val="C792EA"/>
+                </a:solidFill>
+                <a:latin typeface="Menlo" panose="020B0609030804020204" pitchFamily="49" charset="0"/>
+              </a:rPr>
+              <a:t>=&gt;</a:t>
+            </a:r>
+            <a:r>
+              <a:rPr lang="en-GB" dirty="0">
+                <a:solidFill>
+                  <a:srgbClr val="A6ACCD"/>
+                </a:solidFill>
+                <a:latin typeface="Menlo" panose="020B0609030804020204" pitchFamily="49" charset="0"/>
+              </a:rPr>
+              <a:t> </a:t>
+            </a:r>
+            <a:r>
+              <a:rPr lang="en-GB" dirty="0" err="1">
+                <a:solidFill>
+                  <a:srgbClr val="A6ACCD"/>
+                </a:solidFill>
+                <a:latin typeface="Menlo" panose="020B0609030804020204" pitchFamily="49" charset="0"/>
+              </a:rPr>
+              <a:t>num</a:t>
+            </a:r>
+            <a:r>
+              <a:rPr lang="en-GB" dirty="0">
+                <a:solidFill>
+                  <a:srgbClr val="A6ACCD"/>
+                </a:solidFill>
+                <a:latin typeface="Menlo" panose="020B0609030804020204" pitchFamily="49" charset="0"/>
+              </a:rPr>
+              <a:t> </a:t>
+            </a:r>
+            <a:r>
+              <a:rPr lang="en-GB" dirty="0">
+                <a:solidFill>
+                  <a:srgbClr val="89DDFF"/>
+                </a:solidFill>
+                <a:latin typeface="Menlo" panose="020B0609030804020204" pitchFamily="49" charset="0"/>
+              </a:rPr>
+              <a:t>*</a:t>
+            </a:r>
+            <a:r>
+              <a:rPr lang="en-GB" dirty="0">
+                <a:solidFill>
+                  <a:srgbClr val="A6ACCD"/>
+                </a:solidFill>
+                <a:latin typeface="Menlo" panose="020B0609030804020204" pitchFamily="49" charset="0"/>
+              </a:rPr>
+              <a:t> </a:t>
+            </a:r>
+            <a:r>
+              <a:rPr lang="en-GB" dirty="0">
+                <a:solidFill>
+                  <a:srgbClr val="F78C6C"/>
+                </a:solidFill>
+                <a:latin typeface="Menlo" panose="020B0609030804020204" pitchFamily="49" charset="0"/>
+              </a:rPr>
+              <a:t>2</a:t>
+            </a:r>
+            <a:r>
+              <a:rPr lang="en-GB" dirty="0">
+                <a:solidFill>
+                  <a:srgbClr val="A6ACCD"/>
+                </a:solidFill>
+                <a:latin typeface="Menlo" panose="020B0609030804020204" pitchFamily="49" charset="0"/>
+              </a:rPr>
+              <a:t>) </a:t>
+            </a:r>
+            <a:r>
+              <a:rPr lang="en-GB" i="1" dirty="0">
+                <a:solidFill>
+                  <a:srgbClr val="464B5D"/>
+                </a:solidFill>
+                <a:latin typeface="Menlo" panose="020B0609030804020204" pitchFamily="49" charset="0"/>
+              </a:rPr>
+              <a:t>// [2,4,6,8,10]</a:t>
+            </a:r>
+            <a:endParaRPr lang="en-GB" dirty="0">
               <a:solidFill>
                 <a:srgbClr val="A6ACCD"/>
               </a:solidFill>
@@ -8545,11 +9477,7 @@
             </a:pPr>
             <a:r>
               <a:rPr lang="en-US" sz="1300" dirty="0"/>
-              <a:t>A function </a:t>
-            </a:r>
-            <a:r>
-              <a:rPr lang="en-US" sz="1300" b="1" dirty="0"/>
-              <a:t>call itself again and again until it meets a condition</a:t>
+              <a:t>Focus on the result of a code snippet rather than the implementation details</a:t>
             </a:r>
           </a:p>
           <a:p>
@@ -8558,52 +9486,8 @@
               <a:buChar char="o"/>
             </a:pPr>
             <a:r>
-              <a:rPr lang="en-US" sz="1300" b="1" dirty="0"/>
-              <a:t>Base of recursion </a:t>
-            </a:r>
-            <a:r>
               <a:rPr lang="en-US" sz="1300" dirty="0"/>
-              <a:t>is the point in code that recursion returns</a:t>
-            </a:r>
-            <a:endParaRPr lang="en-US" sz="1300" b="1" dirty="0"/>
-          </a:p>
-          <a:p>
-            <a:pPr marL="514350" indent="-285750">
-              <a:buFont typeface="Courier New" panose="02070309020205020404" pitchFamily="49" charset="0"/>
-              <a:buChar char="o"/>
-            </a:pPr>
-            <a:r>
-              <a:rPr lang="en-US" sz="1300" dirty="0"/>
-              <a:t>When a function calls itself, that’s called a </a:t>
-            </a:r>
-            <a:r>
-              <a:rPr lang="en-US" sz="1300" b="1" dirty="0"/>
-              <a:t>recursion step</a:t>
-            </a:r>
-          </a:p>
-          <a:p>
-            <a:pPr marL="514350" indent="-285750">
-              <a:buFont typeface="Courier New" panose="02070309020205020404" pitchFamily="49" charset="0"/>
-              <a:buChar char="o"/>
-            </a:pPr>
-            <a:r>
-              <a:rPr lang="en-US" sz="1300" b="1" dirty="0"/>
-              <a:t>Recursion depth </a:t>
-            </a:r>
-            <a:r>
-              <a:rPr lang="en-US" sz="1300" dirty="0"/>
-              <a:t>is the number of invocations</a:t>
-            </a:r>
-            <a:endParaRPr lang="en-US" sz="1300" b="1" dirty="0"/>
-          </a:p>
-          <a:p>
-            <a:pPr marL="514350" indent="-285750">
-              <a:buFont typeface="Courier New" panose="02070309020205020404" pitchFamily="49" charset="0"/>
-              <a:buChar char="o"/>
-            </a:pPr>
-            <a:r>
-              <a:rPr lang="en-US" sz="1300" dirty="0"/>
-              <a:t>The functional version of traditional loop</a:t>
+              <a:t>FP provides utility functions to work with data structures with a declarative way</a:t>
             </a:r>
           </a:p>
         </p:txBody>
@@ -8611,7 +9495,7 @@
     </p:spTree>
     <p:extLst>
       <p:ext uri="{BB962C8B-B14F-4D97-AF65-F5344CB8AC3E}">
-        <p14:creationId xmlns:p14="http://schemas.microsoft.com/office/powerpoint/2010/main" val="4240602926"/>
+        <p14:creationId xmlns:p14="http://schemas.microsoft.com/office/powerpoint/2010/main" val="2996892812"/>
       </p:ext>
     </p:extLst>
   </p:cSld>
@@ -8661,7 +9545,7 @@
           <a:p>
             <a:r>
               <a:rPr lang="en-US" dirty="0"/>
-              <a:t>Design Patterns in FP - Others</a:t>
+              <a:t>Design Patterns in FP – Others (5)</a:t>
             </a:r>
           </a:p>
         </p:txBody>
@@ -8695,6 +9579,19 @@
           <a:lstStyle/>
           <a:p>
             <a:r>
+              <a:rPr lang="en-US" sz="1300" dirty="0"/>
+              <a:t>Recursion</a:t>
+            </a:r>
+          </a:p>
+          <a:p>
+            <a:pPr lvl="1"/>
+            <a:r>
+              <a:rPr lang="en-US" sz="1300" dirty="0"/>
+              <a:t>A function call itself again and again until it meets a condition</a:t>
+            </a:r>
+          </a:p>
+          <a:p>
+            <a:r>
               <a:rPr lang="en-US" sz="1300" dirty="0" err="1"/>
               <a:t>Thunks</a:t>
             </a:r>
@@ -8707,7 +9604,7 @@
             <a:pPr lvl="1"/>
             <a:r>
               <a:rPr lang="en-US" sz="1300" dirty="0"/>
-              <a:t>delays the evaluation of an expression until its value is needed</a:t>
+              <a:t>Delays the evaluation of an expression until its value is needed</a:t>
             </a:r>
           </a:p>
           <a:p>
@@ -8721,7 +9618,7 @@
             <a:pPr lvl="1"/>
             <a:r>
               <a:rPr lang="en-US" sz="1300" dirty="0"/>
-              <a:t>the technique of introducing a storage unit, which stores values that have already been calculated</a:t>
+              <a:t>The technique of introducing a storage unit, which stores values that have already been calculated</a:t>
             </a:r>
           </a:p>
           <a:p>
@@ -8734,7 +9631,7 @@
             <a:pPr lvl="1"/>
             <a:r>
               <a:rPr lang="en-US" sz="1300" dirty="0"/>
-              <a:t>executes a sequence of functions, with each function’s output used as the input of the following one. It is moved from </a:t>
+              <a:t>Executes a sequence of functions, with each function’s output used as the input of the following one. It is moved from </a:t>
             </a:r>
             <a:r>
               <a:rPr lang="en-US" sz="1300" b="1" dirty="0"/>
@@ -8755,7 +9652,7 @@
             <a:pPr lvl="1"/>
             <a:r>
               <a:rPr lang="en-US" sz="1300" dirty="0"/>
-              <a:t>similar to pipeline with the exception that it is moved from </a:t>
+              <a:t>Similar to pipeline with the exception that it is moved from </a:t>
             </a:r>
             <a:r>
               <a:rPr lang="en-US" sz="1300" b="1" dirty="0"/>
@@ -9275,7 +10172,7 @@
           <a:p>
             <a:r>
               <a:rPr lang="en-US" dirty="0"/>
-              <a:t>What is React?</a:t>
+              <a:t>Introduction to React</a:t>
             </a:r>
           </a:p>
         </p:txBody>
@@ -9402,156 +10299,6 @@
 </file>
 
 <file path=ppt/slides/slide15.xml><?xml version="1.0" encoding="utf-8"?>
-<p:sld xmlns:a="http://schemas.openxmlformats.org/drawingml/2006/main" xmlns:r="http://schemas.openxmlformats.org/officeDocument/2006/relationships" xmlns:p="http://schemas.openxmlformats.org/presentationml/2006/main">
-  <p:cSld>
-    <p:spTree>
-      <p:nvGrpSpPr>
-        <p:cNvPr id="1" name=""/>
-        <p:cNvGrpSpPr/>
-        <p:nvPr/>
-      </p:nvGrpSpPr>
-      <p:grpSpPr>
-        <a:xfrm>
-          <a:off x="0" y="0"/>
-          <a:ext cx="0" cy="0"/>
-          <a:chOff x="0" y="0"/>
-          <a:chExt cx="0" cy="0"/>
-        </a:xfrm>
-      </p:grpSpPr>
-      <p:sp>
-        <p:nvSpPr>
-          <p:cNvPr id="2" name="Title 1">
-            <a:extLst>
-              <a:ext uri="{FF2B5EF4-FFF2-40B4-BE49-F238E27FC236}">
-                <a16:creationId xmlns:a16="http://schemas.microsoft.com/office/drawing/2014/main" id="{670A31E6-845A-904D-96D5-7ABA44969761}"/>
-              </a:ext>
-            </a:extLst>
-          </p:cNvPr>
-          <p:cNvSpPr>
-            <a:spLocks noGrp="1"/>
-          </p:cNvSpPr>
-          <p:nvPr>
-            <p:ph type="title"/>
-          </p:nvPr>
-        </p:nvSpPr>
-        <p:spPr/>
-        <p:txBody>
-          <a:bodyPr/>
-          <a:lstStyle/>
-          <a:p>
-            <a:r>
-              <a:rPr lang="en-US" dirty="0"/>
-              <a:t>How it works?</a:t>
-            </a:r>
-          </a:p>
-        </p:txBody>
-      </p:sp>
-      <p:sp>
-        <p:nvSpPr>
-          <p:cNvPr id="3" name="Content Placeholder 2">
-            <a:extLst>
-              <a:ext uri="{FF2B5EF4-FFF2-40B4-BE49-F238E27FC236}">
-                <a16:creationId xmlns:a16="http://schemas.microsoft.com/office/drawing/2014/main" id="{A3861AB1-B64E-F04E-8F6F-E751644C8CC1}"/>
-              </a:ext>
-            </a:extLst>
-          </p:cNvPr>
-          <p:cNvSpPr>
-            <a:spLocks noGrp="1"/>
-          </p:cNvSpPr>
-          <p:nvPr>
-            <p:ph idx="1"/>
-          </p:nvPr>
-        </p:nvSpPr>
-        <p:spPr>
-          <a:xfrm>
-            <a:off x="818712" y="2421070"/>
-            <a:ext cx="10554574" cy="3636511"/>
-          </a:xfrm>
-        </p:spPr>
-        <p:txBody>
-          <a:bodyPr anchor="t">
-            <a:normAutofit/>
-          </a:bodyPr>
-          <a:lstStyle/>
-          <a:p>
-            <a:r>
-              <a:rPr lang="en-US" sz="1300" dirty="0"/>
-              <a:t>Traditional approach:</a:t>
-            </a:r>
-          </a:p>
-          <a:p>
-            <a:pPr lvl="1"/>
-            <a:r>
-              <a:rPr lang="en-US" sz="1300" dirty="0"/>
-              <a:t>Access the DOM (Document Object Model) and update the attributes of an element</a:t>
-            </a:r>
-          </a:p>
-          <a:p>
-            <a:r>
-              <a:rPr lang="en-US" sz="1300" dirty="0"/>
-              <a:t>React approach:</a:t>
-            </a:r>
-          </a:p>
-          <a:p>
-            <a:pPr lvl="1"/>
-            <a:r>
-              <a:rPr lang="en-US" sz="1300" dirty="0"/>
-              <a:t>React creates a </a:t>
-            </a:r>
-            <a:r>
-              <a:rPr lang="en-US" sz="1300" b="1" dirty="0"/>
-              <a:t>virtual DOM</a:t>
-            </a:r>
-            <a:r>
-              <a:rPr lang="en-US" sz="1300" dirty="0"/>
-              <a:t> in the background, which keeps track of the changes within the components</a:t>
-            </a:r>
-          </a:p>
-          <a:p>
-            <a:pPr lvl="1"/>
-            <a:r>
-              <a:rPr lang="en-US" sz="1300" dirty="0"/>
-              <a:t>It uses an efficient algorithm to compare the actual DOM with the Virtual DOM (diffing) </a:t>
-            </a:r>
-          </a:p>
-          <a:p>
-            <a:pPr lvl="1"/>
-            <a:r>
-              <a:rPr lang="en-US" sz="1300" dirty="0"/>
-              <a:t>When there is a change in the state of a component it updates the actual DOM, but </a:t>
-            </a:r>
-            <a:r>
-              <a:rPr lang="en-US" sz="1300" b="1" dirty="0"/>
-              <a:t>only </a:t>
-            </a:r>
-            <a:r>
-              <a:rPr lang="en-US" sz="1300" dirty="0"/>
-              <a:t>for those nodes related to the change. </a:t>
-            </a:r>
-          </a:p>
-          <a:p>
-            <a:pPr lvl="2"/>
-            <a:r>
-              <a:rPr lang="en-US" sz="1300" dirty="0"/>
-              <a:t>Improves performance since it avoids to re-render and re-paint the whole UI</a:t>
-            </a:r>
-          </a:p>
-        </p:txBody>
-      </p:sp>
-    </p:spTree>
-    <p:extLst>
-      <p:ext uri="{BB962C8B-B14F-4D97-AF65-F5344CB8AC3E}">
-        <p14:creationId xmlns:p14="http://schemas.microsoft.com/office/powerpoint/2010/main" val="274889867"/>
-      </p:ext>
-    </p:extLst>
-  </p:cSld>
-  <p:clrMapOvr>
-    <a:masterClrMapping/>
-  </p:clrMapOvr>
-</p:sld>
-</file>
-
-<file path=ppt/slides/slide16.xml><?xml version="1.0" encoding="utf-8"?>
 <p:sld xmlns:a="http://schemas.openxmlformats.org/drawingml/2006/main" xmlns:r="http://schemas.openxmlformats.org/officeDocument/2006/relationships" xmlns:p="http://schemas.openxmlformats.org/presentationml/2006/main">
   <p:cSld>
     <p:spTree>
@@ -9724,10 +10471,210 @@
           </a:p>
         </p:txBody>
       </p:sp>
+      <p:sp>
+        <p:nvSpPr>
+          <p:cNvPr id="2" name="Equals 1">
+            <a:extLst>
+              <a:ext uri="{FF2B5EF4-FFF2-40B4-BE49-F238E27FC236}">
+                <a16:creationId xmlns:a16="http://schemas.microsoft.com/office/drawing/2014/main" id="{5D6D263B-BDC1-6E49-A23B-8FDB8F9782B3}"/>
+              </a:ext>
+            </a:extLst>
+          </p:cNvPr>
+          <p:cNvSpPr/>
+          <p:nvPr/>
+        </p:nvSpPr>
+        <p:spPr>
+          <a:xfrm>
+            <a:off x="5572935" y="3515531"/>
+            <a:ext cx="492981" cy="400838"/>
+          </a:xfrm>
+          <a:prstGeom prst="mathEqual">
+            <a:avLst/>
+          </a:prstGeom>
+        </p:spPr>
+        <p:style>
+          <a:lnRef idx="2">
+            <a:schemeClr val="accent1">
+              <a:shade val="50000"/>
+            </a:schemeClr>
+          </a:lnRef>
+          <a:fillRef idx="1">
+            <a:schemeClr val="accent1"/>
+          </a:fillRef>
+          <a:effectRef idx="0">
+            <a:schemeClr val="accent1"/>
+          </a:effectRef>
+          <a:fontRef idx="minor">
+            <a:schemeClr val="lt1"/>
+          </a:fontRef>
+        </p:style>
+        <p:txBody>
+          <a:bodyPr rtlCol="0" anchor="ctr"/>
+          <a:lstStyle/>
+          <a:p>
+            <a:pPr algn="ctr"/>
+            <a:endParaRPr lang="en-US">
+              <a:solidFill>
+                <a:schemeClr val="tx1"/>
+              </a:solidFill>
+            </a:endParaRPr>
+          </a:p>
+        </p:txBody>
+      </p:sp>
     </p:spTree>
     <p:extLst>
       <p:ext uri="{BB962C8B-B14F-4D97-AF65-F5344CB8AC3E}">
         <p14:creationId xmlns:p14="http://schemas.microsoft.com/office/powerpoint/2010/main" val="2307669967"/>
+      </p:ext>
+    </p:extLst>
+  </p:cSld>
+  <p:clrMapOvr>
+    <a:masterClrMapping/>
+  </p:clrMapOvr>
+</p:sld>
+</file>
+
+<file path=ppt/slides/slide16.xml><?xml version="1.0" encoding="utf-8"?>
+<p:sld xmlns:a="http://schemas.openxmlformats.org/drawingml/2006/main" xmlns:r="http://schemas.openxmlformats.org/officeDocument/2006/relationships" xmlns:p="http://schemas.openxmlformats.org/presentationml/2006/main">
+  <p:cSld>
+    <p:spTree>
+      <p:nvGrpSpPr>
+        <p:cNvPr id="1" name=""/>
+        <p:cNvGrpSpPr/>
+        <p:nvPr/>
+      </p:nvGrpSpPr>
+      <p:grpSpPr>
+        <a:xfrm>
+          <a:off x="0" y="0"/>
+          <a:ext cx="0" cy="0"/>
+          <a:chOff x="0" y="0"/>
+          <a:chExt cx="0" cy="0"/>
+        </a:xfrm>
+      </p:grpSpPr>
+      <p:sp>
+        <p:nvSpPr>
+          <p:cNvPr id="2" name="Title 1">
+            <a:extLst>
+              <a:ext uri="{FF2B5EF4-FFF2-40B4-BE49-F238E27FC236}">
+                <a16:creationId xmlns:a16="http://schemas.microsoft.com/office/drawing/2014/main" id="{670A31E6-845A-904D-96D5-7ABA44969761}"/>
+              </a:ext>
+            </a:extLst>
+          </p:cNvPr>
+          <p:cNvSpPr>
+            <a:spLocks noGrp="1"/>
+          </p:cNvSpPr>
+          <p:nvPr>
+            <p:ph type="title"/>
+          </p:nvPr>
+        </p:nvSpPr>
+        <p:spPr/>
+        <p:txBody>
+          <a:bodyPr/>
+          <a:lstStyle/>
+          <a:p>
+            <a:r>
+              <a:rPr lang="en-US" dirty="0"/>
+              <a:t>How it works?</a:t>
+            </a:r>
+          </a:p>
+        </p:txBody>
+      </p:sp>
+      <p:sp>
+        <p:nvSpPr>
+          <p:cNvPr id="3" name="Content Placeholder 2">
+            <a:extLst>
+              <a:ext uri="{FF2B5EF4-FFF2-40B4-BE49-F238E27FC236}">
+                <a16:creationId xmlns:a16="http://schemas.microsoft.com/office/drawing/2014/main" id="{A3861AB1-B64E-F04E-8F6F-E751644C8CC1}"/>
+              </a:ext>
+            </a:extLst>
+          </p:cNvPr>
+          <p:cNvSpPr>
+            <a:spLocks noGrp="1"/>
+          </p:cNvSpPr>
+          <p:nvPr>
+            <p:ph idx="1"/>
+          </p:nvPr>
+        </p:nvSpPr>
+        <p:spPr>
+          <a:xfrm>
+            <a:off x="818712" y="2421070"/>
+            <a:ext cx="10554574" cy="3636511"/>
+          </a:xfrm>
+        </p:spPr>
+        <p:txBody>
+          <a:bodyPr anchor="t">
+            <a:normAutofit/>
+          </a:bodyPr>
+          <a:lstStyle/>
+          <a:p>
+            <a:r>
+              <a:rPr lang="en-US" sz="1300" dirty="0"/>
+              <a:t>Traditional approach:</a:t>
+            </a:r>
+          </a:p>
+          <a:p>
+            <a:pPr lvl="1"/>
+            <a:r>
+              <a:rPr lang="en-US" sz="1300" dirty="0"/>
+              <a:t>Access the DOM (Document Object Model) and update the attributes of an element</a:t>
+            </a:r>
+          </a:p>
+          <a:p>
+            <a:r>
+              <a:rPr lang="en-US" sz="1300" dirty="0"/>
+              <a:t>React approach:</a:t>
+            </a:r>
+          </a:p>
+          <a:p>
+            <a:pPr lvl="1"/>
+            <a:r>
+              <a:rPr lang="en-US" sz="1300" dirty="0"/>
+              <a:t>React creates a </a:t>
+            </a:r>
+            <a:r>
+              <a:rPr lang="en-US" sz="1300" b="1" dirty="0"/>
+              <a:t>virtual DOM</a:t>
+            </a:r>
+            <a:r>
+              <a:rPr lang="en-US" sz="1300" dirty="0"/>
+              <a:t> in the background, which keeps track of the changes within the components</a:t>
+            </a:r>
+          </a:p>
+          <a:p>
+            <a:pPr lvl="1"/>
+            <a:r>
+              <a:rPr lang="en-US" sz="1300" dirty="0"/>
+              <a:t>It uses an efficient algorithm to compare the actual DOM with the Virtual DOM (diffing) </a:t>
+            </a:r>
+          </a:p>
+          <a:p>
+            <a:pPr lvl="1"/>
+            <a:r>
+              <a:rPr lang="en-US" sz="1300" dirty="0"/>
+              <a:t>When there is a change in the state of a component it updates the actual DOM, but </a:t>
+            </a:r>
+            <a:r>
+              <a:rPr lang="en-US" sz="1300" b="1" dirty="0"/>
+              <a:t>only </a:t>
+            </a:r>
+            <a:r>
+              <a:rPr lang="en-US" sz="1300" dirty="0"/>
+              <a:t>for those nodes related to the change. </a:t>
+            </a:r>
+          </a:p>
+          <a:p>
+            <a:pPr lvl="2"/>
+            <a:r>
+              <a:rPr lang="en-US" sz="1300" dirty="0"/>
+              <a:t>Improves performance since it avoids to re-render and re-paint the UI unnecessarily</a:t>
+            </a:r>
+          </a:p>
+        </p:txBody>
+      </p:sp>
+    </p:spTree>
+    <p:extLst>
+      <p:ext uri="{BB962C8B-B14F-4D97-AF65-F5344CB8AC3E}">
+        <p14:creationId xmlns:p14="http://schemas.microsoft.com/office/powerpoint/2010/main" val="274889867"/>
       </p:ext>
     </p:extLst>
   </p:cSld>
@@ -9847,7 +10794,7 @@
             </a:r>
             <a:r>
               <a:rPr lang="en-US" sz="1300" dirty="0"/>
-              <a:t> syntax</a:t>
+              <a:t> keyword</a:t>
             </a:r>
           </a:p>
           <a:p>
@@ -9857,7 +10804,7 @@
             </a:pPr>
             <a:r>
               <a:rPr lang="en-US" sz="1300" dirty="0"/>
-              <a:t>Functional: initialized using a function</a:t>
+              <a:t>Functional: initialized using a function declaration</a:t>
             </a:r>
           </a:p>
           <a:p>
@@ -9867,7 +10814,7 @@
             </a:pPr>
             <a:r>
               <a:rPr lang="en-US" sz="1300" dirty="0"/>
-              <a:t>Prior version16.8, using a class-based component was the only way to handle state</a:t>
+              <a:t>Prior version 16.8, using a class-based component was the only way to handle state</a:t>
             </a:r>
           </a:p>
           <a:p>
@@ -9876,12 +10823,16 @@
               <a:buChar char="o"/>
             </a:pPr>
             <a:r>
+              <a:rPr lang="en-US" sz="1300" dirty="0"/>
+              <a:t>From version 16.8 and afterwards, </a:t>
+            </a:r>
+            <a:r>
               <a:rPr lang="en-US" sz="1300" b="1" dirty="0"/>
               <a:t>React hooks </a:t>
             </a:r>
             <a:r>
               <a:rPr lang="en-US" sz="1300" dirty="0"/>
-              <a:t>allowed to Functional components to manage state</a:t>
+              <a:t>allow to Functional components to manage state</a:t>
             </a:r>
           </a:p>
           <a:p>
@@ -10267,6 +11218,384 @@
             <a:pPr algn="ctr"/>
             <a:r>
               <a:rPr lang="en-US" dirty="0"/>
+              <a:t>Communicating Between Components</a:t>
+            </a:r>
+          </a:p>
+        </p:txBody>
+      </p:sp>
+      <p:sp>
+        <p:nvSpPr>
+          <p:cNvPr id="4" name="Text Placeholder 3">
+            <a:extLst>
+              <a:ext uri="{FF2B5EF4-FFF2-40B4-BE49-F238E27FC236}">
+                <a16:creationId xmlns:a16="http://schemas.microsoft.com/office/drawing/2014/main" id="{894F9FC9-54C9-E74F-A733-55AFC73BA19E}"/>
+              </a:ext>
+            </a:extLst>
+          </p:cNvPr>
+          <p:cNvSpPr>
+            <a:spLocks noGrp="1"/>
+          </p:cNvSpPr>
+          <p:nvPr>
+            <p:ph type="body" sz="half" idx="2"/>
+          </p:nvPr>
+        </p:nvSpPr>
+        <p:spPr>
+          <a:xfrm>
+            <a:off x="1073150" y="2523131"/>
+            <a:ext cx="3547533" cy="3600311"/>
+          </a:xfrm>
+        </p:spPr>
+        <p:txBody>
+          <a:bodyPr lIns="0" tIns="0" rIns="0" bIns="0" anchor="t">
+            <a:normAutofit/>
+          </a:bodyPr>
+          <a:lstStyle/>
+          <a:p>
+            <a:pPr marL="285750" indent="-285750">
+              <a:buFont typeface="Courier New" panose="02070309020205020404" pitchFamily="49" charset="0"/>
+              <a:buChar char="o"/>
+            </a:pPr>
+            <a:r>
+              <a:rPr lang="en-US" sz="1300" dirty="0"/>
+              <a:t>A component accepts arguments which are known as </a:t>
+            </a:r>
+            <a:r>
+              <a:rPr lang="en-US" sz="1300" b="1" dirty="0"/>
+              <a:t>properties (props)</a:t>
+            </a:r>
+            <a:endParaRPr lang="en-US" sz="1300" dirty="0"/>
+          </a:p>
+          <a:p>
+            <a:pPr marL="285750" indent="-285750">
+              <a:buFont typeface="Courier New" panose="02070309020205020404" pitchFamily="49" charset="0"/>
+              <a:buChar char="o"/>
+            </a:pPr>
+            <a:r>
+              <a:rPr lang="en-US" sz="1300" dirty="0"/>
+              <a:t>Properties can only be passed from a </a:t>
+            </a:r>
+            <a:r>
+              <a:rPr lang="en-US" sz="1300" b="1" dirty="0"/>
+              <a:t>parent to a child component</a:t>
+            </a:r>
+            <a:r>
+              <a:rPr lang="en-US" sz="1300" dirty="0"/>
+              <a:t>, not vice-versa</a:t>
+            </a:r>
+            <a:endParaRPr lang="en-US" sz="1300" b="1" dirty="0"/>
+          </a:p>
+          <a:p>
+            <a:pPr marL="285750" indent="-285750">
+              <a:buFont typeface="Courier New" panose="02070309020205020404" pitchFamily="49" charset="0"/>
+              <a:buChar char="o"/>
+            </a:pPr>
+            <a:r>
+              <a:rPr lang="en-US" sz="1300" dirty="0"/>
+              <a:t>Properties can either be </a:t>
+            </a:r>
+            <a:r>
+              <a:rPr lang="en-US" sz="1300" b="1" dirty="0"/>
+              <a:t>plain objects </a:t>
+            </a:r>
+            <a:r>
+              <a:rPr lang="en-US" sz="1300" dirty="0"/>
+              <a:t>or </a:t>
+            </a:r>
+            <a:r>
+              <a:rPr lang="en-US" sz="1300" b="1" dirty="0"/>
+              <a:t>functions</a:t>
+            </a:r>
+          </a:p>
+          <a:p>
+            <a:pPr marL="285750" indent="-285750">
+              <a:buFont typeface="Courier New" panose="02070309020205020404" pitchFamily="49" charset="0"/>
+              <a:buChar char="o"/>
+            </a:pPr>
+            <a:r>
+              <a:rPr lang="en-US" sz="1300" dirty="0"/>
+              <a:t>The idiomatic way is to pass new props when you want to re-render the component. Not to update them (immutability)</a:t>
+            </a:r>
+          </a:p>
+          <a:p>
+            <a:pPr marL="285750" indent="-285750">
+              <a:buFont typeface="Courier New" panose="02070309020205020404" pitchFamily="49" charset="0"/>
+              <a:buChar char="o"/>
+            </a:pPr>
+            <a:r>
+              <a:rPr lang="en-US" sz="1300" dirty="0"/>
+              <a:t>Components that accept other Components/Functions as inputs are known as </a:t>
+            </a:r>
+            <a:r>
+              <a:rPr lang="en-US" sz="1300" b="1" dirty="0"/>
+              <a:t>Higher Order Components (HOC)</a:t>
+            </a:r>
+          </a:p>
+          <a:p>
+            <a:pPr marL="285750" indent="-285750">
+              <a:buFont typeface="Courier New" panose="02070309020205020404" pitchFamily="49" charset="0"/>
+              <a:buChar char="o"/>
+            </a:pPr>
+            <a:endParaRPr lang="en-US" sz="1300" b="1" dirty="0"/>
+          </a:p>
+        </p:txBody>
+      </p:sp>
+      <p:pic>
+        <p:nvPicPr>
+          <p:cNvPr id="6" name="Content Placeholder 6" descr="Text&#10;&#10;Description automatically generated">
+            <a:extLst>
+              <a:ext uri="{FF2B5EF4-FFF2-40B4-BE49-F238E27FC236}">
+                <a16:creationId xmlns:a16="http://schemas.microsoft.com/office/drawing/2014/main" id="{56C183A2-483F-5E44-8ADE-01111229A62D}"/>
+              </a:ext>
+            </a:extLst>
+          </p:cNvPr>
+          <p:cNvPicPr>
+            <a:picLocks noChangeAspect="1"/>
+          </p:cNvPicPr>
+          <p:nvPr/>
+        </p:nvPicPr>
+        <p:blipFill>
+          <a:blip r:embed="rId2"/>
+          <a:stretch>
+            <a:fillRect/>
+          </a:stretch>
+        </p:blipFill>
+        <p:spPr>
+          <a:xfrm>
+            <a:off x="5597717" y="890472"/>
+            <a:ext cx="5452618" cy="5077055"/>
+          </a:xfrm>
+          <a:prstGeom prst="rect">
+            <a:avLst/>
+          </a:prstGeom>
+          <a:effectLst>
+            <a:outerShdw blurRad="50800" dir="14400000">
+              <a:srgbClr val="000000">
+                <a:alpha val="40000"/>
+              </a:srgbClr>
+            </a:outerShdw>
+          </a:effectLst>
+        </p:spPr>
+      </p:pic>
+      <p:pic>
+        <p:nvPicPr>
+          <p:cNvPr id="7" name="Picture 6" descr="Text&#10;&#10;Description automatically generated">
+            <a:extLst>
+              <a:ext uri="{FF2B5EF4-FFF2-40B4-BE49-F238E27FC236}">
+                <a16:creationId xmlns:a16="http://schemas.microsoft.com/office/drawing/2014/main" id="{F55FF243-CD69-DE44-81EF-AB50FB4266B1}"/>
+              </a:ext>
+            </a:extLst>
+          </p:cNvPr>
+          <p:cNvPicPr>
+            <a:picLocks noChangeAspect="1"/>
+          </p:cNvPicPr>
+          <p:nvPr/>
+        </p:nvPicPr>
+        <p:blipFill>
+          <a:blip r:embed="rId3"/>
+          <a:stretch>
+            <a:fillRect/>
+          </a:stretch>
+        </p:blipFill>
+        <p:spPr>
+          <a:xfrm>
+            <a:off x="5597717" y="1255286"/>
+            <a:ext cx="5452618" cy="4086000"/>
+          </a:xfrm>
+          <a:prstGeom prst="rect">
+            <a:avLst/>
+          </a:prstGeom>
+        </p:spPr>
+      </p:pic>
+    </p:spTree>
+    <p:extLst>
+      <p:ext uri="{BB962C8B-B14F-4D97-AF65-F5344CB8AC3E}">
+        <p14:creationId xmlns:p14="http://schemas.microsoft.com/office/powerpoint/2010/main" val="3471116711"/>
+      </p:ext>
+    </p:extLst>
+  </p:cSld>
+  <p:clrMapOvr>
+    <a:masterClrMapping/>
+  </p:clrMapOvr>
+  <p:timing>
+    <p:tnLst>
+      <p:par>
+        <p:cTn id="1" dur="indefinite" restart="never" nodeType="tmRoot">
+          <p:childTnLst>
+            <p:seq concurrent="1" nextAc="seek">
+              <p:cTn id="2" dur="indefinite" nodeType="mainSeq">
+                <p:childTnLst>
+                  <p:par>
+                    <p:cTn id="3" fill="hold">
+                      <p:stCondLst>
+                        <p:cond delay="indefinite"/>
+                      </p:stCondLst>
+                      <p:childTnLst>
+                        <p:par>
+                          <p:cTn id="4" fill="hold">
+                            <p:stCondLst>
+                              <p:cond delay="0"/>
+                            </p:stCondLst>
+                            <p:childTnLst>
+                              <p:par>
+                                <p:cTn id="5" presetID="9" presetClass="exit" presetSubtype="0" fill="hold" nodeType="clickEffect">
+                                  <p:stCondLst>
+                                    <p:cond delay="0"/>
+                                  </p:stCondLst>
+                                  <p:childTnLst>
+                                    <p:animEffect transition="out" filter="dissolve">
+                                      <p:cBhvr>
+                                        <p:cTn id="6" dur="500"/>
+                                        <p:tgtEl>
+                                          <p:spTgt spid="7"/>
+                                        </p:tgtEl>
+                                      </p:cBhvr>
+                                    </p:animEffect>
+                                    <p:set>
+                                      <p:cBhvr>
+                                        <p:cTn id="7" dur="1" fill="hold">
+                                          <p:stCondLst>
+                                            <p:cond delay="499"/>
+                                          </p:stCondLst>
+                                        </p:cTn>
+                                        <p:tgtEl>
+                                          <p:spTgt spid="7"/>
+                                        </p:tgtEl>
+                                        <p:attrNameLst>
+                                          <p:attrName>style.visibility</p:attrName>
+                                        </p:attrNameLst>
+                                      </p:cBhvr>
+                                      <p:to>
+                                        <p:strVal val="hidden"/>
+                                      </p:to>
+                                    </p:set>
+                                  </p:childTnLst>
+                                </p:cTn>
+                              </p:par>
+                            </p:childTnLst>
+                          </p:cTn>
+                        </p:par>
+                      </p:childTnLst>
+                    </p:cTn>
+                  </p:par>
+                  <p:par>
+                    <p:cTn id="8" fill="hold">
+                      <p:stCondLst>
+                        <p:cond delay="indefinite"/>
+                      </p:stCondLst>
+                      <p:childTnLst>
+                        <p:par>
+                          <p:cTn id="9" fill="hold">
+                            <p:stCondLst>
+                              <p:cond delay="0"/>
+                            </p:stCondLst>
+                            <p:childTnLst>
+                              <p:par>
+                                <p:cTn id="10" presetID="9" presetClass="entr" presetSubtype="0" fill="hold" nodeType="clickEffect">
+                                  <p:stCondLst>
+                                    <p:cond delay="0"/>
+                                  </p:stCondLst>
+                                  <p:childTnLst>
+                                    <p:set>
+                                      <p:cBhvr>
+                                        <p:cTn id="11" dur="1" fill="hold">
+                                          <p:stCondLst>
+                                            <p:cond delay="0"/>
+                                          </p:stCondLst>
+                                        </p:cTn>
+                                        <p:tgtEl>
+                                          <p:spTgt spid="6"/>
+                                        </p:tgtEl>
+                                        <p:attrNameLst>
+                                          <p:attrName>style.visibility</p:attrName>
+                                        </p:attrNameLst>
+                                      </p:cBhvr>
+                                      <p:to>
+                                        <p:strVal val="visible"/>
+                                      </p:to>
+                                    </p:set>
+                                    <p:animEffect transition="in" filter="dissolve">
+                                      <p:cBhvr>
+                                        <p:cTn id="12" dur="500"/>
+                                        <p:tgtEl>
+                                          <p:spTgt spid="6"/>
+                                        </p:tgtEl>
+                                      </p:cBhvr>
+                                    </p:animEffect>
+                                  </p:childTnLst>
+                                </p:cTn>
+                              </p:par>
+                            </p:childTnLst>
+                          </p:cTn>
+                        </p:par>
+                      </p:childTnLst>
+                    </p:cTn>
+                  </p:par>
+                </p:childTnLst>
+              </p:cTn>
+              <p:prevCondLst>
+                <p:cond evt="onPrev" delay="0">
+                  <p:tgtEl>
+                    <p:sldTgt/>
+                  </p:tgtEl>
+                </p:cond>
+              </p:prevCondLst>
+              <p:nextCondLst>
+                <p:cond evt="onNext" delay="0">
+                  <p:tgtEl>
+                    <p:sldTgt/>
+                  </p:tgtEl>
+                </p:cond>
+              </p:nextCondLst>
+            </p:seq>
+          </p:childTnLst>
+        </p:cTn>
+      </p:par>
+    </p:tnLst>
+  </p:timing>
+</p:sld>
+</file>
+
+<file path=ppt/slides/slide19.xml><?xml version="1.0" encoding="utf-8"?>
+<p:sld xmlns:a="http://schemas.openxmlformats.org/drawingml/2006/main" xmlns:r="http://schemas.openxmlformats.org/officeDocument/2006/relationships" xmlns:p="http://schemas.openxmlformats.org/presentationml/2006/main">
+  <p:cSld>
+    <p:spTree>
+      <p:nvGrpSpPr>
+        <p:cNvPr id="1" name=""/>
+        <p:cNvGrpSpPr/>
+        <p:nvPr/>
+      </p:nvGrpSpPr>
+      <p:grpSpPr>
+        <a:xfrm>
+          <a:off x="0" y="0"/>
+          <a:ext cx="0" cy="0"/>
+          <a:chOff x="0" y="0"/>
+          <a:chExt cx="0" cy="0"/>
+        </a:xfrm>
+      </p:grpSpPr>
+      <p:sp>
+        <p:nvSpPr>
+          <p:cNvPr id="2" name="Title 1">
+            <a:extLst>
+              <a:ext uri="{FF2B5EF4-FFF2-40B4-BE49-F238E27FC236}">
+                <a16:creationId xmlns:a16="http://schemas.microsoft.com/office/drawing/2014/main" id="{670A31E6-845A-904D-96D5-7ABA44969761}"/>
+              </a:ext>
+            </a:extLst>
+          </p:cNvPr>
+          <p:cNvSpPr>
+            <a:spLocks noGrp="1"/>
+          </p:cNvSpPr>
+          <p:nvPr>
+            <p:ph type="title"/>
+          </p:nvPr>
+        </p:nvSpPr>
+        <p:spPr/>
+        <p:txBody>
+          <a:bodyPr anchor="ctr"/>
+          <a:lstStyle/>
+          <a:p>
+            <a:pPr algn="ctr"/>
+            <a:r>
+              <a:rPr lang="en-US" dirty="0"/>
               <a:t>Stateful vs Stateless Components</a:t>
             </a:r>
           </a:p>
@@ -10291,7 +11620,7 @@
         <p:spPr>
           <a:xfrm>
             <a:off x="1073150" y="2511686"/>
-            <a:ext cx="3547533" cy="3459755"/>
+            <a:ext cx="3547533" cy="3836863"/>
           </a:xfrm>
         </p:spPr>
         <p:txBody>
@@ -10305,12 +11634,55 @@
               <a:buChar char="o"/>
             </a:pPr>
             <a:r>
+              <a:rPr lang="en-US" dirty="0"/>
+              <a:t>A stateful component is </a:t>
+            </a:r>
+            <a:r>
+              <a:rPr lang="en-US" b="1" dirty="0"/>
+              <a:t>any component that manages state</a:t>
+            </a:r>
+            <a:endParaRPr lang="en-US" sz="1300" b="1" dirty="0"/>
+          </a:p>
+          <a:p>
+            <a:pPr marL="742950" lvl="1" indent="-285750">
+              <a:buFont typeface="Courier New" panose="02070309020205020404" pitchFamily="49" charset="0"/>
+              <a:buChar char="o"/>
+            </a:pPr>
+            <a:r>
+              <a:rPr lang="en-US" sz="1400" dirty="0"/>
+              <a:t>State can either be </a:t>
+            </a:r>
+            <a:r>
+              <a:rPr lang="en-US" sz="1400" b="1" dirty="0"/>
+              <a:t>external </a:t>
+            </a:r>
+            <a:r>
+              <a:rPr lang="en-US" sz="1400" dirty="0"/>
+              <a:t>or </a:t>
+            </a:r>
+            <a:r>
+              <a:rPr lang="en-US" sz="1400" b="1" dirty="0"/>
+              <a:t>local</a:t>
+            </a:r>
+          </a:p>
+          <a:p>
+            <a:pPr marL="742950" lvl="1" indent="-285750">
+              <a:buFont typeface="Courier New" panose="02070309020205020404" pitchFamily="49" charset="0"/>
+              <a:buChar char="o"/>
+            </a:pPr>
+            <a:r>
               <a:rPr lang="en-US" sz="1300" dirty="0"/>
-              <a:t>A stateful component is </a:t>
-            </a:r>
-            <a:r>
-              <a:rPr lang="en-US" sz="1300" b="1" dirty="0"/>
-              <a:t>any component that manages state</a:t>
+              <a:t>State can be passed down as a property to child components</a:t>
+            </a:r>
+          </a:p>
+          <a:p>
+            <a:pPr marL="742950" lvl="1" indent="-285750">
+              <a:buFont typeface="Courier New" panose="02070309020205020404" pitchFamily="49" charset="0"/>
+              <a:buChar char="o"/>
+            </a:pPr>
+            <a:r>
+              <a:rPr lang="en-US" sz="1300" dirty="0"/>
+              <a:t>State cannot be shared</a:t>
             </a:r>
           </a:p>
           <a:p>
@@ -10319,26 +11691,12 @@
               <a:buChar char="o"/>
             </a:pPr>
             <a:r>
-              <a:rPr lang="en-US" sz="1300" dirty="0"/>
-              <a:t>A stateless component </a:t>
-            </a:r>
-            <a:r>
-              <a:rPr lang="en-US" sz="1300" b="1" dirty="0"/>
-              <a:t>is any component independent of state</a:t>
-            </a:r>
-          </a:p>
-          <a:p>
-            <a:pPr marL="742950" lvl="1" indent="-285750">
-              <a:buFont typeface="Courier New" panose="02070309020205020404" pitchFamily="49" charset="0"/>
-              <a:buChar char="o"/>
-            </a:pPr>
-            <a:r>
-              <a:rPr lang="en-US" sz="1300" dirty="0"/>
-              <a:t>since they don’t handle state, they are </a:t>
-            </a:r>
-            <a:r>
-              <a:rPr lang="en-US" sz="1300" b="1" dirty="0"/>
-              <a:t>pure</a:t>
+              <a:rPr lang="en-US" dirty="0"/>
+              <a:t>A stateless component is any </a:t>
+            </a:r>
+            <a:r>
+              <a:rPr lang="en-US" b="1" dirty="0"/>
+              <a:t>component independent of state (pure)</a:t>
             </a:r>
           </a:p>
           <a:p>
@@ -10349,16 +11707,6 @@
             <a:r>
               <a:rPr lang="en-US" sz="1300" dirty="0"/>
               <a:t>Also known as Containers vs Presentational components</a:t>
-            </a:r>
-          </a:p>
-          <a:p>
-            <a:pPr marL="285750" indent="-285750">
-              <a:buFont typeface="Courier New" panose="02070309020205020404" pitchFamily="49" charset="0"/>
-              <a:buChar char="o"/>
-            </a:pPr>
-            <a:r>
-              <a:rPr lang="en-US" sz="1300" dirty="0"/>
-              <a:t>Parent nodes tend to manage state and update child nodes (stateless) passing properties to them.</a:t>
             </a:r>
           </a:p>
         </p:txBody>
@@ -10512,149 +11860,6 @@
 </p:sld>
 </file>
 
-<file path=ppt/slides/slide19.xml><?xml version="1.0" encoding="utf-8"?>
-<p:sld xmlns:a="http://schemas.openxmlformats.org/drawingml/2006/main" xmlns:r="http://schemas.openxmlformats.org/officeDocument/2006/relationships" xmlns:p="http://schemas.openxmlformats.org/presentationml/2006/main">
-  <p:cSld>
-    <p:spTree>
-      <p:nvGrpSpPr>
-        <p:cNvPr id="1" name=""/>
-        <p:cNvGrpSpPr/>
-        <p:nvPr/>
-      </p:nvGrpSpPr>
-      <p:grpSpPr>
-        <a:xfrm>
-          <a:off x="0" y="0"/>
-          <a:ext cx="0" cy="0"/>
-          <a:chOff x="0" y="0"/>
-          <a:chExt cx="0" cy="0"/>
-        </a:xfrm>
-      </p:grpSpPr>
-      <p:sp>
-        <p:nvSpPr>
-          <p:cNvPr id="2" name="Title 1">
-            <a:extLst>
-              <a:ext uri="{FF2B5EF4-FFF2-40B4-BE49-F238E27FC236}">
-                <a16:creationId xmlns:a16="http://schemas.microsoft.com/office/drawing/2014/main" id="{670A31E6-845A-904D-96D5-7ABA44969761}"/>
-              </a:ext>
-            </a:extLst>
-          </p:cNvPr>
-          <p:cNvSpPr>
-            <a:spLocks noGrp="1"/>
-          </p:cNvSpPr>
-          <p:nvPr>
-            <p:ph type="title"/>
-          </p:nvPr>
-        </p:nvSpPr>
-        <p:spPr/>
-        <p:txBody>
-          <a:bodyPr anchor="ctr"/>
-          <a:lstStyle/>
-          <a:p>
-            <a:pPr algn="ctr"/>
-            <a:r>
-              <a:rPr lang="en-US"/>
-              <a:t>Communication Between Components</a:t>
-            </a:r>
-            <a:endParaRPr lang="en-US" dirty="0"/>
-          </a:p>
-        </p:txBody>
-      </p:sp>
-      <p:sp>
-        <p:nvSpPr>
-          <p:cNvPr id="4" name="Text Placeholder 3">
-            <a:extLst>
-              <a:ext uri="{FF2B5EF4-FFF2-40B4-BE49-F238E27FC236}">
-                <a16:creationId xmlns:a16="http://schemas.microsoft.com/office/drawing/2014/main" id="{894F9FC9-54C9-E74F-A733-55AFC73BA19E}"/>
-              </a:ext>
-            </a:extLst>
-          </p:cNvPr>
-          <p:cNvSpPr>
-            <a:spLocks noGrp="1"/>
-          </p:cNvSpPr>
-          <p:nvPr>
-            <p:ph type="body" sz="half" idx="2"/>
-          </p:nvPr>
-        </p:nvSpPr>
-        <p:spPr>
-          <a:xfrm>
-            <a:off x="1073150" y="2523131"/>
-            <a:ext cx="3547533" cy="3600311"/>
-          </a:xfrm>
-        </p:spPr>
-        <p:txBody>
-          <a:bodyPr lIns="0" tIns="0" rIns="0" bIns="0" anchor="t">
-            <a:normAutofit/>
-          </a:bodyPr>
-          <a:lstStyle/>
-          <a:p>
-            <a:pPr marL="285750" indent="-285750">
-              <a:buFont typeface="Courier New" panose="02070309020205020404" pitchFamily="49" charset="0"/>
-              <a:buChar char="o"/>
-            </a:pPr>
-            <a:r>
-              <a:rPr lang="en-US" sz="1300" dirty="0"/>
-              <a:t>A component accepts arguments which are known as </a:t>
-            </a:r>
-            <a:r>
-              <a:rPr lang="en-US" sz="1300" b="1" dirty="0"/>
-              <a:t>properties (props)</a:t>
-            </a:r>
-            <a:endParaRPr lang="en-US" sz="1300" dirty="0"/>
-          </a:p>
-          <a:p>
-            <a:pPr marL="285750" indent="-285750">
-              <a:buFont typeface="Courier New" panose="02070309020205020404" pitchFamily="49" charset="0"/>
-              <a:buChar char="o"/>
-            </a:pPr>
-            <a:r>
-              <a:rPr lang="en-US" sz="1300" dirty="0"/>
-              <a:t>We can only pass properties from a parent to a child component.</a:t>
-            </a:r>
-          </a:p>
-        </p:txBody>
-      </p:sp>
-      <p:pic>
-        <p:nvPicPr>
-          <p:cNvPr id="15" name="Content Placeholder 14" descr="Text&#10;&#10;Description automatically generated">
-            <a:extLst>
-              <a:ext uri="{FF2B5EF4-FFF2-40B4-BE49-F238E27FC236}">
-                <a16:creationId xmlns:a16="http://schemas.microsoft.com/office/drawing/2014/main" id="{AEC868DB-D24B-7E46-B743-69BE82EA8AB1}"/>
-              </a:ext>
-            </a:extLst>
-          </p:cNvPr>
-          <p:cNvPicPr>
-            <a:picLocks noGrp="1" noChangeAspect="1"/>
-          </p:cNvPicPr>
-          <p:nvPr>
-            <p:ph idx="1"/>
-          </p:nvPr>
-        </p:nvPicPr>
-        <p:blipFill>
-          <a:blip r:embed="rId2"/>
-          <a:stretch>
-            <a:fillRect/>
-          </a:stretch>
-        </p:blipFill>
-        <p:spPr>
-          <a:xfrm>
-            <a:off x="5597718" y="1261073"/>
-            <a:ext cx="5521131" cy="4523142"/>
-          </a:xfrm>
-        </p:spPr>
-      </p:pic>
-    </p:spTree>
-    <p:extLst>
-      <p:ext uri="{BB962C8B-B14F-4D97-AF65-F5344CB8AC3E}">
-        <p14:creationId xmlns:p14="http://schemas.microsoft.com/office/powerpoint/2010/main" val="3471116711"/>
-      </p:ext>
-    </p:extLst>
-  </p:cSld>
-  <p:clrMapOvr>
-    <a:masterClrMapping/>
-  </p:clrMapOvr>
-</p:sld>
-</file>
-
 <file path=ppt/slides/slide2.xml><?xml version="1.0" encoding="utf-8"?>
 <p:sld xmlns:a="http://schemas.openxmlformats.org/drawingml/2006/main" xmlns:r="http://schemas.openxmlformats.org/officeDocument/2006/relationships" xmlns:p="http://schemas.openxmlformats.org/presentationml/2006/main">
   <p:cSld>
@@ -10737,7 +11942,7 @@
             <a:pPr lvl="1"/>
             <a:r>
               <a:rPr lang="en-US" sz="1300" dirty="0"/>
-              <a:t>Definition</a:t>
+              <a:t>Introduction</a:t>
             </a:r>
           </a:p>
           <a:p>
@@ -10764,7 +11969,7 @@
             <a:pPr lvl="1"/>
             <a:r>
               <a:rPr lang="en-US" sz="1300" dirty="0"/>
-              <a:t>Definition</a:t>
+              <a:t>Introduction</a:t>
             </a:r>
           </a:p>
           <a:p>
@@ -10785,6 +11990,13 @@
             <a:pPr lvl="1"/>
             <a:r>
               <a:rPr lang="en-US" sz="1300" dirty="0"/>
+              <a:t>Communication between components</a:t>
+            </a:r>
+          </a:p>
+          <a:p>
+            <a:pPr lvl="1"/>
+            <a:r>
+              <a:rPr lang="en-US" sz="1300" dirty="0"/>
               <a:t>Stateful vs Stateless components</a:t>
             </a:r>
           </a:p>
@@ -10792,13 +12004,13 @@
             <a:pPr lvl="1"/>
             <a:r>
               <a:rPr lang="en-US" sz="1300" dirty="0"/>
-              <a:t>Communication between components</a:t>
+              <a:t>Side-effects – React Hooks</a:t>
             </a:r>
           </a:p>
           <a:p>
             <a:r>
               <a:rPr lang="en-US" sz="1300" dirty="0"/>
-              <a:t>Code examples</a:t>
+              <a:t>Functional React</a:t>
             </a:r>
           </a:p>
         </p:txBody>
@@ -10817,6 +12029,432 @@
 </file>
 
 <file path=ppt/slides/slide20.xml><?xml version="1.0" encoding="utf-8"?>
+<p:sld xmlns:a="http://schemas.openxmlformats.org/drawingml/2006/main" xmlns:r="http://schemas.openxmlformats.org/officeDocument/2006/relationships" xmlns:p="http://schemas.openxmlformats.org/presentationml/2006/main">
+  <p:cSld>
+    <p:spTree>
+      <p:nvGrpSpPr>
+        <p:cNvPr id="1" name=""/>
+        <p:cNvGrpSpPr/>
+        <p:nvPr/>
+      </p:nvGrpSpPr>
+      <p:grpSpPr>
+        <a:xfrm>
+          <a:off x="0" y="0"/>
+          <a:ext cx="0" cy="0"/>
+          <a:chOff x="0" y="0"/>
+          <a:chExt cx="0" cy="0"/>
+        </a:xfrm>
+      </p:grpSpPr>
+      <p:sp>
+        <p:nvSpPr>
+          <p:cNvPr id="5" name="TextBox 4">
+            <a:extLst>
+              <a:ext uri="{FF2B5EF4-FFF2-40B4-BE49-F238E27FC236}">
+                <a16:creationId xmlns:a16="http://schemas.microsoft.com/office/drawing/2014/main" id="{D228D4D1-6198-F54E-8FCE-5199114DA2EE}"/>
+              </a:ext>
+            </a:extLst>
+          </p:cNvPr>
+          <p:cNvSpPr txBox="1"/>
+          <p:nvPr/>
+        </p:nvSpPr>
+        <p:spPr>
+          <a:xfrm>
+            <a:off x="1545770" y="1441902"/>
+            <a:ext cx="9461863" cy="1200329"/>
+          </a:xfrm>
+          <a:prstGeom prst="rect">
+            <a:avLst/>
+          </a:prstGeom>
+          <a:noFill/>
+        </p:spPr>
+        <p:txBody>
+          <a:bodyPr wrap="square" rtlCol="0">
+            <a:spAutoFit/>
+          </a:bodyPr>
+          <a:lstStyle/>
+          <a:p>
+            <a:r>
+              <a:rPr lang="en-US" sz="3600" b="1" dirty="0"/>
+              <a:t>Wait a minute… </a:t>
+            </a:r>
+          </a:p>
+          <a:p>
+            <a:r>
+              <a:rPr lang="en-US" sz="3600" b="1" dirty="0"/>
+              <a:t>Show me how can I set an external state!</a:t>
+            </a:r>
+          </a:p>
+        </p:txBody>
+      </p:sp>
+      <p:pic>
+        <p:nvPicPr>
+          <p:cNvPr id="11" name="Picture 10" descr="Icon&#10;&#10;Description automatically generated">
+            <a:extLst>
+              <a:ext uri="{FF2B5EF4-FFF2-40B4-BE49-F238E27FC236}">
+                <a16:creationId xmlns:a16="http://schemas.microsoft.com/office/drawing/2014/main" id="{8E81066A-47BD-CC44-8C77-31F365EC5D4E}"/>
+              </a:ext>
+            </a:extLst>
+          </p:cNvPr>
+          <p:cNvPicPr>
+            <a:picLocks noChangeAspect="1"/>
+          </p:cNvPicPr>
+          <p:nvPr/>
+        </p:nvPicPr>
+        <p:blipFill>
+          <a:blip r:embed="rId2"/>
+          <a:stretch>
+            <a:fillRect/>
+          </a:stretch>
+        </p:blipFill>
+        <p:spPr>
+          <a:xfrm>
+            <a:off x="7883617" y="3539853"/>
+            <a:ext cx="2473778" cy="2473778"/>
+          </a:xfrm>
+          <a:prstGeom prst="rect">
+            <a:avLst/>
+          </a:prstGeom>
+        </p:spPr>
+      </p:pic>
+      <p:sp>
+        <p:nvSpPr>
+          <p:cNvPr id="12" name="TextBox 11">
+            <a:extLst>
+              <a:ext uri="{FF2B5EF4-FFF2-40B4-BE49-F238E27FC236}">
+                <a16:creationId xmlns:a16="http://schemas.microsoft.com/office/drawing/2014/main" id="{13996C43-DE8B-424D-8079-1DE86C26BB51}"/>
+              </a:ext>
+            </a:extLst>
+          </p:cNvPr>
+          <p:cNvSpPr txBox="1"/>
+          <p:nvPr/>
+        </p:nvSpPr>
+        <p:spPr>
+          <a:xfrm>
+            <a:off x="2379614" y="4484354"/>
+            <a:ext cx="3897087" cy="584775"/>
+          </a:xfrm>
+          <a:prstGeom prst="rect">
+            <a:avLst/>
+          </a:prstGeom>
+          <a:noFill/>
+        </p:spPr>
+        <p:txBody>
+          <a:bodyPr wrap="square" rtlCol="0">
+            <a:spAutoFit/>
+          </a:bodyPr>
+          <a:lstStyle/>
+          <a:p>
+            <a:r>
+              <a:rPr lang="en-US" sz="3200" b="1" dirty="0"/>
+              <a:t>Side-effects</a:t>
+            </a:r>
+            <a:endParaRPr lang="en-US" b="1" dirty="0"/>
+          </a:p>
+        </p:txBody>
+      </p:sp>
+      <p:cxnSp>
+        <p:nvCxnSpPr>
+          <p:cNvPr id="13" name="Straight Arrow Connector 12">
+            <a:extLst>
+              <a:ext uri="{FF2B5EF4-FFF2-40B4-BE49-F238E27FC236}">
+                <a16:creationId xmlns:a16="http://schemas.microsoft.com/office/drawing/2014/main" id="{FBAB26D7-56BD-BD40-AEA3-3C30D147C133}"/>
+              </a:ext>
+            </a:extLst>
+          </p:cNvPr>
+          <p:cNvCxnSpPr/>
+          <p:nvPr/>
+        </p:nvCxnSpPr>
+        <p:spPr>
+          <a:xfrm>
+            <a:off x="5631038" y="4778555"/>
+            <a:ext cx="1470991" cy="0"/>
+          </a:xfrm>
+          <a:prstGeom prst="straightConnector1">
+            <a:avLst/>
+          </a:prstGeom>
+          <a:ln w="66675">
+            <a:tailEnd type="triangle"/>
+          </a:ln>
+        </p:spPr>
+        <p:style>
+          <a:lnRef idx="1">
+            <a:schemeClr val="accent1"/>
+          </a:lnRef>
+          <a:fillRef idx="0">
+            <a:schemeClr val="accent1"/>
+          </a:fillRef>
+          <a:effectRef idx="0">
+            <a:schemeClr val="accent1"/>
+          </a:effectRef>
+          <a:fontRef idx="minor">
+            <a:schemeClr val="tx1"/>
+          </a:fontRef>
+        </p:style>
+      </p:cxnSp>
+      <p:cxnSp>
+        <p:nvCxnSpPr>
+          <p:cNvPr id="14" name="Straight Arrow Connector 13">
+            <a:extLst>
+              <a:ext uri="{FF2B5EF4-FFF2-40B4-BE49-F238E27FC236}">
+                <a16:creationId xmlns:a16="http://schemas.microsoft.com/office/drawing/2014/main" id="{8A8F7B6C-3E9E-EB4D-8433-1EDE93253B1D}"/>
+              </a:ext>
+            </a:extLst>
+          </p:cNvPr>
+          <p:cNvCxnSpPr>
+            <a:cxnSpLocks/>
+          </p:cNvCxnSpPr>
+          <p:nvPr/>
+        </p:nvCxnSpPr>
+        <p:spPr>
+          <a:xfrm>
+            <a:off x="3484375" y="2867023"/>
+            <a:ext cx="0" cy="1356634"/>
+          </a:xfrm>
+          <a:prstGeom prst="straightConnector1">
+            <a:avLst/>
+          </a:prstGeom>
+          <a:ln w="66675">
+            <a:tailEnd type="triangle"/>
+          </a:ln>
+        </p:spPr>
+        <p:style>
+          <a:lnRef idx="1">
+            <a:schemeClr val="accent1"/>
+          </a:lnRef>
+          <a:fillRef idx="0">
+            <a:schemeClr val="accent1"/>
+          </a:fillRef>
+          <a:effectRef idx="0">
+            <a:schemeClr val="accent1"/>
+          </a:effectRef>
+          <a:fontRef idx="minor">
+            <a:schemeClr val="tx1"/>
+          </a:fontRef>
+        </p:style>
+      </p:cxnSp>
+    </p:spTree>
+    <p:extLst>
+      <p:ext uri="{BB962C8B-B14F-4D97-AF65-F5344CB8AC3E}">
+        <p14:creationId xmlns:p14="http://schemas.microsoft.com/office/powerpoint/2010/main" val="335940799"/>
+      </p:ext>
+    </p:extLst>
+  </p:cSld>
+  <p:clrMapOvr>
+    <a:masterClrMapping/>
+  </p:clrMapOvr>
+  <p:timing>
+    <p:tnLst>
+      <p:par>
+        <p:cTn id="1" dur="indefinite" restart="never" nodeType="tmRoot">
+          <p:childTnLst>
+            <p:seq concurrent="1" nextAc="seek">
+              <p:cTn id="2" dur="indefinite" nodeType="mainSeq">
+                <p:childTnLst>
+                  <p:par>
+                    <p:cTn id="3" fill="hold">
+                      <p:stCondLst>
+                        <p:cond delay="indefinite"/>
+                      </p:stCondLst>
+                      <p:childTnLst>
+                        <p:par>
+                          <p:cTn id="4" fill="hold">
+                            <p:stCondLst>
+                              <p:cond delay="0"/>
+                            </p:stCondLst>
+                            <p:childTnLst>
+                              <p:par>
+                                <p:cTn id="5" presetID="9" presetClass="entr" presetSubtype="0" fill="hold" nodeType="clickEffect">
+                                  <p:stCondLst>
+                                    <p:cond delay="0"/>
+                                  </p:stCondLst>
+                                  <p:childTnLst>
+                                    <p:set>
+                                      <p:cBhvr>
+                                        <p:cTn id="6" dur="1" fill="hold">
+                                          <p:stCondLst>
+                                            <p:cond delay="0"/>
+                                          </p:stCondLst>
+                                        </p:cTn>
+                                        <p:tgtEl>
+                                          <p:spTgt spid="14"/>
+                                        </p:tgtEl>
+                                        <p:attrNameLst>
+                                          <p:attrName>style.visibility</p:attrName>
+                                        </p:attrNameLst>
+                                      </p:cBhvr>
+                                      <p:to>
+                                        <p:strVal val="visible"/>
+                                      </p:to>
+                                    </p:set>
+                                    <p:animEffect transition="in" filter="dissolve">
+                                      <p:cBhvr>
+                                        <p:cTn id="7" dur="200"/>
+                                        <p:tgtEl>
+                                          <p:spTgt spid="14"/>
+                                        </p:tgtEl>
+                                      </p:cBhvr>
+                                    </p:animEffect>
+                                  </p:childTnLst>
+                                </p:cTn>
+                              </p:par>
+                              <p:par>
+                                <p:cTn id="8" presetID="9" presetClass="entr" presetSubtype="0" fill="hold" grpId="0" nodeType="withEffect">
+                                  <p:stCondLst>
+                                    <p:cond delay="200"/>
+                                  </p:stCondLst>
+                                  <p:childTnLst>
+                                    <p:set>
+                                      <p:cBhvr>
+                                        <p:cTn id="9" dur="1" fill="hold">
+                                          <p:stCondLst>
+                                            <p:cond delay="0"/>
+                                          </p:stCondLst>
+                                        </p:cTn>
+                                        <p:tgtEl>
+                                          <p:spTgt spid="12"/>
+                                        </p:tgtEl>
+                                        <p:attrNameLst>
+                                          <p:attrName>style.visibility</p:attrName>
+                                        </p:attrNameLst>
+                                      </p:cBhvr>
+                                      <p:to>
+                                        <p:strVal val="visible"/>
+                                      </p:to>
+                                    </p:set>
+                                    <p:animEffect transition="in" filter="dissolve">
+                                      <p:cBhvr>
+                                        <p:cTn id="10" dur="500"/>
+                                        <p:tgtEl>
+                                          <p:spTgt spid="12"/>
+                                        </p:tgtEl>
+                                      </p:cBhvr>
+                                    </p:animEffect>
+                                  </p:childTnLst>
+                                </p:cTn>
+                              </p:par>
+                            </p:childTnLst>
+                          </p:cTn>
+                        </p:par>
+                      </p:childTnLst>
+                    </p:cTn>
+                  </p:par>
+                  <p:par>
+                    <p:cTn id="11" fill="hold">
+                      <p:stCondLst>
+                        <p:cond delay="indefinite"/>
+                      </p:stCondLst>
+                      <p:childTnLst>
+                        <p:par>
+                          <p:cTn id="12" fill="hold">
+                            <p:stCondLst>
+                              <p:cond delay="0"/>
+                            </p:stCondLst>
+                            <p:childTnLst>
+                              <p:par>
+                                <p:cTn id="13" presetID="9" presetClass="entr" presetSubtype="0" fill="hold" nodeType="clickEffect">
+                                  <p:stCondLst>
+                                    <p:cond delay="0"/>
+                                  </p:stCondLst>
+                                  <p:childTnLst>
+                                    <p:set>
+                                      <p:cBhvr>
+                                        <p:cTn id="14" dur="1" fill="hold">
+                                          <p:stCondLst>
+                                            <p:cond delay="0"/>
+                                          </p:stCondLst>
+                                        </p:cTn>
+                                        <p:tgtEl>
+                                          <p:spTgt spid="13"/>
+                                        </p:tgtEl>
+                                        <p:attrNameLst>
+                                          <p:attrName>style.visibility</p:attrName>
+                                        </p:attrNameLst>
+                                      </p:cBhvr>
+                                      <p:to>
+                                        <p:strVal val="visible"/>
+                                      </p:to>
+                                    </p:set>
+                                    <p:animEffect transition="in" filter="dissolve">
+                                      <p:cBhvr>
+                                        <p:cTn id="15" dur="200"/>
+                                        <p:tgtEl>
+                                          <p:spTgt spid="13"/>
+                                        </p:tgtEl>
+                                      </p:cBhvr>
+                                    </p:animEffect>
+                                  </p:childTnLst>
+                                </p:cTn>
+                              </p:par>
+                              <p:par>
+                                <p:cTn id="16" presetID="9" presetClass="entr" presetSubtype="0" fill="hold" nodeType="withEffect">
+                                  <p:stCondLst>
+                                    <p:cond delay="200"/>
+                                  </p:stCondLst>
+                                  <p:childTnLst>
+                                    <p:set>
+                                      <p:cBhvr>
+                                        <p:cTn id="17" dur="1" fill="hold">
+                                          <p:stCondLst>
+                                            <p:cond delay="0"/>
+                                          </p:stCondLst>
+                                        </p:cTn>
+                                        <p:tgtEl>
+                                          <p:spTgt spid="11"/>
+                                        </p:tgtEl>
+                                        <p:attrNameLst>
+                                          <p:attrName>style.visibility</p:attrName>
+                                        </p:attrNameLst>
+                                      </p:cBhvr>
+                                      <p:to>
+                                        <p:strVal val="visible"/>
+                                      </p:to>
+                                    </p:set>
+                                    <p:animEffect transition="in" filter="dissolve">
+                                      <p:cBhvr>
+                                        <p:cTn id="18" dur="500"/>
+                                        <p:tgtEl>
+                                          <p:spTgt spid="11"/>
+                                        </p:tgtEl>
+                                      </p:cBhvr>
+                                    </p:animEffect>
+                                  </p:childTnLst>
+                                </p:cTn>
+                              </p:par>
+                            </p:childTnLst>
+                          </p:cTn>
+                        </p:par>
+                      </p:childTnLst>
+                    </p:cTn>
+                  </p:par>
+                </p:childTnLst>
+              </p:cTn>
+              <p:prevCondLst>
+                <p:cond evt="onPrev" delay="0">
+                  <p:tgtEl>
+                    <p:sldTgt/>
+                  </p:tgtEl>
+                </p:cond>
+              </p:prevCondLst>
+              <p:nextCondLst>
+                <p:cond evt="onNext" delay="0">
+                  <p:tgtEl>
+                    <p:sldTgt/>
+                  </p:tgtEl>
+                </p:cond>
+              </p:nextCondLst>
+            </p:seq>
+          </p:childTnLst>
+        </p:cTn>
+      </p:par>
+    </p:tnLst>
+    <p:bldLst>
+      <p:bldP spid="12" grpId="0"/>
+    </p:bldLst>
+  </p:timing>
+</p:sld>
+</file>
+
+<file path=ppt/slides/slide21.xml><?xml version="1.0" encoding="utf-8"?>
 <p:sld xmlns:a="http://schemas.openxmlformats.org/drawingml/2006/main" xmlns:r="http://schemas.openxmlformats.org/officeDocument/2006/relationships" xmlns:p="http://schemas.openxmlformats.org/presentationml/2006/main">
   <p:cSld>
     <p:spTree>
@@ -10857,7 +12495,14 @@
             <a:pPr algn="ctr"/>
             <a:r>
               <a:rPr lang="en-US" dirty="0"/>
-              <a:t>Passing Components as Properties</a:t>
+              <a:t>Side-Effects - </a:t>
+            </a:r>
+            <a:br>
+              <a:rPr lang="en-US" dirty="0"/>
+            </a:br>
+            <a:r>
+              <a:rPr lang="en-US" dirty="0"/>
+              <a:t>React Hooks</a:t>
             </a:r>
           </a:p>
         </p:txBody>
@@ -10880,8 +12525,8 @@
         </p:nvSpPr>
         <p:spPr>
           <a:xfrm>
-            <a:off x="1073150" y="2523131"/>
-            <a:ext cx="3547533" cy="3600311"/>
+            <a:off x="1073150" y="2511686"/>
+            <a:ext cx="3547533" cy="3836863"/>
           </a:xfrm>
         </p:spPr>
         <p:txBody>
@@ -10896,7 +12541,7 @@
             </a:pPr>
             <a:r>
               <a:rPr lang="en-US" sz="1300" dirty="0"/>
-              <a:t>A parent component may pass a component as prop to its child element</a:t>
+              <a:t>We use React hooks to handle side-effects</a:t>
             </a:r>
           </a:p>
           <a:p>
@@ -10906,33 +12551,174 @@
             </a:pPr>
             <a:r>
               <a:rPr lang="en-US" sz="1300" dirty="0"/>
-              <a:t>These type of components are called Higher Order Components (HOC)</a:t>
-            </a:r>
-          </a:p>
-          <a:p>
-            <a:pPr marL="285750" indent="-285750">
+              <a:t>React hooks is a bridge between a stateful and a functional world</a:t>
+            </a:r>
+          </a:p>
+          <a:p>
+            <a:pPr marL="742950" lvl="1" indent="-285750">
               <a:buFont typeface="Courier New" panose="02070309020205020404" pitchFamily="49" charset="0"/>
               <a:buChar char="o"/>
             </a:pPr>
-            <a:endParaRPr lang="en-US" sz="1300" dirty="0"/>
+            <a:r>
+              <a:rPr lang="en-US" sz="1100" dirty="0" err="1"/>
+              <a:t>useState</a:t>
+            </a:r>
+            <a:endParaRPr lang="en-US" sz="1100" dirty="0"/>
+          </a:p>
+          <a:p>
+            <a:pPr marL="742950" lvl="1" indent="-285750">
+              <a:buFont typeface="Courier New" panose="02070309020205020404" pitchFamily="49" charset="0"/>
+              <a:buChar char="o"/>
+            </a:pPr>
+            <a:r>
+              <a:rPr lang="en-US" sz="1100" dirty="0" err="1"/>
+              <a:t>useEffect</a:t>
+            </a:r>
+            <a:endParaRPr lang="en-US" sz="1100" dirty="0"/>
+          </a:p>
+          <a:p>
+            <a:pPr marL="742950" lvl="1" indent="-285750">
+              <a:buFont typeface="Courier New" panose="02070309020205020404" pitchFamily="49" charset="0"/>
+              <a:buChar char="o"/>
+            </a:pPr>
+            <a:r>
+              <a:rPr lang="en-US" sz="1100" dirty="0" err="1"/>
+              <a:t>useContext</a:t>
+            </a:r>
+            <a:endParaRPr lang="en-US" sz="1100" dirty="0"/>
+          </a:p>
+          <a:p>
+            <a:pPr marL="742950" lvl="1" indent="-285750">
+              <a:buFont typeface="Courier New" panose="02070309020205020404" pitchFamily="49" charset="0"/>
+              <a:buChar char="o"/>
+            </a:pPr>
+            <a:r>
+              <a:rPr lang="en-US" sz="1100" dirty="0" err="1"/>
+              <a:t>useReducer</a:t>
+            </a:r>
+            <a:endParaRPr lang="en-US" sz="1100" dirty="0"/>
+          </a:p>
+          <a:p>
+            <a:pPr marL="742950" lvl="1" indent="-285750">
+              <a:buFont typeface="Courier New" panose="02070309020205020404" pitchFamily="49" charset="0"/>
+              <a:buChar char="o"/>
+            </a:pPr>
+            <a:r>
+              <a:rPr lang="en-US" sz="1100" dirty="0" err="1"/>
+              <a:t>useMemo</a:t>
+            </a:r>
+            <a:endParaRPr lang="en-US" sz="1100" dirty="0"/>
+          </a:p>
+          <a:p>
+            <a:pPr marL="742950" lvl="1" indent="-285750">
+              <a:buFont typeface="Courier New" panose="02070309020205020404" pitchFamily="49" charset="0"/>
+              <a:buChar char="o"/>
+            </a:pPr>
+            <a:r>
+              <a:rPr lang="en-US" sz="1100" dirty="0" err="1"/>
+              <a:t>useRef</a:t>
+            </a:r>
+            <a:endParaRPr lang="en-US" sz="1100" dirty="0"/>
+          </a:p>
+          <a:p>
+            <a:pPr marL="742950" lvl="1" indent="-285750">
+              <a:buFont typeface="Courier New" panose="02070309020205020404" pitchFamily="49" charset="0"/>
+              <a:buChar char="o"/>
+            </a:pPr>
+            <a:r>
+              <a:rPr lang="en-US" sz="1100" dirty="0"/>
+              <a:t>etc.</a:t>
+            </a:r>
           </a:p>
         </p:txBody>
       </p:sp>
+      <p:sp>
+        <p:nvSpPr>
+          <p:cNvPr id="12" name="TextBox 11">
+            <a:extLst>
+              <a:ext uri="{FF2B5EF4-FFF2-40B4-BE49-F238E27FC236}">
+                <a16:creationId xmlns:a16="http://schemas.microsoft.com/office/drawing/2014/main" id="{4C6AAF92-CB75-EC4C-AF94-0014808924E0}"/>
+              </a:ext>
+            </a:extLst>
+          </p:cNvPr>
+          <p:cNvSpPr txBox="1"/>
+          <p:nvPr/>
+        </p:nvSpPr>
+        <p:spPr>
+          <a:xfrm>
+            <a:off x="3216820" y="6042580"/>
+            <a:ext cx="6770018" cy="461665"/>
+          </a:xfrm>
+          <a:prstGeom prst="rect">
+            <a:avLst/>
+          </a:prstGeom>
+          <a:noFill/>
+        </p:spPr>
+        <p:txBody>
+          <a:bodyPr wrap="square" rtlCol="0">
+            <a:spAutoFit/>
+          </a:bodyPr>
+          <a:lstStyle/>
+          <a:p>
+            <a:r>
+              <a:rPr lang="en-US" sz="2400" b="1" dirty="0"/>
+              <a:t>So, App component won’t be pure anymore</a:t>
+            </a:r>
+          </a:p>
+        </p:txBody>
+      </p:sp>
+      <p:cxnSp>
+        <p:nvCxnSpPr>
+          <p:cNvPr id="13" name="Straight Arrow Connector 12">
+            <a:extLst>
+              <a:ext uri="{FF2B5EF4-FFF2-40B4-BE49-F238E27FC236}">
+                <a16:creationId xmlns:a16="http://schemas.microsoft.com/office/drawing/2014/main" id="{F219C892-9857-C749-8F60-22B03C7C48F1}"/>
+              </a:ext>
+            </a:extLst>
+          </p:cNvPr>
+          <p:cNvCxnSpPr/>
+          <p:nvPr/>
+        </p:nvCxnSpPr>
+        <p:spPr>
+          <a:xfrm>
+            <a:off x="1591775" y="6289303"/>
+            <a:ext cx="1470991" cy="0"/>
+          </a:xfrm>
+          <a:prstGeom prst="straightConnector1">
+            <a:avLst/>
+          </a:prstGeom>
+          <a:ln w="66675">
+            <a:tailEnd type="triangle"/>
+          </a:ln>
+        </p:spPr>
+        <p:style>
+          <a:lnRef idx="1">
+            <a:schemeClr val="accent1"/>
+          </a:lnRef>
+          <a:fillRef idx="0">
+            <a:schemeClr val="accent1"/>
+          </a:fillRef>
+          <a:effectRef idx="0">
+            <a:schemeClr val="accent1"/>
+          </a:effectRef>
+          <a:fontRef idx="minor">
+            <a:schemeClr val="tx1"/>
+          </a:fontRef>
+        </p:style>
+      </p:cxnSp>
       <p:pic>
         <p:nvPicPr>
-          <p:cNvPr id="7" name="Content Placeholder 6" descr="Text&#10;&#10;Description automatically generated">
+          <p:cNvPr id="15" name="Picture 14" descr="Text&#10;&#10;Description automatically generated">
             <a:extLst>
               <a:ext uri="{FF2B5EF4-FFF2-40B4-BE49-F238E27FC236}">
-                <a16:creationId xmlns:a16="http://schemas.microsoft.com/office/drawing/2014/main" id="{A8510EA2-54B1-B646-A79D-238F74F6A09A}"/>
+                <a16:creationId xmlns:a16="http://schemas.microsoft.com/office/drawing/2014/main" id="{11B6F71D-F460-4D48-9D9F-A528613227D1}"/>
               </a:ext>
             </a:extLst>
           </p:cNvPr>
           <p:cNvPicPr>
-            <a:picLocks noGrp="1" noChangeAspect="1"/>
+            <a:picLocks noChangeAspect="1"/>
           </p:cNvPicPr>
-          <p:nvPr>
-            <p:ph idx="1"/>
-          </p:nvPr>
+          <p:nvPr/>
         </p:nvPicPr>
         <p:blipFill>
           <a:blip r:embed="rId2"/>
@@ -10942,35 +12728,8 @@
         </p:blipFill>
         <p:spPr>
           <a:xfrm>
-            <a:off x="5666231" y="890472"/>
-            <a:ext cx="5452618" cy="5077055"/>
-          </a:xfrm>
-        </p:spPr>
-      </p:pic>
-      <p:pic>
-        <p:nvPicPr>
-          <p:cNvPr id="5" name="Picture 4" descr="Text&#10;&#10;Description automatically generated">
-            <a:extLst>
-              <a:ext uri="{FF2B5EF4-FFF2-40B4-BE49-F238E27FC236}">
-                <a16:creationId xmlns:a16="http://schemas.microsoft.com/office/drawing/2014/main" id="{7D006D81-7B9A-8047-BED7-055B355C0189}"/>
-              </a:ext>
-            </a:extLst>
-          </p:cNvPr>
-          <p:cNvPicPr>
-            <a:picLocks noChangeAspect="1"/>
-          </p:cNvPicPr>
-          <p:nvPr/>
-        </p:nvPicPr>
-        <p:blipFill>
-          <a:blip r:embed="rId3"/>
-          <a:stretch>
-            <a:fillRect/>
-          </a:stretch>
-        </p:blipFill>
-        <p:spPr>
-          <a:xfrm>
-            <a:off x="5198490" y="1155699"/>
-            <a:ext cx="6388100" cy="4546600"/>
+            <a:off x="5369265" y="957943"/>
+            <a:ext cx="6232600" cy="4585062"/>
           </a:xfrm>
           <a:prstGeom prst="rect">
             <a:avLst/>
@@ -10980,7 +12739,7 @@
     </p:spTree>
     <p:extLst>
       <p:ext uri="{BB962C8B-B14F-4D97-AF65-F5344CB8AC3E}">
-        <p14:creationId xmlns:p14="http://schemas.microsoft.com/office/powerpoint/2010/main" val="3360408461"/>
+        <p14:creationId xmlns:p14="http://schemas.microsoft.com/office/powerpoint/2010/main" val="3536329074"/>
       </p:ext>
     </p:extLst>
   </p:cSld>
@@ -11008,73 +12767,20 @@
                             </p:stCondLst>
                             <p:childTnLst>
                               <p:par>
-                                <p:cTn id="5" presetID="9" presetClass="exit" presetSubtype="0" fill="hold" nodeType="clickEffect">
-                                  <p:stCondLst>
-                                    <p:cond delay="0"/>
-                                  </p:stCondLst>
-                                  <p:childTnLst>
-                                    <p:animEffect transition="out" filter="dissolve">
-                                      <p:cBhvr>
-                                        <p:cTn id="6" dur="500"/>
-                                        <p:tgtEl>
-                                          <p:spTgt spid="7"/>
-                                        </p:tgtEl>
-                                      </p:cBhvr>
-                                    </p:animEffect>
-                                    <p:set>
-                                      <p:cBhvr>
-                                        <p:cTn id="7" dur="1" fill="hold">
-                                          <p:stCondLst>
-                                            <p:cond delay="499"/>
-                                          </p:stCondLst>
-                                        </p:cTn>
-                                        <p:tgtEl>
-                                          <p:spTgt spid="7"/>
-                                        </p:tgtEl>
-                                        <p:attrNameLst>
-                                          <p:attrName>style.visibility</p:attrName>
-                                        </p:attrNameLst>
-                                      </p:cBhvr>
-                                      <p:to>
-                                        <p:strVal val="hidden"/>
-                                      </p:to>
-                                    </p:set>
-                                  </p:childTnLst>
-                                </p:cTn>
-                              </p:par>
-                            </p:childTnLst>
-                          </p:cTn>
-                        </p:par>
-                      </p:childTnLst>
-                    </p:cTn>
-                  </p:par>
-                  <p:par>
-                    <p:cTn id="8" fill="hold">
-                      <p:stCondLst>
-                        <p:cond delay="indefinite"/>
-                      </p:stCondLst>
-                      <p:childTnLst>
-                        <p:par>
-                          <p:cTn id="9" fill="hold">
-                            <p:stCondLst>
-                              <p:cond delay="0"/>
-                            </p:stCondLst>
-                            <p:childTnLst>
-                              <p:par>
-                                <p:cTn id="10" presetID="9" presetClass="entr" presetSubtype="0" fill="hold" nodeType="clickEffect">
+                                <p:cTn id="5" presetID="2" presetClass="entr" presetSubtype="8" fill="hold" nodeType="clickEffect">
                                   <p:stCondLst>
                                     <p:cond delay="0"/>
                                   </p:stCondLst>
                                   <p:childTnLst>
                                     <p:set>
                                       <p:cBhvr>
-                                        <p:cTn id="11" dur="1" fill="hold">
+                                        <p:cTn id="6" dur="1" fill="hold">
                                           <p:stCondLst>
                                             <p:cond delay="0"/>
                                           </p:stCondLst>
                                         </p:cTn>
                                         <p:tgtEl>
-                                          <p:spTgt spid="5"/>
+                                          <p:spTgt spid="13"/>
                                         </p:tgtEl>
                                         <p:attrNameLst>
                                           <p:attrName>style.visibility</p:attrName>
@@ -11084,14 +12790,125 @@
                                         <p:strVal val="visible"/>
                                       </p:to>
                                     </p:set>
-                                    <p:animEffect transition="in" filter="dissolve">
+                                    <p:anim calcmode="lin" valueType="num">
+                                      <p:cBhvr additive="base">
+                                        <p:cTn id="7" dur="200" fill="hold"/>
+                                        <p:tgtEl>
+                                          <p:spTgt spid="13"/>
+                                        </p:tgtEl>
+                                        <p:attrNameLst>
+                                          <p:attrName>ppt_x</p:attrName>
+                                        </p:attrNameLst>
+                                      </p:cBhvr>
+                                      <p:tavLst>
+                                        <p:tav tm="0">
+                                          <p:val>
+                                            <p:strVal val="0-#ppt_w/2"/>
+                                          </p:val>
+                                        </p:tav>
+                                        <p:tav tm="100000">
+                                          <p:val>
+                                            <p:strVal val="#ppt_x"/>
+                                          </p:val>
+                                        </p:tav>
+                                      </p:tavLst>
+                                    </p:anim>
+                                    <p:anim calcmode="lin" valueType="num">
+                                      <p:cBhvr additive="base">
+                                        <p:cTn id="8" dur="200" fill="hold"/>
+                                        <p:tgtEl>
+                                          <p:spTgt spid="13"/>
+                                        </p:tgtEl>
+                                        <p:attrNameLst>
+                                          <p:attrName>ppt_y</p:attrName>
+                                        </p:attrNameLst>
+                                      </p:cBhvr>
+                                      <p:tavLst>
+                                        <p:tav tm="0">
+                                          <p:val>
+                                            <p:strVal val="#ppt_y"/>
+                                          </p:val>
+                                        </p:tav>
+                                        <p:tav tm="100000">
+                                          <p:val>
+                                            <p:strVal val="#ppt_y"/>
+                                          </p:val>
+                                        </p:tav>
+                                      </p:tavLst>
+                                    </p:anim>
+                                  </p:childTnLst>
+                                </p:cTn>
+                              </p:par>
+                              <p:par>
+                                <p:cTn id="9" presetID="2" presetClass="entr" presetSubtype="8" fill="hold" grpId="0" nodeType="withEffect">
+                                  <p:stCondLst>
+                                    <p:cond delay="200"/>
+                                  </p:stCondLst>
+                                  <p:childTnLst>
+                                    <p:set>
                                       <p:cBhvr>
-                                        <p:cTn id="12" dur="500"/>
+                                        <p:cTn id="10" dur="1" fill="hold">
+                                          <p:stCondLst>
+                                            <p:cond delay="0"/>
+                                          </p:stCondLst>
+                                        </p:cTn>
                                         <p:tgtEl>
-                                          <p:spTgt spid="5"/>
+                                          <p:spTgt spid="12"/>
                                         </p:tgtEl>
+                                        <p:attrNameLst>
+                                          <p:attrName>style.visibility</p:attrName>
+                                        </p:attrNameLst>
                                       </p:cBhvr>
-                                    </p:animEffect>
+                                      <p:to>
+                                        <p:strVal val="visible"/>
+                                      </p:to>
+                                    </p:set>
+                                    <p:anim calcmode="lin" valueType="num">
+                                      <p:cBhvr additive="base">
+                                        <p:cTn id="11" dur="500" fill="hold"/>
+                                        <p:tgtEl>
+                                          <p:spTgt spid="12"/>
+                                        </p:tgtEl>
+                                        <p:attrNameLst>
+                                          <p:attrName>ppt_x</p:attrName>
+                                        </p:attrNameLst>
+                                      </p:cBhvr>
+                                      <p:tavLst>
+                                        <p:tav tm="0">
+                                          <p:val>
+                                            <p:strVal val="0-#ppt_w/2"/>
+                                          </p:val>
+                                        </p:tav>
+                                        <p:tav tm="100000">
+                                          <p:val>
+                                            <p:strVal val="#ppt_x"/>
+                                          </p:val>
+                                        </p:tav>
+                                      </p:tavLst>
+                                    </p:anim>
+                                    <p:anim calcmode="lin" valueType="num">
+                                      <p:cBhvr additive="base">
+                                        <p:cTn id="12" dur="500" fill="hold"/>
+                                        <p:tgtEl>
+                                          <p:spTgt spid="12"/>
+                                        </p:tgtEl>
+                                        <p:attrNameLst>
+                                          <p:attrName>ppt_y</p:attrName>
+                                        </p:attrNameLst>
+                                      </p:cBhvr>
+                                      <p:tavLst>
+                                        <p:tav tm="0">
+                                          <p:val>
+                                            <p:strVal val="#ppt_y"/>
+                                          </p:val>
+                                        </p:tav>
+                                        <p:tav tm="100000">
+                                          <p:val>
+                                            <p:strVal val="#ppt_y"/>
+                                          </p:val>
+                                        </p:tav>
+                                      </p:tavLst>
+                                    </p:anim>
                                   </p:childTnLst>
                                 </p:cTn>
                               </p:par>
@@ -11122,143 +12939,10 @@
         </p:cTn>
       </p:par>
     </p:tnLst>
+    <p:bldLst>
+      <p:bldP spid="12" grpId="0"/>
+    </p:bldLst>
   </p:timing>
-</p:sld>
-</file>
-
-<file path=ppt/slides/slide21.xml><?xml version="1.0" encoding="utf-8"?>
-<p:sld xmlns:a="http://schemas.openxmlformats.org/drawingml/2006/main" xmlns:r="http://schemas.openxmlformats.org/officeDocument/2006/relationships" xmlns:p="http://schemas.openxmlformats.org/presentationml/2006/main">
-  <p:cSld>
-    <p:spTree>
-      <p:nvGrpSpPr>
-        <p:cNvPr id="1" name=""/>
-        <p:cNvGrpSpPr/>
-        <p:nvPr/>
-      </p:nvGrpSpPr>
-      <p:grpSpPr>
-        <a:xfrm>
-          <a:off x="0" y="0"/>
-          <a:ext cx="0" cy="0"/>
-          <a:chOff x="0" y="0"/>
-          <a:chExt cx="0" cy="0"/>
-        </a:xfrm>
-      </p:grpSpPr>
-      <p:sp>
-        <p:nvSpPr>
-          <p:cNvPr id="2" name="Title 1">
-            <a:extLst>
-              <a:ext uri="{FF2B5EF4-FFF2-40B4-BE49-F238E27FC236}">
-                <a16:creationId xmlns:a16="http://schemas.microsoft.com/office/drawing/2014/main" id="{DAC6BC1C-E50A-F444-A5C6-38B25B642C28}"/>
-              </a:ext>
-            </a:extLst>
-          </p:cNvPr>
-          <p:cNvSpPr>
-            <a:spLocks noGrp="1"/>
-          </p:cNvSpPr>
-          <p:nvPr>
-            <p:ph type="title"/>
-          </p:nvPr>
-        </p:nvSpPr>
-        <p:spPr/>
-        <p:txBody>
-          <a:bodyPr/>
-          <a:lstStyle/>
-          <a:p>
-            <a:r>
-              <a:rPr lang="en-US" dirty="0"/>
-              <a:t>FP and React</a:t>
-            </a:r>
-          </a:p>
-        </p:txBody>
-      </p:sp>
-      <p:sp>
-        <p:nvSpPr>
-          <p:cNvPr id="5" name="Content Placeholder 4">
-            <a:extLst>
-              <a:ext uri="{FF2B5EF4-FFF2-40B4-BE49-F238E27FC236}">
-                <a16:creationId xmlns:a16="http://schemas.microsoft.com/office/drawing/2014/main" id="{E986AF3F-FAAE-FA40-8C25-366DE1CA4739}"/>
-              </a:ext>
-            </a:extLst>
-          </p:cNvPr>
-          <p:cNvSpPr>
-            <a:spLocks noGrp="1"/>
-          </p:cNvSpPr>
-          <p:nvPr>
-            <p:ph idx="1"/>
-          </p:nvPr>
-        </p:nvSpPr>
-        <p:spPr>
-          <a:xfrm>
-            <a:off x="810000" y="2439031"/>
-            <a:ext cx="10554574" cy="4011536"/>
-          </a:xfrm>
-        </p:spPr>
-        <p:txBody>
-          <a:bodyPr anchor="t">
-            <a:normAutofit/>
-          </a:bodyPr>
-          <a:lstStyle/>
-          <a:p>
-            <a:r>
-              <a:rPr lang="en-US" sz="1300" dirty="0"/>
-              <a:t>A React component is a function that accepts </a:t>
-            </a:r>
-            <a:r>
-              <a:rPr lang="en-US" sz="1300" b="1" dirty="0"/>
-              <a:t>properties </a:t>
-            </a:r>
-            <a:r>
-              <a:rPr lang="en-US" sz="1300" dirty="0"/>
-              <a:t>(arguments)</a:t>
-            </a:r>
-          </a:p>
-          <a:p>
-            <a:r>
-              <a:rPr lang="en-US" sz="1300" dirty="0"/>
-              <a:t>The properties may be of any type, including Functions/Components (HOC)</a:t>
-            </a:r>
-          </a:p>
-          <a:p>
-            <a:r>
-              <a:rPr lang="en-US" sz="1300" dirty="0"/>
-              <a:t>Components that don’t manage state are </a:t>
-            </a:r>
-            <a:r>
-              <a:rPr lang="en-US" sz="1300" b="1" dirty="0"/>
-              <a:t>pure</a:t>
-            </a:r>
-          </a:p>
-          <a:p>
-            <a:r>
-              <a:rPr lang="en-US" sz="1300" dirty="0"/>
-              <a:t>Passing all the dependencies of a component as properties, we make it pure and easily testable</a:t>
-            </a:r>
-          </a:p>
-          <a:p>
-            <a:pPr lvl="1"/>
-            <a:r>
-              <a:rPr lang="en-US" sz="1300" dirty="0"/>
-              <a:t>Most side-effects will be pushed outside the component and can be tested separately</a:t>
-            </a:r>
-          </a:p>
-          <a:p>
-            <a:r>
-              <a:rPr lang="en-US" sz="1300" dirty="0"/>
-              <a:t>The idea of a component returning a component it’s similar of a function returning a function (closure)</a:t>
-            </a:r>
-          </a:p>
-        </p:txBody>
-      </p:sp>
-    </p:spTree>
-    <p:extLst>
-      <p:ext uri="{BB962C8B-B14F-4D97-AF65-F5344CB8AC3E}">
-        <p14:creationId xmlns:p14="http://schemas.microsoft.com/office/powerpoint/2010/main" val="905652797"/>
-      </p:ext>
-    </p:extLst>
-  </p:cSld>
-  <p:clrMapOvr>
-    <a:masterClrMapping/>
-  </p:clrMapOvr>
 </p:sld>
 </file>
 
@@ -11279,96 +12963,40 @@
           <a:chExt cx="0" cy="0"/>
         </a:xfrm>
       </p:grpSpPr>
-      <p:sp>
-        <p:nvSpPr>
-          <p:cNvPr id="2" name="Title 1">
+      <p:pic>
+        <p:nvPicPr>
+          <p:cNvPr id="3" name="Picture 2" descr="Text&#10;&#10;Description automatically generated">
             <a:extLst>
               <a:ext uri="{FF2B5EF4-FFF2-40B4-BE49-F238E27FC236}">
-                <a16:creationId xmlns:a16="http://schemas.microsoft.com/office/drawing/2014/main" id="{DAC6BC1C-E50A-F444-A5C6-38B25B642C28}"/>
+                <a16:creationId xmlns:a16="http://schemas.microsoft.com/office/drawing/2014/main" id="{5F5DC5D3-D7AE-3F4F-B92C-B18DB94CE90E}"/>
               </a:ext>
             </a:extLst>
           </p:cNvPr>
-          <p:cNvSpPr>
-            <a:spLocks noGrp="1"/>
-          </p:cNvSpPr>
-          <p:nvPr>
-            <p:ph type="title"/>
-          </p:nvPr>
-        </p:nvSpPr>
-        <p:spPr/>
-        <p:txBody>
-          <a:bodyPr/>
-          <a:lstStyle/>
-          <a:p>
-            <a:r>
-              <a:rPr lang="en-US" dirty="0"/>
-              <a:t>But you still have side-effects!!!</a:t>
-            </a:r>
-          </a:p>
-        </p:txBody>
-      </p:sp>
-      <p:sp>
-        <p:nvSpPr>
-          <p:cNvPr id="5" name="Content Placeholder 4">
-            <a:extLst>
-              <a:ext uri="{FF2B5EF4-FFF2-40B4-BE49-F238E27FC236}">
-                <a16:creationId xmlns:a16="http://schemas.microsoft.com/office/drawing/2014/main" id="{E986AF3F-FAAE-FA40-8C25-366DE1CA4739}"/>
-              </a:ext>
-            </a:extLst>
-          </p:cNvPr>
-          <p:cNvSpPr>
-            <a:spLocks noGrp="1"/>
-          </p:cNvSpPr>
-          <p:nvPr>
-            <p:ph idx="1"/>
-          </p:nvPr>
-        </p:nvSpPr>
+          <p:cNvPicPr>
+            <a:picLocks noChangeAspect="1"/>
+          </p:cNvPicPr>
+          <p:nvPr/>
+        </p:nvPicPr>
+        <p:blipFill>
+          <a:blip r:embed="rId2"/>
+          <a:stretch>
+            <a:fillRect/>
+          </a:stretch>
+        </p:blipFill>
         <p:spPr>
           <a:xfrm>
-            <a:off x="827424" y="2439031"/>
-            <a:ext cx="10554574" cy="4011536"/>
+            <a:off x="1843888" y="0"/>
+            <a:ext cx="8504223" cy="6858000"/>
           </a:xfrm>
+          <a:prstGeom prst="rect">
+            <a:avLst/>
+          </a:prstGeom>
         </p:spPr>
-        <p:txBody>
-          <a:bodyPr anchor="t">
-            <a:normAutofit/>
-          </a:bodyPr>
-          <a:lstStyle/>
-          <a:p>
-            <a:r>
-              <a:rPr lang="en-US" sz="1300" dirty="0"/>
-              <a:t>FP does not cancel side-effects, but it helps to minimize them</a:t>
-            </a:r>
-          </a:p>
-          <a:p>
-            <a:pPr lvl="1"/>
-            <a:r>
-              <a:rPr lang="en-US" sz="1300" dirty="0"/>
-              <a:t>Bridge between a stateful world (business requirements) and the ideal world of an application structure</a:t>
-            </a:r>
-          </a:p>
-          <a:p>
-            <a:r>
-              <a:rPr lang="en-US" sz="1300" dirty="0"/>
-              <a:t>Languages and libraries provide different tools for managing side-effects</a:t>
-            </a:r>
-          </a:p>
-          <a:p>
-            <a:pPr lvl="1"/>
-            <a:r>
-              <a:rPr lang="en-US" sz="1300" dirty="0"/>
-              <a:t>Redux, Redux-Saga</a:t>
-            </a:r>
-          </a:p>
-          <a:p>
-            <a:endParaRPr lang="en-US" sz="1300" dirty="0"/>
-          </a:p>
-        </p:txBody>
-      </p:sp>
+      </p:pic>
     </p:spTree>
     <p:extLst>
       <p:ext uri="{BB962C8B-B14F-4D97-AF65-F5344CB8AC3E}">
-        <p14:creationId xmlns:p14="http://schemas.microsoft.com/office/powerpoint/2010/main" val="3201786282"/>
+        <p14:creationId xmlns:p14="http://schemas.microsoft.com/office/powerpoint/2010/main" val="3692778761"/>
       </p:ext>
     </p:extLst>
   </p:cSld>
@@ -11408,6 +13036,1741 @@
             <a:spLocks noGrp="1"/>
           </p:cNvSpPr>
           <p:nvPr>
+            <p:ph type="title"/>
+          </p:nvPr>
+        </p:nvSpPr>
+        <p:spPr/>
+        <p:txBody>
+          <a:bodyPr/>
+          <a:lstStyle/>
+          <a:p>
+            <a:r>
+              <a:rPr lang="en-US" dirty="0"/>
+              <a:t>Functional React</a:t>
+            </a:r>
+          </a:p>
+        </p:txBody>
+      </p:sp>
+      <p:sp>
+        <p:nvSpPr>
+          <p:cNvPr id="14" name="Rectangle 13">
+            <a:extLst>
+              <a:ext uri="{FF2B5EF4-FFF2-40B4-BE49-F238E27FC236}">
+                <a16:creationId xmlns:a16="http://schemas.microsoft.com/office/drawing/2014/main" id="{3CBF7D84-2F2E-3D4C-BA65-7D38A7541885}"/>
+              </a:ext>
+            </a:extLst>
+          </p:cNvPr>
+          <p:cNvSpPr/>
+          <p:nvPr/>
+        </p:nvSpPr>
+        <p:spPr>
+          <a:xfrm>
+            <a:off x="3622766" y="2699657"/>
+            <a:ext cx="1811383" cy="685800"/>
+          </a:xfrm>
+          <a:prstGeom prst="rect">
+            <a:avLst/>
+          </a:prstGeom>
+        </p:spPr>
+        <p:style>
+          <a:lnRef idx="2">
+            <a:schemeClr val="accent1">
+              <a:shade val="50000"/>
+            </a:schemeClr>
+          </a:lnRef>
+          <a:fillRef idx="1">
+            <a:schemeClr val="accent1"/>
+          </a:fillRef>
+          <a:effectRef idx="0">
+            <a:schemeClr val="accent1"/>
+          </a:effectRef>
+          <a:fontRef idx="minor">
+            <a:schemeClr val="lt1"/>
+          </a:fontRef>
+        </p:style>
+        <p:txBody>
+          <a:bodyPr rtlCol="0" anchor="ctr"/>
+          <a:lstStyle/>
+          <a:p>
+            <a:pPr algn="ctr"/>
+            <a:r>
+              <a:rPr lang="en-US" dirty="0"/>
+              <a:t>Pure/Impure Functions</a:t>
+            </a:r>
+          </a:p>
+        </p:txBody>
+      </p:sp>
+      <p:cxnSp>
+        <p:nvCxnSpPr>
+          <p:cNvPr id="18" name="Straight Arrow Connector 17">
+            <a:extLst>
+              <a:ext uri="{FF2B5EF4-FFF2-40B4-BE49-F238E27FC236}">
+                <a16:creationId xmlns:a16="http://schemas.microsoft.com/office/drawing/2014/main" id="{4D91AFC0-D5F7-384D-877F-93CE1F1A33A2}"/>
+              </a:ext>
+            </a:extLst>
+          </p:cNvPr>
+          <p:cNvCxnSpPr>
+            <a:cxnSpLocks/>
+            <a:endCxn id="21" idx="1"/>
+          </p:cNvCxnSpPr>
+          <p:nvPr/>
+        </p:nvCxnSpPr>
+        <p:spPr>
+          <a:xfrm flipV="1">
+            <a:off x="5434149" y="2414493"/>
+            <a:ext cx="1036319" cy="276458"/>
+          </a:xfrm>
+          <a:prstGeom prst="straightConnector1">
+            <a:avLst/>
+          </a:prstGeom>
+          <a:ln w="34925">
+            <a:tailEnd type="triangle"/>
+          </a:ln>
+        </p:spPr>
+        <p:style>
+          <a:lnRef idx="1">
+            <a:schemeClr val="accent1"/>
+          </a:lnRef>
+          <a:fillRef idx="0">
+            <a:schemeClr val="accent1"/>
+          </a:fillRef>
+          <a:effectRef idx="0">
+            <a:schemeClr val="accent1"/>
+          </a:effectRef>
+          <a:fontRef idx="minor">
+            <a:schemeClr val="tx1"/>
+          </a:fontRef>
+        </p:style>
+      </p:cxnSp>
+      <p:sp>
+        <p:nvSpPr>
+          <p:cNvPr id="21" name="Rectangle 20">
+            <a:extLst>
+              <a:ext uri="{FF2B5EF4-FFF2-40B4-BE49-F238E27FC236}">
+                <a16:creationId xmlns:a16="http://schemas.microsoft.com/office/drawing/2014/main" id="{5C5D422A-7559-3742-9967-0CBA126DEEE2}"/>
+              </a:ext>
+            </a:extLst>
+          </p:cNvPr>
+          <p:cNvSpPr/>
+          <p:nvPr/>
+        </p:nvSpPr>
+        <p:spPr>
+          <a:xfrm>
+            <a:off x="6470468" y="2191293"/>
+            <a:ext cx="1915200" cy="446400"/>
+          </a:xfrm>
+          <a:prstGeom prst="rect">
+            <a:avLst/>
+          </a:prstGeom>
+        </p:spPr>
+        <p:style>
+          <a:lnRef idx="2">
+            <a:schemeClr val="accent1">
+              <a:shade val="50000"/>
+            </a:schemeClr>
+          </a:lnRef>
+          <a:fillRef idx="1">
+            <a:schemeClr val="accent1"/>
+          </a:fillRef>
+          <a:effectRef idx="0">
+            <a:schemeClr val="accent1"/>
+          </a:effectRef>
+          <a:fontRef idx="minor">
+            <a:schemeClr val="lt1"/>
+          </a:fontRef>
+        </p:style>
+        <p:txBody>
+          <a:bodyPr rtlCol="0" anchor="ctr"/>
+          <a:lstStyle/>
+          <a:p>
+            <a:pPr algn="ctr"/>
+            <a:r>
+              <a:rPr lang="en-US" sz="1200" dirty="0"/>
+              <a:t>Components are Functions</a:t>
+            </a:r>
+          </a:p>
+        </p:txBody>
+      </p:sp>
+      <p:cxnSp>
+        <p:nvCxnSpPr>
+          <p:cNvPr id="24" name="Straight Arrow Connector 23">
+            <a:extLst>
+              <a:ext uri="{FF2B5EF4-FFF2-40B4-BE49-F238E27FC236}">
+                <a16:creationId xmlns:a16="http://schemas.microsoft.com/office/drawing/2014/main" id="{0C1B82E6-B472-8542-B534-F49FED9E1D0B}"/>
+              </a:ext>
+            </a:extLst>
+          </p:cNvPr>
+          <p:cNvCxnSpPr>
+            <a:cxnSpLocks/>
+            <a:stCxn id="14" idx="3"/>
+            <a:endCxn id="25" idx="1"/>
+          </p:cNvCxnSpPr>
+          <p:nvPr/>
+        </p:nvCxnSpPr>
+        <p:spPr>
+          <a:xfrm>
+            <a:off x="5434149" y="3042557"/>
+            <a:ext cx="1319348" cy="44280"/>
+          </a:xfrm>
+          <a:prstGeom prst="straightConnector1">
+            <a:avLst/>
+          </a:prstGeom>
+          <a:ln w="34925">
+            <a:tailEnd type="triangle"/>
+          </a:ln>
+        </p:spPr>
+        <p:style>
+          <a:lnRef idx="1">
+            <a:schemeClr val="accent1"/>
+          </a:lnRef>
+          <a:fillRef idx="0">
+            <a:schemeClr val="accent1"/>
+          </a:fillRef>
+          <a:effectRef idx="0">
+            <a:schemeClr val="accent1"/>
+          </a:effectRef>
+          <a:fontRef idx="minor">
+            <a:schemeClr val="tx1"/>
+          </a:fontRef>
+        </p:style>
+      </p:cxnSp>
+      <p:sp>
+        <p:nvSpPr>
+          <p:cNvPr id="25" name="Rectangle 24">
+            <a:extLst>
+              <a:ext uri="{FF2B5EF4-FFF2-40B4-BE49-F238E27FC236}">
+                <a16:creationId xmlns:a16="http://schemas.microsoft.com/office/drawing/2014/main" id="{DCAE5AEA-3589-B94E-9E4E-718DF5016B1F}"/>
+              </a:ext>
+            </a:extLst>
+          </p:cNvPr>
+          <p:cNvSpPr/>
+          <p:nvPr/>
+        </p:nvSpPr>
+        <p:spPr>
+          <a:xfrm>
+            <a:off x="6753497" y="2863637"/>
+            <a:ext cx="1915200" cy="446400"/>
+          </a:xfrm>
+          <a:prstGeom prst="rect">
+            <a:avLst/>
+          </a:prstGeom>
+        </p:spPr>
+        <p:style>
+          <a:lnRef idx="2">
+            <a:schemeClr val="accent1">
+              <a:shade val="50000"/>
+            </a:schemeClr>
+          </a:lnRef>
+          <a:fillRef idx="1">
+            <a:schemeClr val="accent1"/>
+          </a:fillRef>
+          <a:effectRef idx="0">
+            <a:schemeClr val="accent1"/>
+          </a:effectRef>
+          <a:fontRef idx="minor">
+            <a:schemeClr val="lt1"/>
+          </a:fontRef>
+        </p:style>
+        <p:txBody>
+          <a:bodyPr rtlCol="0" anchor="ctr"/>
+          <a:lstStyle/>
+          <a:p>
+            <a:pPr algn="ctr"/>
+            <a:endParaRPr lang="en-US" sz="1200" dirty="0"/>
+          </a:p>
+          <a:p>
+            <a:pPr algn="ctr"/>
+            <a:r>
+              <a:rPr lang="en-US" sz="1200" dirty="0"/>
+              <a:t>A stateless component is pure</a:t>
+            </a:r>
+          </a:p>
+          <a:p>
+            <a:pPr algn="ctr"/>
+            <a:endParaRPr lang="en-US" sz="1200" dirty="0"/>
+          </a:p>
+        </p:txBody>
+      </p:sp>
+      <p:sp>
+        <p:nvSpPr>
+          <p:cNvPr id="28" name="Rectangle 27">
+            <a:extLst>
+              <a:ext uri="{FF2B5EF4-FFF2-40B4-BE49-F238E27FC236}">
+                <a16:creationId xmlns:a16="http://schemas.microsoft.com/office/drawing/2014/main" id="{1593E302-6574-3146-BF0D-790738B64C8D}"/>
+              </a:ext>
+            </a:extLst>
+          </p:cNvPr>
+          <p:cNvSpPr/>
+          <p:nvPr/>
+        </p:nvSpPr>
+        <p:spPr>
+          <a:xfrm>
+            <a:off x="6453052" y="3522844"/>
+            <a:ext cx="1915885" cy="446400"/>
+          </a:xfrm>
+          <a:prstGeom prst="rect">
+            <a:avLst/>
+          </a:prstGeom>
+        </p:spPr>
+        <p:style>
+          <a:lnRef idx="2">
+            <a:schemeClr val="accent1">
+              <a:shade val="50000"/>
+            </a:schemeClr>
+          </a:lnRef>
+          <a:fillRef idx="1">
+            <a:schemeClr val="accent1"/>
+          </a:fillRef>
+          <a:effectRef idx="0">
+            <a:schemeClr val="accent1"/>
+          </a:effectRef>
+          <a:fontRef idx="minor">
+            <a:schemeClr val="lt1"/>
+          </a:fontRef>
+        </p:style>
+        <p:txBody>
+          <a:bodyPr rtlCol="0" anchor="ctr"/>
+          <a:lstStyle/>
+          <a:p>
+            <a:pPr algn="ctr"/>
+            <a:r>
+              <a:rPr lang="en-US" sz="1200" dirty="0"/>
+              <a:t>React Hooks</a:t>
+            </a:r>
+          </a:p>
+        </p:txBody>
+      </p:sp>
+      <p:cxnSp>
+        <p:nvCxnSpPr>
+          <p:cNvPr id="29" name="Straight Arrow Connector 28">
+            <a:extLst>
+              <a:ext uri="{FF2B5EF4-FFF2-40B4-BE49-F238E27FC236}">
+                <a16:creationId xmlns:a16="http://schemas.microsoft.com/office/drawing/2014/main" id="{6F66108C-AC94-1B44-AE13-047C8DE0C8C8}"/>
+              </a:ext>
+            </a:extLst>
+          </p:cNvPr>
+          <p:cNvCxnSpPr>
+            <a:cxnSpLocks/>
+            <a:endCxn id="28" idx="1"/>
+          </p:cNvCxnSpPr>
+          <p:nvPr/>
+        </p:nvCxnSpPr>
+        <p:spPr>
+          <a:xfrm>
+            <a:off x="5434149" y="3379311"/>
+            <a:ext cx="1018903" cy="366733"/>
+          </a:xfrm>
+          <a:prstGeom prst="straightConnector1">
+            <a:avLst/>
+          </a:prstGeom>
+          <a:ln w="34925">
+            <a:tailEnd type="triangle"/>
+          </a:ln>
+        </p:spPr>
+        <p:style>
+          <a:lnRef idx="1">
+            <a:schemeClr val="accent1"/>
+          </a:lnRef>
+          <a:fillRef idx="0">
+            <a:schemeClr val="accent1"/>
+          </a:fillRef>
+          <a:effectRef idx="0">
+            <a:schemeClr val="accent1"/>
+          </a:effectRef>
+          <a:fontRef idx="minor">
+            <a:schemeClr val="tx1"/>
+          </a:fontRef>
+        </p:style>
+      </p:cxnSp>
+      <p:sp>
+        <p:nvSpPr>
+          <p:cNvPr id="34" name="Rectangle 33">
+            <a:extLst>
+              <a:ext uri="{FF2B5EF4-FFF2-40B4-BE49-F238E27FC236}">
+                <a16:creationId xmlns:a16="http://schemas.microsoft.com/office/drawing/2014/main" id="{0093C0C3-5B73-DA4F-B6D6-78267653208D}"/>
+              </a:ext>
+            </a:extLst>
+          </p:cNvPr>
+          <p:cNvSpPr/>
+          <p:nvPr/>
+        </p:nvSpPr>
+        <p:spPr>
+          <a:xfrm>
+            <a:off x="3622766" y="3867933"/>
+            <a:ext cx="1811383" cy="685800"/>
+          </a:xfrm>
+          <a:prstGeom prst="rect">
+            <a:avLst/>
+          </a:prstGeom>
+        </p:spPr>
+        <p:style>
+          <a:lnRef idx="2">
+            <a:schemeClr val="accent1">
+              <a:shade val="50000"/>
+            </a:schemeClr>
+          </a:lnRef>
+          <a:fillRef idx="1">
+            <a:schemeClr val="accent1"/>
+          </a:fillRef>
+          <a:effectRef idx="0">
+            <a:schemeClr val="accent1"/>
+          </a:effectRef>
+          <a:fontRef idx="minor">
+            <a:schemeClr val="lt1"/>
+          </a:fontRef>
+        </p:style>
+        <p:txBody>
+          <a:bodyPr rtlCol="0" anchor="ctr"/>
+          <a:lstStyle/>
+          <a:p>
+            <a:pPr algn="ctr"/>
+            <a:r>
+              <a:rPr lang="en-US" dirty="0"/>
+              <a:t>Immutability</a:t>
+            </a:r>
+          </a:p>
+        </p:txBody>
+      </p:sp>
+      <p:sp>
+        <p:nvSpPr>
+          <p:cNvPr id="37" name="Rectangle 36">
+            <a:extLst>
+              <a:ext uri="{FF2B5EF4-FFF2-40B4-BE49-F238E27FC236}">
+                <a16:creationId xmlns:a16="http://schemas.microsoft.com/office/drawing/2014/main" id="{1EB445B2-5303-B940-A4F1-273337D53BC6}"/>
+              </a:ext>
+            </a:extLst>
+          </p:cNvPr>
+          <p:cNvSpPr/>
+          <p:nvPr/>
+        </p:nvSpPr>
+        <p:spPr>
+          <a:xfrm>
+            <a:off x="687978" y="3987633"/>
+            <a:ext cx="1915885" cy="446400"/>
+          </a:xfrm>
+          <a:prstGeom prst="rect">
+            <a:avLst/>
+          </a:prstGeom>
+        </p:spPr>
+        <p:style>
+          <a:lnRef idx="2">
+            <a:schemeClr val="accent1">
+              <a:shade val="50000"/>
+            </a:schemeClr>
+          </a:lnRef>
+          <a:fillRef idx="1">
+            <a:schemeClr val="accent1"/>
+          </a:fillRef>
+          <a:effectRef idx="0">
+            <a:schemeClr val="accent1"/>
+          </a:effectRef>
+          <a:fontRef idx="minor">
+            <a:schemeClr val="lt1"/>
+          </a:fontRef>
+        </p:style>
+        <p:txBody>
+          <a:bodyPr rtlCol="0" anchor="ctr"/>
+          <a:lstStyle/>
+          <a:p>
+            <a:pPr algn="ctr"/>
+            <a:r>
+              <a:rPr lang="en-US" sz="1200" dirty="0"/>
+              <a:t>Properties</a:t>
+            </a:r>
+          </a:p>
+        </p:txBody>
+      </p:sp>
+      <p:cxnSp>
+        <p:nvCxnSpPr>
+          <p:cNvPr id="38" name="Straight Arrow Connector 37">
+            <a:extLst>
+              <a:ext uri="{FF2B5EF4-FFF2-40B4-BE49-F238E27FC236}">
+                <a16:creationId xmlns:a16="http://schemas.microsoft.com/office/drawing/2014/main" id="{EEB08132-CCA7-6643-9CBD-ABB6F045884F}"/>
+              </a:ext>
+            </a:extLst>
+          </p:cNvPr>
+          <p:cNvCxnSpPr>
+            <a:cxnSpLocks/>
+            <a:stCxn id="34" idx="1"/>
+            <a:endCxn id="37" idx="3"/>
+          </p:cNvCxnSpPr>
+          <p:nvPr/>
+        </p:nvCxnSpPr>
+        <p:spPr>
+          <a:xfrm flipH="1">
+            <a:off x="2603863" y="4210833"/>
+            <a:ext cx="1018903" cy="0"/>
+          </a:xfrm>
+          <a:prstGeom prst="straightConnector1">
+            <a:avLst/>
+          </a:prstGeom>
+          <a:ln w="34925">
+            <a:tailEnd type="triangle"/>
+          </a:ln>
+        </p:spPr>
+        <p:style>
+          <a:lnRef idx="1">
+            <a:schemeClr val="accent1"/>
+          </a:lnRef>
+          <a:fillRef idx="0">
+            <a:schemeClr val="accent1"/>
+          </a:fillRef>
+          <a:effectRef idx="0">
+            <a:schemeClr val="accent1"/>
+          </a:effectRef>
+          <a:fontRef idx="minor">
+            <a:schemeClr val="tx1"/>
+          </a:fontRef>
+        </p:style>
+      </p:cxnSp>
+      <p:sp>
+        <p:nvSpPr>
+          <p:cNvPr id="44" name="Rectangle 43">
+            <a:extLst>
+              <a:ext uri="{FF2B5EF4-FFF2-40B4-BE49-F238E27FC236}">
+                <a16:creationId xmlns:a16="http://schemas.microsoft.com/office/drawing/2014/main" id="{EF2A32C7-FEEB-654D-B8B6-11FF88B03E8F}"/>
+              </a:ext>
+            </a:extLst>
+          </p:cNvPr>
+          <p:cNvSpPr/>
+          <p:nvPr/>
+        </p:nvSpPr>
+        <p:spPr>
+          <a:xfrm>
+            <a:off x="3622766" y="5017911"/>
+            <a:ext cx="1811383" cy="685800"/>
+          </a:xfrm>
+          <a:prstGeom prst="rect">
+            <a:avLst/>
+          </a:prstGeom>
+        </p:spPr>
+        <p:style>
+          <a:lnRef idx="2">
+            <a:schemeClr val="accent1">
+              <a:shade val="50000"/>
+            </a:schemeClr>
+          </a:lnRef>
+          <a:fillRef idx="1">
+            <a:schemeClr val="accent1"/>
+          </a:fillRef>
+          <a:effectRef idx="0">
+            <a:schemeClr val="accent1"/>
+          </a:effectRef>
+          <a:fontRef idx="minor">
+            <a:schemeClr val="lt1"/>
+          </a:fontRef>
+        </p:style>
+        <p:txBody>
+          <a:bodyPr rtlCol="0" anchor="ctr"/>
+          <a:lstStyle/>
+          <a:p>
+            <a:pPr algn="ctr"/>
+            <a:r>
+              <a:rPr lang="en-US" dirty="0"/>
+              <a:t>Higher Order Components</a:t>
+            </a:r>
+          </a:p>
+        </p:txBody>
+      </p:sp>
+      <p:sp>
+        <p:nvSpPr>
+          <p:cNvPr id="45" name="Rectangle 44">
+            <a:extLst>
+              <a:ext uri="{FF2B5EF4-FFF2-40B4-BE49-F238E27FC236}">
+                <a16:creationId xmlns:a16="http://schemas.microsoft.com/office/drawing/2014/main" id="{F11997C9-D958-EF41-BBBC-F5ADF95ABA59}"/>
+              </a:ext>
+            </a:extLst>
+          </p:cNvPr>
+          <p:cNvSpPr/>
+          <p:nvPr/>
+        </p:nvSpPr>
+        <p:spPr>
+          <a:xfrm>
+            <a:off x="687978" y="5137611"/>
+            <a:ext cx="1915885" cy="446400"/>
+          </a:xfrm>
+          <a:prstGeom prst="rect">
+            <a:avLst/>
+          </a:prstGeom>
+        </p:spPr>
+        <p:style>
+          <a:lnRef idx="2">
+            <a:schemeClr val="accent1">
+              <a:shade val="50000"/>
+            </a:schemeClr>
+          </a:lnRef>
+          <a:fillRef idx="1">
+            <a:schemeClr val="accent1"/>
+          </a:fillRef>
+          <a:effectRef idx="0">
+            <a:schemeClr val="accent1"/>
+          </a:effectRef>
+          <a:fontRef idx="minor">
+            <a:schemeClr val="lt1"/>
+          </a:fontRef>
+        </p:style>
+        <p:txBody>
+          <a:bodyPr rtlCol="0" anchor="ctr"/>
+          <a:lstStyle/>
+          <a:p>
+            <a:pPr algn="ctr"/>
+            <a:r>
+              <a:rPr lang="en-US" sz="1200" dirty="0"/>
+              <a:t>HOC</a:t>
+            </a:r>
+          </a:p>
+        </p:txBody>
+      </p:sp>
+      <p:cxnSp>
+        <p:nvCxnSpPr>
+          <p:cNvPr id="46" name="Straight Arrow Connector 45">
+            <a:extLst>
+              <a:ext uri="{FF2B5EF4-FFF2-40B4-BE49-F238E27FC236}">
+                <a16:creationId xmlns:a16="http://schemas.microsoft.com/office/drawing/2014/main" id="{C830CD57-FC15-4847-899E-4ADE58E229CD}"/>
+              </a:ext>
+            </a:extLst>
+          </p:cNvPr>
+          <p:cNvCxnSpPr>
+            <a:cxnSpLocks/>
+            <a:stCxn id="44" idx="1"/>
+            <a:endCxn id="45" idx="3"/>
+          </p:cNvCxnSpPr>
+          <p:nvPr/>
+        </p:nvCxnSpPr>
+        <p:spPr>
+          <a:xfrm flipH="1">
+            <a:off x="2603863" y="5360811"/>
+            <a:ext cx="1018903" cy="0"/>
+          </a:xfrm>
+          <a:prstGeom prst="straightConnector1">
+            <a:avLst/>
+          </a:prstGeom>
+          <a:ln w="34925">
+            <a:tailEnd type="triangle"/>
+          </a:ln>
+        </p:spPr>
+        <p:style>
+          <a:lnRef idx="1">
+            <a:schemeClr val="accent1"/>
+          </a:lnRef>
+          <a:fillRef idx="0">
+            <a:schemeClr val="accent1"/>
+          </a:fillRef>
+          <a:effectRef idx="0">
+            <a:schemeClr val="accent1"/>
+          </a:effectRef>
+          <a:fontRef idx="minor">
+            <a:schemeClr val="tx1"/>
+          </a:fontRef>
+        </p:style>
+      </p:cxnSp>
+      <p:sp>
+        <p:nvSpPr>
+          <p:cNvPr id="16" name="Rectangle 15">
+            <a:extLst>
+              <a:ext uri="{FF2B5EF4-FFF2-40B4-BE49-F238E27FC236}">
+                <a16:creationId xmlns:a16="http://schemas.microsoft.com/office/drawing/2014/main" id="{AF3D19D5-AD17-5E46-89F9-FF4C000597A2}"/>
+              </a:ext>
+            </a:extLst>
+          </p:cNvPr>
+          <p:cNvSpPr/>
+          <p:nvPr/>
+        </p:nvSpPr>
+        <p:spPr>
+          <a:xfrm>
+            <a:off x="9588137" y="2414493"/>
+            <a:ext cx="1811383" cy="685800"/>
+          </a:xfrm>
+          <a:prstGeom prst="rect">
+            <a:avLst/>
+          </a:prstGeom>
+        </p:spPr>
+        <p:style>
+          <a:lnRef idx="2">
+            <a:schemeClr val="accent1">
+              <a:shade val="50000"/>
+            </a:schemeClr>
+          </a:lnRef>
+          <a:fillRef idx="1">
+            <a:schemeClr val="accent1"/>
+          </a:fillRef>
+          <a:effectRef idx="0">
+            <a:schemeClr val="accent1"/>
+          </a:effectRef>
+          <a:fontRef idx="minor">
+            <a:schemeClr val="lt1"/>
+          </a:fontRef>
+        </p:style>
+        <p:txBody>
+          <a:bodyPr rtlCol="0" anchor="ctr"/>
+          <a:lstStyle/>
+          <a:p>
+            <a:pPr algn="ctr"/>
+            <a:r>
+              <a:rPr lang="en-US" dirty="0"/>
+              <a:t>Closures</a:t>
+            </a:r>
+          </a:p>
+        </p:txBody>
+      </p:sp>
+      <p:sp>
+        <p:nvSpPr>
+          <p:cNvPr id="17" name="Rectangle 16">
+            <a:extLst>
+              <a:ext uri="{FF2B5EF4-FFF2-40B4-BE49-F238E27FC236}">
+                <a16:creationId xmlns:a16="http://schemas.microsoft.com/office/drawing/2014/main" id="{DB0AF60F-6E2D-E444-95EC-B7F20AD654BE}"/>
+              </a:ext>
+            </a:extLst>
+          </p:cNvPr>
+          <p:cNvSpPr/>
+          <p:nvPr/>
+        </p:nvSpPr>
+        <p:spPr>
+          <a:xfrm>
+            <a:off x="9588137" y="3230688"/>
+            <a:ext cx="1811383" cy="685800"/>
+          </a:xfrm>
+          <a:prstGeom prst="rect">
+            <a:avLst/>
+          </a:prstGeom>
+        </p:spPr>
+        <p:style>
+          <a:lnRef idx="2">
+            <a:schemeClr val="accent1">
+              <a:shade val="50000"/>
+            </a:schemeClr>
+          </a:lnRef>
+          <a:fillRef idx="1">
+            <a:schemeClr val="accent1"/>
+          </a:fillRef>
+          <a:effectRef idx="0">
+            <a:schemeClr val="accent1"/>
+          </a:effectRef>
+          <a:fontRef idx="minor">
+            <a:schemeClr val="lt1"/>
+          </a:fontRef>
+        </p:style>
+        <p:txBody>
+          <a:bodyPr rtlCol="0" anchor="ctr"/>
+          <a:lstStyle/>
+          <a:p>
+            <a:pPr algn="ctr"/>
+            <a:r>
+              <a:rPr lang="en-US" dirty="0"/>
+              <a:t>Callbacks</a:t>
+            </a:r>
+          </a:p>
+        </p:txBody>
+      </p:sp>
+      <p:sp>
+        <p:nvSpPr>
+          <p:cNvPr id="19" name="Rectangle 18">
+            <a:extLst>
+              <a:ext uri="{FF2B5EF4-FFF2-40B4-BE49-F238E27FC236}">
+                <a16:creationId xmlns:a16="http://schemas.microsoft.com/office/drawing/2014/main" id="{98451106-BB83-D94D-8A2E-F5E5536EC586}"/>
+              </a:ext>
+            </a:extLst>
+          </p:cNvPr>
+          <p:cNvSpPr/>
+          <p:nvPr/>
+        </p:nvSpPr>
+        <p:spPr>
+          <a:xfrm>
+            <a:off x="9588136" y="4122367"/>
+            <a:ext cx="1811383" cy="685800"/>
+          </a:xfrm>
+          <a:prstGeom prst="rect">
+            <a:avLst/>
+          </a:prstGeom>
+        </p:spPr>
+        <p:style>
+          <a:lnRef idx="2">
+            <a:schemeClr val="accent1">
+              <a:shade val="50000"/>
+            </a:schemeClr>
+          </a:lnRef>
+          <a:fillRef idx="1">
+            <a:schemeClr val="accent1"/>
+          </a:fillRef>
+          <a:effectRef idx="0">
+            <a:schemeClr val="accent1"/>
+          </a:effectRef>
+          <a:fontRef idx="minor">
+            <a:schemeClr val="lt1"/>
+          </a:fontRef>
+        </p:style>
+        <p:txBody>
+          <a:bodyPr rtlCol="0" anchor="ctr"/>
+          <a:lstStyle/>
+          <a:p>
+            <a:pPr algn="ctr"/>
+            <a:r>
+              <a:rPr lang="en-US" dirty="0"/>
+              <a:t>Currying/Partial Application</a:t>
+            </a:r>
+          </a:p>
+        </p:txBody>
+      </p:sp>
+      <p:sp>
+        <p:nvSpPr>
+          <p:cNvPr id="20" name="Rectangle 19">
+            <a:extLst>
+              <a:ext uri="{FF2B5EF4-FFF2-40B4-BE49-F238E27FC236}">
+                <a16:creationId xmlns:a16="http://schemas.microsoft.com/office/drawing/2014/main" id="{AC75040C-C0FB-2D43-9CEB-78DF9FCC6681}"/>
+              </a:ext>
+            </a:extLst>
+          </p:cNvPr>
+          <p:cNvSpPr/>
+          <p:nvPr/>
+        </p:nvSpPr>
+        <p:spPr>
+          <a:xfrm>
+            <a:off x="9570615" y="5014046"/>
+            <a:ext cx="1811383" cy="685800"/>
+          </a:xfrm>
+          <a:prstGeom prst="rect">
+            <a:avLst/>
+          </a:prstGeom>
+        </p:spPr>
+        <p:style>
+          <a:lnRef idx="2">
+            <a:schemeClr val="accent1">
+              <a:shade val="50000"/>
+            </a:schemeClr>
+          </a:lnRef>
+          <a:fillRef idx="1">
+            <a:schemeClr val="accent1"/>
+          </a:fillRef>
+          <a:effectRef idx="0">
+            <a:schemeClr val="accent1"/>
+          </a:effectRef>
+          <a:fontRef idx="minor">
+            <a:schemeClr val="lt1"/>
+          </a:fontRef>
+        </p:style>
+        <p:txBody>
+          <a:bodyPr rtlCol="0" anchor="ctr"/>
+          <a:lstStyle/>
+          <a:p>
+            <a:pPr algn="ctr"/>
+            <a:r>
+              <a:rPr lang="en-US" dirty="0"/>
+              <a:t>Declarative Programming</a:t>
+            </a:r>
+          </a:p>
+        </p:txBody>
+      </p:sp>
+      <p:sp>
+        <p:nvSpPr>
+          <p:cNvPr id="22" name="Rectangle 21">
+            <a:extLst>
+              <a:ext uri="{FF2B5EF4-FFF2-40B4-BE49-F238E27FC236}">
+                <a16:creationId xmlns:a16="http://schemas.microsoft.com/office/drawing/2014/main" id="{A239F436-E981-314F-B81E-E6FD95F8D23A}"/>
+              </a:ext>
+            </a:extLst>
+          </p:cNvPr>
+          <p:cNvSpPr/>
+          <p:nvPr/>
+        </p:nvSpPr>
+        <p:spPr>
+          <a:xfrm>
+            <a:off x="9570614" y="5875097"/>
+            <a:ext cx="1811383" cy="685800"/>
+          </a:xfrm>
+          <a:prstGeom prst="rect">
+            <a:avLst/>
+          </a:prstGeom>
+        </p:spPr>
+        <p:style>
+          <a:lnRef idx="2">
+            <a:schemeClr val="accent1">
+              <a:shade val="50000"/>
+            </a:schemeClr>
+          </a:lnRef>
+          <a:fillRef idx="1">
+            <a:schemeClr val="accent1"/>
+          </a:fillRef>
+          <a:effectRef idx="0">
+            <a:schemeClr val="accent1"/>
+          </a:effectRef>
+          <a:fontRef idx="minor">
+            <a:schemeClr val="lt1"/>
+          </a:fontRef>
+        </p:style>
+        <p:txBody>
+          <a:bodyPr rtlCol="0" anchor="ctr"/>
+          <a:lstStyle/>
+          <a:p>
+            <a:pPr algn="ctr"/>
+            <a:r>
+              <a:rPr lang="en-US" dirty="0"/>
+              <a:t>…</a:t>
+            </a:r>
+          </a:p>
+        </p:txBody>
+      </p:sp>
+    </p:spTree>
+    <p:extLst>
+      <p:ext uri="{BB962C8B-B14F-4D97-AF65-F5344CB8AC3E}">
+        <p14:creationId xmlns:p14="http://schemas.microsoft.com/office/powerpoint/2010/main" val="997759770"/>
+      </p:ext>
+    </p:extLst>
+  </p:cSld>
+  <p:clrMapOvr>
+    <a:masterClrMapping/>
+  </p:clrMapOvr>
+  <p:timing>
+    <p:tnLst>
+      <p:par>
+        <p:cTn id="1" dur="indefinite" restart="never" nodeType="tmRoot">
+          <p:childTnLst>
+            <p:seq concurrent="1" nextAc="seek">
+              <p:cTn id="2" dur="indefinite" nodeType="mainSeq">
+                <p:childTnLst>
+                  <p:par>
+                    <p:cTn id="3" fill="hold">
+                      <p:stCondLst>
+                        <p:cond delay="indefinite"/>
+                      </p:stCondLst>
+                      <p:childTnLst>
+                        <p:par>
+                          <p:cTn id="4" fill="hold">
+                            <p:stCondLst>
+                              <p:cond delay="0"/>
+                            </p:stCondLst>
+                            <p:childTnLst>
+                              <p:par>
+                                <p:cTn id="5" presetID="9" presetClass="entr" presetSubtype="0" fill="hold" grpId="0" nodeType="clickEffect">
+                                  <p:stCondLst>
+                                    <p:cond delay="0"/>
+                                  </p:stCondLst>
+                                  <p:childTnLst>
+                                    <p:set>
+                                      <p:cBhvr>
+                                        <p:cTn id="6" dur="1" fill="hold">
+                                          <p:stCondLst>
+                                            <p:cond delay="0"/>
+                                          </p:stCondLst>
+                                        </p:cTn>
+                                        <p:tgtEl>
+                                          <p:spTgt spid="14"/>
+                                        </p:tgtEl>
+                                        <p:attrNameLst>
+                                          <p:attrName>style.visibility</p:attrName>
+                                        </p:attrNameLst>
+                                      </p:cBhvr>
+                                      <p:to>
+                                        <p:strVal val="visible"/>
+                                      </p:to>
+                                    </p:set>
+                                    <p:animEffect transition="in" filter="dissolve">
+                                      <p:cBhvr>
+                                        <p:cTn id="7" dur="500"/>
+                                        <p:tgtEl>
+                                          <p:spTgt spid="14"/>
+                                        </p:tgtEl>
+                                      </p:cBhvr>
+                                    </p:animEffect>
+                                  </p:childTnLst>
+                                </p:cTn>
+                              </p:par>
+                              <p:par>
+                                <p:cTn id="8" presetID="9" presetClass="entr" presetSubtype="0" fill="hold" nodeType="withEffect">
+                                  <p:stCondLst>
+                                    <p:cond delay="0"/>
+                                  </p:stCondLst>
+                                  <p:childTnLst>
+                                    <p:set>
+                                      <p:cBhvr>
+                                        <p:cTn id="9" dur="1" fill="hold">
+                                          <p:stCondLst>
+                                            <p:cond delay="0"/>
+                                          </p:stCondLst>
+                                        </p:cTn>
+                                        <p:tgtEl>
+                                          <p:spTgt spid="18"/>
+                                        </p:tgtEl>
+                                        <p:attrNameLst>
+                                          <p:attrName>style.visibility</p:attrName>
+                                        </p:attrNameLst>
+                                      </p:cBhvr>
+                                      <p:to>
+                                        <p:strVal val="visible"/>
+                                      </p:to>
+                                    </p:set>
+                                    <p:animEffect transition="in" filter="dissolve">
+                                      <p:cBhvr>
+                                        <p:cTn id="10" dur="500"/>
+                                        <p:tgtEl>
+                                          <p:spTgt spid="18"/>
+                                        </p:tgtEl>
+                                      </p:cBhvr>
+                                    </p:animEffect>
+                                  </p:childTnLst>
+                                </p:cTn>
+                              </p:par>
+                              <p:par>
+                                <p:cTn id="11" presetID="9" presetClass="entr" presetSubtype="0" fill="hold" grpId="0" nodeType="withEffect">
+                                  <p:stCondLst>
+                                    <p:cond delay="0"/>
+                                  </p:stCondLst>
+                                  <p:childTnLst>
+                                    <p:set>
+                                      <p:cBhvr>
+                                        <p:cTn id="12" dur="1" fill="hold">
+                                          <p:stCondLst>
+                                            <p:cond delay="0"/>
+                                          </p:stCondLst>
+                                        </p:cTn>
+                                        <p:tgtEl>
+                                          <p:spTgt spid="21"/>
+                                        </p:tgtEl>
+                                        <p:attrNameLst>
+                                          <p:attrName>style.visibility</p:attrName>
+                                        </p:attrNameLst>
+                                      </p:cBhvr>
+                                      <p:to>
+                                        <p:strVal val="visible"/>
+                                      </p:to>
+                                    </p:set>
+                                    <p:animEffect transition="in" filter="dissolve">
+                                      <p:cBhvr>
+                                        <p:cTn id="13" dur="500"/>
+                                        <p:tgtEl>
+                                          <p:spTgt spid="21"/>
+                                        </p:tgtEl>
+                                      </p:cBhvr>
+                                    </p:animEffect>
+                                  </p:childTnLst>
+                                </p:cTn>
+                              </p:par>
+                              <p:par>
+                                <p:cTn id="14" presetID="9" presetClass="entr" presetSubtype="0" fill="hold" nodeType="withEffect">
+                                  <p:stCondLst>
+                                    <p:cond delay="0"/>
+                                  </p:stCondLst>
+                                  <p:childTnLst>
+                                    <p:set>
+                                      <p:cBhvr>
+                                        <p:cTn id="15" dur="1" fill="hold">
+                                          <p:stCondLst>
+                                            <p:cond delay="0"/>
+                                          </p:stCondLst>
+                                        </p:cTn>
+                                        <p:tgtEl>
+                                          <p:spTgt spid="24"/>
+                                        </p:tgtEl>
+                                        <p:attrNameLst>
+                                          <p:attrName>style.visibility</p:attrName>
+                                        </p:attrNameLst>
+                                      </p:cBhvr>
+                                      <p:to>
+                                        <p:strVal val="visible"/>
+                                      </p:to>
+                                    </p:set>
+                                    <p:animEffect transition="in" filter="dissolve">
+                                      <p:cBhvr>
+                                        <p:cTn id="16" dur="500"/>
+                                        <p:tgtEl>
+                                          <p:spTgt spid="24"/>
+                                        </p:tgtEl>
+                                      </p:cBhvr>
+                                    </p:animEffect>
+                                  </p:childTnLst>
+                                </p:cTn>
+                              </p:par>
+                              <p:par>
+                                <p:cTn id="17" presetID="9" presetClass="entr" presetSubtype="0" fill="hold" grpId="0" nodeType="withEffect">
+                                  <p:stCondLst>
+                                    <p:cond delay="0"/>
+                                  </p:stCondLst>
+                                  <p:childTnLst>
+                                    <p:set>
+                                      <p:cBhvr>
+                                        <p:cTn id="18" dur="1" fill="hold">
+                                          <p:stCondLst>
+                                            <p:cond delay="0"/>
+                                          </p:stCondLst>
+                                        </p:cTn>
+                                        <p:tgtEl>
+                                          <p:spTgt spid="25"/>
+                                        </p:tgtEl>
+                                        <p:attrNameLst>
+                                          <p:attrName>style.visibility</p:attrName>
+                                        </p:attrNameLst>
+                                      </p:cBhvr>
+                                      <p:to>
+                                        <p:strVal val="visible"/>
+                                      </p:to>
+                                    </p:set>
+                                    <p:animEffect transition="in" filter="dissolve">
+                                      <p:cBhvr>
+                                        <p:cTn id="19" dur="500"/>
+                                        <p:tgtEl>
+                                          <p:spTgt spid="25"/>
+                                        </p:tgtEl>
+                                      </p:cBhvr>
+                                    </p:animEffect>
+                                  </p:childTnLst>
+                                </p:cTn>
+                              </p:par>
+                              <p:par>
+                                <p:cTn id="20" presetID="9" presetClass="entr" presetSubtype="0" fill="hold" nodeType="withEffect">
+                                  <p:stCondLst>
+                                    <p:cond delay="0"/>
+                                  </p:stCondLst>
+                                  <p:childTnLst>
+                                    <p:set>
+                                      <p:cBhvr>
+                                        <p:cTn id="21" dur="1" fill="hold">
+                                          <p:stCondLst>
+                                            <p:cond delay="0"/>
+                                          </p:stCondLst>
+                                        </p:cTn>
+                                        <p:tgtEl>
+                                          <p:spTgt spid="29"/>
+                                        </p:tgtEl>
+                                        <p:attrNameLst>
+                                          <p:attrName>style.visibility</p:attrName>
+                                        </p:attrNameLst>
+                                      </p:cBhvr>
+                                      <p:to>
+                                        <p:strVal val="visible"/>
+                                      </p:to>
+                                    </p:set>
+                                    <p:animEffect transition="in" filter="dissolve">
+                                      <p:cBhvr>
+                                        <p:cTn id="22" dur="500"/>
+                                        <p:tgtEl>
+                                          <p:spTgt spid="29"/>
+                                        </p:tgtEl>
+                                      </p:cBhvr>
+                                    </p:animEffect>
+                                  </p:childTnLst>
+                                </p:cTn>
+                              </p:par>
+                              <p:par>
+                                <p:cTn id="23" presetID="9" presetClass="entr" presetSubtype="0" fill="hold" grpId="0" nodeType="withEffect">
+                                  <p:stCondLst>
+                                    <p:cond delay="0"/>
+                                  </p:stCondLst>
+                                  <p:childTnLst>
+                                    <p:set>
+                                      <p:cBhvr>
+                                        <p:cTn id="24" dur="1" fill="hold">
+                                          <p:stCondLst>
+                                            <p:cond delay="0"/>
+                                          </p:stCondLst>
+                                        </p:cTn>
+                                        <p:tgtEl>
+                                          <p:spTgt spid="28"/>
+                                        </p:tgtEl>
+                                        <p:attrNameLst>
+                                          <p:attrName>style.visibility</p:attrName>
+                                        </p:attrNameLst>
+                                      </p:cBhvr>
+                                      <p:to>
+                                        <p:strVal val="visible"/>
+                                      </p:to>
+                                    </p:set>
+                                    <p:animEffect transition="in" filter="dissolve">
+                                      <p:cBhvr>
+                                        <p:cTn id="25" dur="500"/>
+                                        <p:tgtEl>
+                                          <p:spTgt spid="28"/>
+                                        </p:tgtEl>
+                                      </p:cBhvr>
+                                    </p:animEffect>
+                                  </p:childTnLst>
+                                </p:cTn>
+                              </p:par>
+                            </p:childTnLst>
+                          </p:cTn>
+                        </p:par>
+                      </p:childTnLst>
+                    </p:cTn>
+                  </p:par>
+                  <p:par>
+                    <p:cTn id="26" fill="hold">
+                      <p:stCondLst>
+                        <p:cond delay="indefinite"/>
+                      </p:stCondLst>
+                      <p:childTnLst>
+                        <p:par>
+                          <p:cTn id="27" fill="hold">
+                            <p:stCondLst>
+                              <p:cond delay="0"/>
+                            </p:stCondLst>
+                            <p:childTnLst>
+                              <p:par>
+                                <p:cTn id="28" presetID="9" presetClass="entr" presetSubtype="0" fill="hold" nodeType="clickEffect">
+                                  <p:stCondLst>
+                                    <p:cond delay="0"/>
+                                  </p:stCondLst>
+                                  <p:childTnLst>
+                                    <p:set>
+                                      <p:cBhvr>
+                                        <p:cTn id="29" dur="1" fill="hold">
+                                          <p:stCondLst>
+                                            <p:cond delay="0"/>
+                                          </p:stCondLst>
+                                        </p:cTn>
+                                        <p:tgtEl>
+                                          <p:spTgt spid="38"/>
+                                        </p:tgtEl>
+                                        <p:attrNameLst>
+                                          <p:attrName>style.visibility</p:attrName>
+                                        </p:attrNameLst>
+                                      </p:cBhvr>
+                                      <p:to>
+                                        <p:strVal val="visible"/>
+                                      </p:to>
+                                    </p:set>
+                                    <p:animEffect transition="in" filter="dissolve">
+                                      <p:cBhvr>
+                                        <p:cTn id="30" dur="500"/>
+                                        <p:tgtEl>
+                                          <p:spTgt spid="38"/>
+                                        </p:tgtEl>
+                                      </p:cBhvr>
+                                    </p:animEffect>
+                                  </p:childTnLst>
+                                </p:cTn>
+                              </p:par>
+                              <p:par>
+                                <p:cTn id="31" presetID="9" presetClass="entr" presetSubtype="0" fill="hold" grpId="0" nodeType="withEffect">
+                                  <p:stCondLst>
+                                    <p:cond delay="0"/>
+                                  </p:stCondLst>
+                                  <p:childTnLst>
+                                    <p:set>
+                                      <p:cBhvr>
+                                        <p:cTn id="32" dur="1" fill="hold">
+                                          <p:stCondLst>
+                                            <p:cond delay="0"/>
+                                          </p:stCondLst>
+                                        </p:cTn>
+                                        <p:tgtEl>
+                                          <p:spTgt spid="37"/>
+                                        </p:tgtEl>
+                                        <p:attrNameLst>
+                                          <p:attrName>style.visibility</p:attrName>
+                                        </p:attrNameLst>
+                                      </p:cBhvr>
+                                      <p:to>
+                                        <p:strVal val="visible"/>
+                                      </p:to>
+                                    </p:set>
+                                    <p:animEffect transition="in" filter="dissolve">
+                                      <p:cBhvr>
+                                        <p:cTn id="33" dur="500"/>
+                                        <p:tgtEl>
+                                          <p:spTgt spid="37"/>
+                                        </p:tgtEl>
+                                      </p:cBhvr>
+                                    </p:animEffect>
+                                  </p:childTnLst>
+                                </p:cTn>
+                              </p:par>
+                              <p:par>
+                                <p:cTn id="34" presetID="9" presetClass="entr" presetSubtype="0" fill="hold" grpId="0" nodeType="withEffect">
+                                  <p:stCondLst>
+                                    <p:cond delay="0"/>
+                                  </p:stCondLst>
+                                  <p:childTnLst>
+                                    <p:set>
+                                      <p:cBhvr>
+                                        <p:cTn id="35" dur="1" fill="hold">
+                                          <p:stCondLst>
+                                            <p:cond delay="0"/>
+                                          </p:stCondLst>
+                                        </p:cTn>
+                                        <p:tgtEl>
+                                          <p:spTgt spid="34"/>
+                                        </p:tgtEl>
+                                        <p:attrNameLst>
+                                          <p:attrName>style.visibility</p:attrName>
+                                        </p:attrNameLst>
+                                      </p:cBhvr>
+                                      <p:to>
+                                        <p:strVal val="visible"/>
+                                      </p:to>
+                                    </p:set>
+                                    <p:animEffect transition="in" filter="dissolve">
+                                      <p:cBhvr>
+                                        <p:cTn id="36" dur="500"/>
+                                        <p:tgtEl>
+                                          <p:spTgt spid="34"/>
+                                        </p:tgtEl>
+                                      </p:cBhvr>
+                                    </p:animEffect>
+                                  </p:childTnLst>
+                                </p:cTn>
+                              </p:par>
+                            </p:childTnLst>
+                          </p:cTn>
+                        </p:par>
+                      </p:childTnLst>
+                    </p:cTn>
+                  </p:par>
+                  <p:par>
+                    <p:cTn id="37" fill="hold">
+                      <p:stCondLst>
+                        <p:cond delay="indefinite"/>
+                      </p:stCondLst>
+                      <p:childTnLst>
+                        <p:par>
+                          <p:cTn id="38" fill="hold">
+                            <p:stCondLst>
+                              <p:cond delay="0"/>
+                            </p:stCondLst>
+                            <p:childTnLst>
+                              <p:par>
+                                <p:cTn id="39" presetID="9" presetClass="entr" presetSubtype="0" fill="hold" grpId="0" nodeType="clickEffect">
+                                  <p:stCondLst>
+                                    <p:cond delay="0"/>
+                                  </p:stCondLst>
+                                  <p:childTnLst>
+                                    <p:set>
+                                      <p:cBhvr>
+                                        <p:cTn id="40" dur="1" fill="hold">
+                                          <p:stCondLst>
+                                            <p:cond delay="0"/>
+                                          </p:stCondLst>
+                                        </p:cTn>
+                                        <p:tgtEl>
+                                          <p:spTgt spid="44"/>
+                                        </p:tgtEl>
+                                        <p:attrNameLst>
+                                          <p:attrName>style.visibility</p:attrName>
+                                        </p:attrNameLst>
+                                      </p:cBhvr>
+                                      <p:to>
+                                        <p:strVal val="visible"/>
+                                      </p:to>
+                                    </p:set>
+                                    <p:animEffect transition="in" filter="dissolve">
+                                      <p:cBhvr>
+                                        <p:cTn id="41" dur="500"/>
+                                        <p:tgtEl>
+                                          <p:spTgt spid="44"/>
+                                        </p:tgtEl>
+                                      </p:cBhvr>
+                                    </p:animEffect>
+                                  </p:childTnLst>
+                                </p:cTn>
+                              </p:par>
+                              <p:par>
+                                <p:cTn id="42" presetID="9" presetClass="entr" presetSubtype="0" fill="hold" grpId="0" nodeType="withEffect">
+                                  <p:stCondLst>
+                                    <p:cond delay="0"/>
+                                  </p:stCondLst>
+                                  <p:childTnLst>
+                                    <p:set>
+                                      <p:cBhvr>
+                                        <p:cTn id="43" dur="1" fill="hold">
+                                          <p:stCondLst>
+                                            <p:cond delay="0"/>
+                                          </p:stCondLst>
+                                        </p:cTn>
+                                        <p:tgtEl>
+                                          <p:spTgt spid="45"/>
+                                        </p:tgtEl>
+                                        <p:attrNameLst>
+                                          <p:attrName>style.visibility</p:attrName>
+                                        </p:attrNameLst>
+                                      </p:cBhvr>
+                                      <p:to>
+                                        <p:strVal val="visible"/>
+                                      </p:to>
+                                    </p:set>
+                                    <p:animEffect transition="in" filter="dissolve">
+                                      <p:cBhvr>
+                                        <p:cTn id="44" dur="500"/>
+                                        <p:tgtEl>
+                                          <p:spTgt spid="45"/>
+                                        </p:tgtEl>
+                                      </p:cBhvr>
+                                    </p:animEffect>
+                                  </p:childTnLst>
+                                </p:cTn>
+                              </p:par>
+                              <p:par>
+                                <p:cTn id="45" presetID="9" presetClass="entr" presetSubtype="0" fill="hold" nodeType="withEffect">
+                                  <p:stCondLst>
+                                    <p:cond delay="0"/>
+                                  </p:stCondLst>
+                                  <p:childTnLst>
+                                    <p:set>
+                                      <p:cBhvr>
+                                        <p:cTn id="46" dur="1" fill="hold">
+                                          <p:stCondLst>
+                                            <p:cond delay="0"/>
+                                          </p:stCondLst>
+                                        </p:cTn>
+                                        <p:tgtEl>
+                                          <p:spTgt spid="46"/>
+                                        </p:tgtEl>
+                                        <p:attrNameLst>
+                                          <p:attrName>style.visibility</p:attrName>
+                                        </p:attrNameLst>
+                                      </p:cBhvr>
+                                      <p:to>
+                                        <p:strVal val="visible"/>
+                                      </p:to>
+                                    </p:set>
+                                    <p:animEffect transition="in" filter="dissolve">
+                                      <p:cBhvr>
+                                        <p:cTn id="47" dur="500"/>
+                                        <p:tgtEl>
+                                          <p:spTgt spid="46"/>
+                                        </p:tgtEl>
+                                      </p:cBhvr>
+                                    </p:animEffect>
+                                  </p:childTnLst>
+                                </p:cTn>
+                              </p:par>
+                            </p:childTnLst>
+                          </p:cTn>
+                        </p:par>
+                      </p:childTnLst>
+                    </p:cTn>
+                  </p:par>
+                  <p:par>
+                    <p:cTn id="48" fill="hold">
+                      <p:stCondLst>
+                        <p:cond delay="indefinite"/>
+                      </p:stCondLst>
+                      <p:childTnLst>
+                        <p:par>
+                          <p:cTn id="49" fill="hold">
+                            <p:stCondLst>
+                              <p:cond delay="0"/>
+                            </p:stCondLst>
+                            <p:childTnLst>
+                              <p:par>
+                                <p:cTn id="50" presetID="9" presetClass="entr" presetSubtype="0" fill="hold" grpId="0" nodeType="clickEffect">
+                                  <p:stCondLst>
+                                    <p:cond delay="0"/>
+                                  </p:stCondLst>
+                                  <p:childTnLst>
+                                    <p:set>
+                                      <p:cBhvr>
+                                        <p:cTn id="51" dur="1" fill="hold">
+                                          <p:stCondLst>
+                                            <p:cond delay="0"/>
+                                          </p:stCondLst>
+                                        </p:cTn>
+                                        <p:tgtEl>
+                                          <p:spTgt spid="16"/>
+                                        </p:tgtEl>
+                                        <p:attrNameLst>
+                                          <p:attrName>style.visibility</p:attrName>
+                                        </p:attrNameLst>
+                                      </p:cBhvr>
+                                      <p:to>
+                                        <p:strVal val="visible"/>
+                                      </p:to>
+                                    </p:set>
+                                    <p:animEffect transition="in" filter="dissolve">
+                                      <p:cBhvr>
+                                        <p:cTn id="52" dur="500"/>
+                                        <p:tgtEl>
+                                          <p:spTgt spid="16"/>
+                                        </p:tgtEl>
+                                      </p:cBhvr>
+                                    </p:animEffect>
+                                  </p:childTnLst>
+                                </p:cTn>
+                              </p:par>
+                            </p:childTnLst>
+                          </p:cTn>
+                        </p:par>
+                      </p:childTnLst>
+                    </p:cTn>
+                  </p:par>
+                  <p:par>
+                    <p:cTn id="53" fill="hold">
+                      <p:stCondLst>
+                        <p:cond delay="indefinite"/>
+                      </p:stCondLst>
+                      <p:childTnLst>
+                        <p:par>
+                          <p:cTn id="54" fill="hold">
+                            <p:stCondLst>
+                              <p:cond delay="0"/>
+                            </p:stCondLst>
+                            <p:childTnLst>
+                              <p:par>
+                                <p:cTn id="55" presetID="9" presetClass="entr" presetSubtype="0" fill="hold" grpId="0" nodeType="clickEffect">
+                                  <p:stCondLst>
+                                    <p:cond delay="0"/>
+                                  </p:stCondLst>
+                                  <p:childTnLst>
+                                    <p:set>
+                                      <p:cBhvr>
+                                        <p:cTn id="56" dur="1" fill="hold">
+                                          <p:stCondLst>
+                                            <p:cond delay="0"/>
+                                          </p:stCondLst>
+                                        </p:cTn>
+                                        <p:tgtEl>
+                                          <p:spTgt spid="17"/>
+                                        </p:tgtEl>
+                                        <p:attrNameLst>
+                                          <p:attrName>style.visibility</p:attrName>
+                                        </p:attrNameLst>
+                                      </p:cBhvr>
+                                      <p:to>
+                                        <p:strVal val="visible"/>
+                                      </p:to>
+                                    </p:set>
+                                    <p:animEffect transition="in" filter="dissolve">
+                                      <p:cBhvr>
+                                        <p:cTn id="57" dur="500"/>
+                                        <p:tgtEl>
+                                          <p:spTgt spid="17"/>
+                                        </p:tgtEl>
+                                      </p:cBhvr>
+                                    </p:animEffect>
+                                  </p:childTnLst>
+                                </p:cTn>
+                              </p:par>
+                            </p:childTnLst>
+                          </p:cTn>
+                        </p:par>
+                      </p:childTnLst>
+                    </p:cTn>
+                  </p:par>
+                  <p:par>
+                    <p:cTn id="58" fill="hold">
+                      <p:stCondLst>
+                        <p:cond delay="indefinite"/>
+                      </p:stCondLst>
+                      <p:childTnLst>
+                        <p:par>
+                          <p:cTn id="59" fill="hold">
+                            <p:stCondLst>
+                              <p:cond delay="0"/>
+                            </p:stCondLst>
+                            <p:childTnLst>
+                              <p:par>
+                                <p:cTn id="60" presetID="9" presetClass="entr" presetSubtype="0" fill="hold" grpId="0" nodeType="clickEffect">
+                                  <p:stCondLst>
+                                    <p:cond delay="0"/>
+                                  </p:stCondLst>
+                                  <p:childTnLst>
+                                    <p:set>
+                                      <p:cBhvr>
+                                        <p:cTn id="61" dur="1" fill="hold">
+                                          <p:stCondLst>
+                                            <p:cond delay="0"/>
+                                          </p:stCondLst>
+                                        </p:cTn>
+                                        <p:tgtEl>
+                                          <p:spTgt spid="19"/>
+                                        </p:tgtEl>
+                                        <p:attrNameLst>
+                                          <p:attrName>style.visibility</p:attrName>
+                                        </p:attrNameLst>
+                                      </p:cBhvr>
+                                      <p:to>
+                                        <p:strVal val="visible"/>
+                                      </p:to>
+                                    </p:set>
+                                    <p:animEffect transition="in" filter="dissolve">
+                                      <p:cBhvr>
+                                        <p:cTn id="62" dur="500"/>
+                                        <p:tgtEl>
+                                          <p:spTgt spid="19"/>
+                                        </p:tgtEl>
+                                      </p:cBhvr>
+                                    </p:animEffect>
+                                  </p:childTnLst>
+                                </p:cTn>
+                              </p:par>
+                            </p:childTnLst>
+                          </p:cTn>
+                        </p:par>
+                      </p:childTnLst>
+                    </p:cTn>
+                  </p:par>
+                  <p:par>
+                    <p:cTn id="63" fill="hold">
+                      <p:stCondLst>
+                        <p:cond delay="indefinite"/>
+                      </p:stCondLst>
+                      <p:childTnLst>
+                        <p:par>
+                          <p:cTn id="64" fill="hold">
+                            <p:stCondLst>
+                              <p:cond delay="0"/>
+                            </p:stCondLst>
+                            <p:childTnLst>
+                              <p:par>
+                                <p:cTn id="65" presetID="9" presetClass="entr" presetSubtype="0" fill="hold" grpId="0" nodeType="clickEffect">
+                                  <p:stCondLst>
+                                    <p:cond delay="0"/>
+                                  </p:stCondLst>
+                                  <p:childTnLst>
+                                    <p:set>
+                                      <p:cBhvr>
+                                        <p:cTn id="66" dur="1" fill="hold">
+                                          <p:stCondLst>
+                                            <p:cond delay="0"/>
+                                          </p:stCondLst>
+                                        </p:cTn>
+                                        <p:tgtEl>
+                                          <p:spTgt spid="20"/>
+                                        </p:tgtEl>
+                                        <p:attrNameLst>
+                                          <p:attrName>style.visibility</p:attrName>
+                                        </p:attrNameLst>
+                                      </p:cBhvr>
+                                      <p:to>
+                                        <p:strVal val="visible"/>
+                                      </p:to>
+                                    </p:set>
+                                    <p:animEffect transition="in" filter="dissolve">
+                                      <p:cBhvr>
+                                        <p:cTn id="67" dur="500"/>
+                                        <p:tgtEl>
+                                          <p:spTgt spid="20"/>
+                                        </p:tgtEl>
+                                      </p:cBhvr>
+                                    </p:animEffect>
+                                  </p:childTnLst>
+                                </p:cTn>
+                              </p:par>
+                            </p:childTnLst>
+                          </p:cTn>
+                        </p:par>
+                      </p:childTnLst>
+                    </p:cTn>
+                  </p:par>
+                  <p:par>
+                    <p:cTn id="68" fill="hold">
+                      <p:stCondLst>
+                        <p:cond delay="indefinite"/>
+                      </p:stCondLst>
+                      <p:childTnLst>
+                        <p:par>
+                          <p:cTn id="69" fill="hold">
+                            <p:stCondLst>
+                              <p:cond delay="0"/>
+                            </p:stCondLst>
+                            <p:childTnLst>
+                              <p:par>
+                                <p:cTn id="70" presetID="9" presetClass="entr" presetSubtype="0" fill="hold" grpId="0" nodeType="clickEffect">
+                                  <p:stCondLst>
+                                    <p:cond delay="0"/>
+                                  </p:stCondLst>
+                                  <p:childTnLst>
+                                    <p:set>
+                                      <p:cBhvr>
+                                        <p:cTn id="71" dur="1" fill="hold">
+                                          <p:stCondLst>
+                                            <p:cond delay="0"/>
+                                          </p:stCondLst>
+                                        </p:cTn>
+                                        <p:tgtEl>
+                                          <p:spTgt spid="22"/>
+                                        </p:tgtEl>
+                                        <p:attrNameLst>
+                                          <p:attrName>style.visibility</p:attrName>
+                                        </p:attrNameLst>
+                                      </p:cBhvr>
+                                      <p:to>
+                                        <p:strVal val="visible"/>
+                                      </p:to>
+                                    </p:set>
+                                    <p:animEffect transition="in" filter="dissolve">
+                                      <p:cBhvr>
+                                        <p:cTn id="72" dur="500"/>
+                                        <p:tgtEl>
+                                          <p:spTgt spid="22"/>
+                                        </p:tgtEl>
+                                      </p:cBhvr>
+                                    </p:animEffect>
+                                  </p:childTnLst>
+                                </p:cTn>
+                              </p:par>
+                            </p:childTnLst>
+                          </p:cTn>
+                        </p:par>
+                      </p:childTnLst>
+                    </p:cTn>
+                  </p:par>
+                </p:childTnLst>
+              </p:cTn>
+              <p:prevCondLst>
+                <p:cond evt="onPrev" delay="0">
+                  <p:tgtEl>
+                    <p:sldTgt/>
+                  </p:tgtEl>
+                </p:cond>
+              </p:prevCondLst>
+              <p:nextCondLst>
+                <p:cond evt="onNext" delay="0">
+                  <p:tgtEl>
+                    <p:sldTgt/>
+                  </p:tgtEl>
+                </p:cond>
+              </p:nextCondLst>
+            </p:seq>
+          </p:childTnLst>
+        </p:cTn>
+      </p:par>
+    </p:tnLst>
+    <p:bldLst>
+      <p:bldP spid="14" grpId="0" animBg="1"/>
+      <p:bldP spid="21" grpId="0" animBg="1"/>
+      <p:bldP spid="25" grpId="0" animBg="1"/>
+      <p:bldP spid="28" grpId="0" animBg="1"/>
+      <p:bldP spid="34" grpId="0" animBg="1"/>
+      <p:bldP spid="37" grpId="0" animBg="1"/>
+      <p:bldP spid="44" grpId="0" animBg="1"/>
+      <p:bldP spid="45" grpId="0" animBg="1"/>
+      <p:bldP spid="16" grpId="0" animBg="1"/>
+      <p:bldP spid="17" grpId="0" animBg="1"/>
+      <p:bldP spid="19" grpId="0" animBg="1"/>
+      <p:bldP spid="20" grpId="0" animBg="1"/>
+      <p:bldP spid="22" grpId="0" animBg="1"/>
+    </p:bldLst>
+  </p:timing>
+</p:sld>
+</file>
+
+<file path=ppt/slides/slide24.xml><?xml version="1.0" encoding="utf-8"?>
+<p:sld xmlns:a="http://schemas.openxmlformats.org/drawingml/2006/main" xmlns:r="http://schemas.openxmlformats.org/officeDocument/2006/relationships" xmlns:p="http://schemas.openxmlformats.org/presentationml/2006/main">
+  <p:cSld>
+    <p:spTree>
+      <p:nvGrpSpPr>
+        <p:cNvPr id="1" name=""/>
+        <p:cNvGrpSpPr/>
+        <p:nvPr/>
+      </p:nvGrpSpPr>
+      <p:grpSpPr>
+        <a:xfrm>
+          <a:off x="0" y="0"/>
+          <a:ext cx="0" cy="0"/>
+          <a:chOff x="0" y="0"/>
+          <a:chExt cx="0" cy="0"/>
+        </a:xfrm>
+      </p:grpSpPr>
+      <p:sp>
+        <p:nvSpPr>
+          <p:cNvPr id="2" name="Title 1">
+            <a:extLst>
+              <a:ext uri="{FF2B5EF4-FFF2-40B4-BE49-F238E27FC236}">
+                <a16:creationId xmlns:a16="http://schemas.microsoft.com/office/drawing/2014/main" id="{DAC6BC1C-E50A-F444-A5C6-38B25B642C28}"/>
+              </a:ext>
+            </a:extLst>
+          </p:cNvPr>
+          <p:cNvSpPr>
+            <a:spLocks noGrp="1"/>
+          </p:cNvSpPr>
+          <p:nvPr>
             <p:ph type="title" idx="4294967295"/>
           </p:nvPr>
         </p:nvSpPr>
@@ -11418,7 +14781,7 @@
           </a:xfrm>
         </p:spPr>
         <p:txBody>
-          <a:bodyPr/>
+          <a:bodyPr anchor="ctr"/>
           <a:lstStyle/>
           <a:p>
             <a:pPr algn="ctr"/>
@@ -11537,13 +14900,6 @@
             <a:r>
               <a:rPr lang="en-US" sz="1300" dirty="0"/>
               <a:t>Testing (unit, functional, integration, smoke, non-functional tests)</a:t>
-            </a:r>
-          </a:p>
-          <a:p>
-            <a:pPr lvl="1"/>
-            <a:r>
-              <a:rPr lang="en-US" sz="1300" dirty="0"/>
-              <a:t>Avoid code conflicts when multiple developers working on the same project</a:t>
             </a:r>
           </a:p>
           <a:p>
@@ -11893,7 +15249,7 @@
           <a:p>
             <a:r>
               <a:rPr lang="en-US" dirty="0"/>
-              <a:t>What is Functional Programming?</a:t>
+              <a:t>Introduction to Functional Programming</a:t>
             </a:r>
           </a:p>
         </p:txBody>
@@ -11917,7 +15273,7 @@
         <p:spPr>
           <a:xfrm>
             <a:off x="810000" y="2417197"/>
-            <a:ext cx="10554574" cy="4752622"/>
+            <a:ext cx="10554574" cy="3382712"/>
           </a:xfrm>
         </p:spPr>
         <p:txBody>
@@ -11935,7 +15291,7 @@
             <a:pPr lvl="1"/>
             <a:r>
               <a:rPr lang="en-US" sz="1300" dirty="0"/>
-              <a:t>Is a programming paradigm</a:t>
+              <a:t>Opinionated way on how you structure your code</a:t>
             </a:r>
           </a:p>
           <a:p>
@@ -11948,10 +15304,7 @@
               <a:rPr lang="en-US" sz="1300" b="1" dirty="0"/>
               <a:t>organize our code in functions</a:t>
             </a:r>
-            <a:r>
-              <a:rPr lang="en-US" sz="1300" dirty="0"/>
-              <a:t>, with each function to solve a single task</a:t>
-            </a:r>
+            <a:endParaRPr lang="en-US" sz="1300" dirty="0"/>
           </a:p>
           <a:p>
             <a:pPr lvl="1"/>
@@ -12092,7 +15445,7 @@
         <p:spPr>
           <a:xfrm>
             <a:off x="810000" y="2417196"/>
-            <a:ext cx="10554574" cy="3913906"/>
+            <a:ext cx="10554574" cy="3051787"/>
           </a:xfrm>
         </p:spPr>
         <p:txBody>
@@ -12229,7 +15582,7 @@
             <a:pPr algn="ctr"/>
             <a:r>
               <a:rPr lang="en-US" dirty="0"/>
-              <a:t>Core Principles in FP – Immutability</a:t>
+              <a:t>Core Principles in FP – Immutability (2)</a:t>
             </a:r>
           </a:p>
         </p:txBody>
@@ -12272,7 +15625,16 @@
                 </a:solidFill>
                 <a:latin typeface="Menlo" panose="020B0609030804020204" pitchFamily="49" charset="0"/>
               </a:rPr>
-              <a:t>	const</a:t>
+              <a:t>	</a:t>
+            </a:r>
+            <a:r>
+              <a:rPr lang="en-GB" sz="1100" dirty="0" err="1">
+                <a:solidFill>
+                  <a:srgbClr val="C792EA"/>
+                </a:solidFill>
+                <a:latin typeface="Menlo" panose="020B0609030804020204" pitchFamily="49" charset="0"/>
+              </a:rPr>
+              <a:t>const</a:t>
             </a:r>
             <a:r>
               <a:rPr lang="en-GB" sz="1100" dirty="0">
@@ -12414,11 +15776,20 @@
             <a:r>
               <a:rPr lang="en-GB" sz="1100" i="1" dirty="0">
                 <a:solidFill>
+                  <a:srgbClr val="A6ACCD"/>
+                </a:solidFill>
+                <a:latin typeface="Menlo" panose="020B0609030804020204" pitchFamily="49" charset="0"/>
+              </a:rPr>
+              <a:t>		</a:t>
+            </a:r>
+            <a:r>
+              <a:rPr lang="en-GB" sz="1100" i="1" dirty="0">
+                <a:solidFill>
                   <a:srgbClr val="89DDFF"/>
                 </a:solidFill>
                 <a:latin typeface="Menlo" panose="020B0609030804020204" pitchFamily="49" charset="0"/>
               </a:rPr>
-              <a:t>		while</a:t>
+              <a:t>while</a:t>
             </a:r>
             <a:r>
               <a:rPr lang="en-GB" sz="1100" dirty="0">
@@ -12488,11 +15859,20 @@
             <a:r>
               <a:rPr lang="en-GB" sz="1100" dirty="0">
                 <a:solidFill>
+                  <a:srgbClr val="A6ACCD"/>
+                </a:solidFill>
+                <a:latin typeface="Menlo" panose="020B0609030804020204" pitchFamily="49" charset="0"/>
+              </a:rPr>
+              <a:t>			</a:t>
+            </a:r>
+            <a:r>
+              <a:rPr lang="en-GB" sz="1100" dirty="0" err="1">
+                <a:solidFill>
                   <a:srgbClr val="C792EA"/>
                 </a:solidFill>
                 <a:latin typeface="Menlo" panose="020B0609030804020204" pitchFamily="49" charset="0"/>
               </a:rPr>
-              <a:t>			const</a:t>
+              <a:t>const</a:t>
             </a:r>
             <a:r>
               <a:rPr lang="en-GB" sz="1100" dirty="0">
@@ -12589,13 +15969,22 @@
             <a:r>
               <a:rPr lang="en-GB" sz="1100" i="1" dirty="0">
                 <a:solidFill>
+                  <a:srgbClr val="A6ACCD"/>
+                </a:solidFill>
+                <a:latin typeface="Menlo" panose="020B0609030804020204" pitchFamily="49" charset="0"/>
+              </a:rPr>
+              <a:t>			</a:t>
+            </a:r>
+            <a:r>
+              <a:rPr lang="en-GB" sz="1100" i="1" dirty="0">
+                <a:solidFill>
                   <a:srgbClr val="464B5D"/>
                 </a:solidFill>
                 <a:latin typeface="Menlo" panose="020B0609030804020204" pitchFamily="49" charset="0"/>
               </a:rPr>
-              <a:t>			// Product: orange, Product: banana, Product: apple</a:t>
-            </a:r>
-            <a:endParaRPr lang="en-GB" sz="1100" dirty="0">
+              <a:t>// Product: orange, Product: banana, Product: apple</a:t>
+            </a:r>
+            <a:endParaRPr lang="en-GB" sz="1100" i="1" dirty="0">
               <a:solidFill>
                 <a:srgbClr val="A6ACCD"/>
               </a:solidFill>
@@ -12607,9 +15996,9 @@
               <a:buNone/>
             </a:pPr>
             <a:r>
-              <a:rPr lang="en-GB" sz="1100" dirty="0">
-                <a:solidFill>
-                  <a:srgbClr val="FFCB6B"/>
+              <a:rPr lang="en-GB" sz="1100" i="1" dirty="0">
+                <a:solidFill>
+                  <a:srgbClr val="A6ACCD"/>
                 </a:solidFill>
                 <a:latin typeface="Menlo" panose="020B0609030804020204" pitchFamily="49" charset="0"/>
               </a:rPr>
@@ -12795,7 +16184,7 @@
               <a:t>	</a:t>
             </a:r>
             <a:r>
-              <a:rPr lang="en-GB" sz="1100" dirty="0">
+              <a:rPr lang="en-GB" sz="1100" dirty="0" err="1">
                 <a:solidFill>
                   <a:srgbClr val="C792EA"/>
                 </a:solidFill>
@@ -12938,9 +16327,14 @@
               </a:rPr>
               <a:t>]</a:t>
             </a:r>
+          </a:p>
+          <a:p>
+            <a:pPr marL="0" indent="0">
+              <a:buNone/>
+            </a:pPr>
             <a:endParaRPr lang="en-GB" sz="1100" dirty="0">
               <a:solidFill>
-                <a:srgbClr val="82AAFF"/>
+                <a:srgbClr val="A6ACCD"/>
               </a:solidFill>
               <a:latin typeface="Menlo" panose="020B0609030804020204" pitchFamily="49" charset="0"/>
             </a:endParaRPr>
@@ -12952,12 +16346,63 @@
             <a:r>
               <a:rPr lang="en-GB" sz="1100" dirty="0">
                 <a:solidFill>
+                  <a:srgbClr val="A6ACCD"/>
+                </a:solidFill>
+                <a:latin typeface="Menlo" panose="020B0609030804020204" pitchFamily="49" charset="0"/>
+              </a:rPr>
+              <a:t>	</a:t>
+            </a:r>
+            <a:r>
+              <a:rPr lang="en-GB" sz="1100" dirty="0" err="1">
+                <a:solidFill>
                   <a:srgbClr val="82AAFF"/>
                 </a:solidFill>
                 <a:latin typeface="Menlo" panose="020B0609030804020204" pitchFamily="49" charset="0"/>
               </a:rPr>
-              <a:t>	</a:t>
-            </a:r>
+              <a:t>listFruits</a:t>
+            </a:r>
+            <a:r>
+              <a:rPr lang="en-GB" sz="1100" dirty="0">
+                <a:solidFill>
+                  <a:srgbClr val="A6ACCD"/>
+                </a:solidFill>
+                <a:latin typeface="Menlo" panose="020B0609030804020204" pitchFamily="49" charset="0"/>
+              </a:rPr>
+              <a:t>([</a:t>
+            </a:r>
+            <a:r>
+              <a:rPr lang="en-GB" sz="1100" dirty="0">
+                <a:solidFill>
+                  <a:srgbClr val="89DDFF"/>
+                </a:solidFill>
+                <a:latin typeface="Menlo" panose="020B0609030804020204" pitchFamily="49" charset="0"/>
+              </a:rPr>
+              <a:t>...</a:t>
+            </a:r>
+            <a:r>
+              <a:rPr lang="en-GB" sz="1100" dirty="0">
+                <a:solidFill>
+                  <a:srgbClr val="A6ACCD"/>
+                </a:solidFill>
+                <a:latin typeface="Menlo" panose="020B0609030804020204" pitchFamily="49" charset="0"/>
+              </a:rPr>
+              <a:t>fruits]) </a:t>
+            </a:r>
+            <a:r>
+              <a:rPr lang="en-GB" sz="1100" i="1" dirty="0">
+                <a:solidFill>
+                  <a:srgbClr val="464B5D"/>
+                </a:solidFill>
+                <a:latin typeface="Menlo" panose="020B0609030804020204" pitchFamily="49" charset="0"/>
+              </a:rPr>
+              <a:t>// recreating the array</a:t>
+            </a:r>
+            <a:endParaRPr lang="en-GB" sz="1100" dirty="0">
+              <a:solidFill>
+                <a:srgbClr val="A6ACCD"/>
+              </a:solidFill>
+              <a:latin typeface="Menlo" panose="020B0609030804020204" pitchFamily="49" charset="0"/>
+            </a:endParaRPr>
           </a:p>
           <a:p>
             <a:pPr marL="0" indent="0">
@@ -12966,44 +16411,86 @@
             <a:r>
               <a:rPr lang="en-GB" sz="1100" dirty="0">
                 <a:solidFill>
+                  <a:srgbClr val="FFCB6B"/>
+                </a:solidFill>
+                <a:latin typeface="Menlo" panose="020B0609030804020204" pitchFamily="49" charset="0"/>
+              </a:rPr>
+              <a:t>	</a:t>
+            </a:r>
+            <a:r>
+              <a:rPr lang="en-GB" sz="1100" dirty="0" err="1">
+                <a:solidFill>
+                  <a:srgbClr val="FFCB6B"/>
+                </a:solidFill>
+                <a:latin typeface="Menlo" panose="020B0609030804020204" pitchFamily="49" charset="0"/>
+              </a:rPr>
+              <a:t>console</a:t>
+            </a:r>
+            <a:r>
+              <a:rPr lang="en-GB" sz="1100" dirty="0" err="1">
+                <a:solidFill>
+                  <a:srgbClr val="89DDFF"/>
+                </a:solidFill>
+                <a:latin typeface="Menlo" panose="020B0609030804020204" pitchFamily="49" charset="0"/>
+              </a:rPr>
+              <a:t>.</a:t>
+            </a:r>
+            <a:r>
+              <a:rPr lang="en-GB" sz="1100" dirty="0" err="1">
+                <a:solidFill>
                   <a:srgbClr val="82AAFF"/>
                 </a:solidFill>
                 <a:latin typeface="Menlo" panose="020B0609030804020204" pitchFamily="49" charset="0"/>
               </a:rPr>
-              <a:t>	</a:t>
+              <a:t>log</a:t>
+            </a:r>
+            <a:r>
+              <a:rPr lang="en-GB" sz="1100" dirty="0">
+                <a:solidFill>
+                  <a:srgbClr val="A6ACCD"/>
+                </a:solidFill>
+                <a:latin typeface="Menlo" panose="020B0609030804020204" pitchFamily="49" charset="0"/>
+              </a:rPr>
+              <a:t>(</a:t>
             </a:r>
             <a:r>
               <a:rPr lang="en-GB" sz="1100" dirty="0" err="1">
                 <a:solidFill>
-                  <a:srgbClr val="82AAFF"/>
-                </a:solidFill>
-                <a:latin typeface="Menlo" panose="020B0609030804020204" pitchFamily="49" charset="0"/>
-              </a:rPr>
-              <a:t>listFruits</a:t>
-            </a:r>
-            <a:r>
-              <a:rPr lang="en-GB" sz="1100" dirty="0">
-                <a:solidFill>
-                  <a:srgbClr val="A6ACCD"/>
-                </a:solidFill>
-                <a:latin typeface="Menlo" panose="020B0609030804020204" pitchFamily="49" charset="0"/>
-              </a:rPr>
-              <a:t>(fruits)</a:t>
+                  <a:srgbClr val="A6ACCD"/>
+                </a:solidFill>
+                <a:latin typeface="Menlo" panose="020B0609030804020204" pitchFamily="49" charset="0"/>
+              </a:rPr>
+              <a:t>fruits.length</a:t>
+            </a:r>
+            <a:r>
+              <a:rPr lang="en-GB" sz="1100" dirty="0">
+                <a:solidFill>
+                  <a:srgbClr val="A6ACCD"/>
+                </a:solidFill>
+                <a:latin typeface="Menlo" panose="020B0609030804020204" pitchFamily="49" charset="0"/>
+              </a:rPr>
+              <a:t>) </a:t>
+            </a:r>
+            <a:r>
+              <a:rPr lang="en-GB" sz="1100" i="1" dirty="0">
+                <a:solidFill>
+                  <a:srgbClr val="464B5D"/>
+                </a:solidFill>
+                <a:latin typeface="Menlo" panose="020B0609030804020204" pitchFamily="49" charset="0"/>
+              </a:rPr>
+              <a:t>// 3</a:t>
             </a:r>
           </a:p>
           <a:p>
             <a:pPr marL="0" indent="0">
               <a:buNone/>
             </a:pPr>
-            <a:r>
-              <a:rPr lang="en-GB" sz="1100" dirty="0">
-                <a:solidFill>
-                  <a:srgbClr val="A6ACCD"/>
-                </a:solidFill>
-                <a:latin typeface="Menlo" panose="020B0609030804020204" pitchFamily="49" charset="0"/>
-              </a:rPr>
-              <a:t>	</a:t>
-            </a:r>
+            <a:endParaRPr lang="en-GB" sz="1100" dirty="0">
+              <a:solidFill>
+                <a:srgbClr val="A6ACCD"/>
+              </a:solidFill>
+              <a:latin typeface="Menlo" panose="020B0609030804020204" pitchFamily="49" charset="0"/>
+            </a:endParaRPr>
           </a:p>
           <a:p>
             <a:pPr marL="0" indent="0">
@@ -13021,6 +16508,53 @@
             <a:r>
               <a:rPr lang="en-GB" sz="1100" dirty="0" err="1">
                 <a:solidFill>
+                  <a:srgbClr val="82AAFF"/>
+                </a:solidFill>
+                <a:latin typeface="Menlo" panose="020B0609030804020204" pitchFamily="49" charset="0"/>
+              </a:rPr>
+              <a:t>listFruits</a:t>
+            </a:r>
+            <a:r>
+              <a:rPr lang="en-GB" sz="1100" dirty="0">
+                <a:solidFill>
+                  <a:srgbClr val="A6ACCD"/>
+                </a:solidFill>
+                <a:latin typeface="Menlo" panose="020B0609030804020204" pitchFamily="49" charset="0"/>
+              </a:rPr>
+              <a:t>(fruits) </a:t>
+            </a:r>
+            <a:r>
+              <a:rPr lang="en-GB" sz="1100" i="1" dirty="0">
+                <a:solidFill>
+                  <a:srgbClr val="464B5D"/>
+                </a:solidFill>
+                <a:latin typeface="Menlo" panose="020B0609030804020204" pitchFamily="49" charset="0"/>
+              </a:rPr>
+              <a:t>// mutating the array</a:t>
+            </a:r>
+            <a:endParaRPr lang="en-GB" sz="1100" dirty="0">
+              <a:solidFill>
+                <a:srgbClr val="A6ACCD"/>
+              </a:solidFill>
+              <a:latin typeface="Menlo" panose="020B0609030804020204" pitchFamily="49" charset="0"/>
+            </a:endParaRPr>
+          </a:p>
+          <a:p>
+            <a:pPr marL="0" indent="0">
+              <a:buNone/>
+            </a:pPr>
+            <a:r>
+              <a:rPr lang="en-GB" sz="1100" dirty="0">
+                <a:solidFill>
+                  <a:srgbClr val="A6ACCD"/>
+                </a:solidFill>
+                <a:latin typeface="Menlo" panose="020B0609030804020204" pitchFamily="49" charset="0"/>
+              </a:rPr>
+              <a:t>	</a:t>
+            </a:r>
+            <a:r>
+              <a:rPr lang="en-GB" sz="1100" dirty="0" err="1">
+                <a:solidFill>
                   <a:srgbClr val="FFCB6B"/>
                 </a:solidFill>
                 <a:latin typeface="Menlo" panose="020B0609030804020204" pitchFamily="49" charset="0"/>
@@ -13052,7 +16586,25 @@
                 </a:solidFill>
                 <a:latin typeface="Menlo" panose="020B0609030804020204" pitchFamily="49" charset="0"/>
               </a:rPr>
-              <a:t>(fruits) </a:t>
+              <a:t>(</a:t>
+            </a:r>
+            <a:r>
+              <a:rPr lang="en-GB" sz="1100" dirty="0" err="1">
+                <a:solidFill>
+                  <a:srgbClr val="A6ACCD"/>
+                </a:solidFill>
+                <a:latin typeface="Menlo" panose="020B0609030804020204" pitchFamily="49" charset="0"/>
+              </a:rPr>
+              <a:t>fruits.length</a:t>
+            </a:r>
+            <a:r>
+              <a:rPr lang="en-GB" sz="1100" dirty="0">
+                <a:solidFill>
+                  <a:srgbClr val="A6ACCD"/>
+                </a:solidFill>
+                <a:latin typeface="Menlo" panose="020B0609030804020204" pitchFamily="49" charset="0"/>
+              </a:rPr>
+              <a:t>) </a:t>
             </a:r>
             <a:r>
               <a:rPr lang="en-GB" sz="1100" i="1" dirty="0">
@@ -13061,8 +16613,24 @@
                 </a:solidFill>
                 <a:latin typeface="Menlo" panose="020B0609030804020204" pitchFamily="49" charset="0"/>
               </a:rPr>
-              <a:t>// []</a:t>
-            </a:r>
+              <a:t>// 0</a:t>
+            </a:r>
+            <a:br>
+              <a:rPr lang="en-GB" sz="1100" dirty="0">
+                <a:solidFill>
+                  <a:srgbClr val="A6ACCD"/>
+                </a:solidFill>
+                <a:latin typeface="Menlo" panose="020B0609030804020204" pitchFamily="49" charset="0"/>
+              </a:rPr>
+            </a:br>
+            <a:br>
+              <a:rPr lang="en-GB" sz="1100" dirty="0">
+                <a:solidFill>
+                  <a:srgbClr val="A6ACCD"/>
+                </a:solidFill>
+                <a:latin typeface="Menlo" panose="020B0609030804020204" pitchFamily="49" charset="0"/>
+              </a:rPr>
+            </a:br>
             <a:endParaRPr lang="en-GB" sz="1100" dirty="0">
               <a:solidFill>
                 <a:srgbClr val="A6ACCD"/>
@@ -13106,7 +16674,7 @@
             </a:pPr>
             <a:r>
               <a:rPr lang="en-US" sz="1300" dirty="0"/>
-              <a:t> Once a variable is created, you cannot update it. The only option is to recreate it</a:t>
+              <a:t>Once a variable is created, you cannot update it. The only option is to recreate it</a:t>
             </a:r>
           </a:p>
           <a:p>
@@ -13126,7 +16694,7 @@
             </a:pPr>
             <a:r>
               <a:rPr lang="en-US" sz="1300" dirty="0"/>
-              <a:t> Methods that mutate variables should be avoided</a:t>
+              <a:t>Methods that mutate variables should be avoided</a:t>
             </a:r>
           </a:p>
           <a:p>
@@ -13195,7 +16763,7 @@
             <a:pPr algn="ctr"/>
             <a:r>
               <a:rPr lang="en-US" dirty="0"/>
-              <a:t>Core Principles in FP – Higher Order Functions</a:t>
+              <a:t>Core Principles in FP – Higher Order Functions (3)</a:t>
             </a:r>
           </a:p>
         </p:txBody>
@@ -13238,16 +16806,43 @@
                 </a:solidFill>
                 <a:latin typeface="Menlo" panose="020B0609030804020204" pitchFamily="49" charset="0"/>
               </a:rPr>
-              <a:t>	const</a:t>
-            </a:r>
-            <a:r>
-              <a:rPr lang="en-GB" sz="1100" dirty="0">
-                <a:solidFill>
-                  <a:srgbClr val="A6ACCD"/>
-                </a:solidFill>
-                <a:latin typeface="Menlo" panose="020B0609030804020204" pitchFamily="49" charset="0"/>
-              </a:rPr>
-              <a:t> sum </a:t>
+              <a:t>	</a:t>
+            </a:r>
+            <a:r>
+              <a:rPr lang="en-GB" sz="1100" dirty="0" err="1">
+                <a:solidFill>
+                  <a:srgbClr val="C792EA"/>
+                </a:solidFill>
+                <a:latin typeface="Menlo" panose="020B0609030804020204" pitchFamily="49" charset="0"/>
+              </a:rPr>
+              <a:t>const</a:t>
+            </a:r>
+            <a:r>
+              <a:rPr lang="en-GB" sz="1100" dirty="0">
+                <a:solidFill>
+                  <a:srgbClr val="A6ACCD"/>
+                </a:solidFill>
+                <a:latin typeface="Menlo" panose="020B0609030804020204" pitchFamily="49" charset="0"/>
+              </a:rPr>
+              <a:t> </a:t>
+            </a:r>
+            <a:r>
+              <a:rPr lang="en-GB" sz="1100" dirty="0" err="1">
+                <a:solidFill>
+                  <a:srgbClr val="A6ACCD"/>
+                </a:solidFill>
+                <a:latin typeface="Menlo" panose="020B0609030804020204" pitchFamily="49" charset="0"/>
+              </a:rPr>
+              <a:t>getSum</a:t>
+            </a:r>
+            <a:r>
+              <a:rPr lang="en-GB" sz="1100" dirty="0">
+                <a:solidFill>
+                  <a:srgbClr val="A6ACCD"/>
+                </a:solidFill>
+                <a:latin typeface="Menlo" panose="020B0609030804020204" pitchFamily="49" charset="0"/>
+              </a:rPr>
+              <a:t> </a:t>
             </a:r>
             <a:r>
               <a:rPr lang="en-GB" sz="1100" dirty="0">
@@ -13277,22 +16872,13 @@
               <a:t>(</a:t>
             </a:r>
             <a:r>
-              <a:rPr lang="en-GB" sz="1100" dirty="0" err="1">
-                <a:solidFill>
-                  <a:srgbClr val="A6ACCD"/>
-                </a:solidFill>
-                <a:latin typeface="Menlo" panose="020B0609030804020204" pitchFamily="49" charset="0"/>
-              </a:rPr>
-              <a:t>arr</a:t>
-            </a:r>
-            <a:r>
-              <a:rPr lang="en-GB" sz="1100" dirty="0">
-                <a:solidFill>
-                  <a:srgbClr val="A6ACCD"/>
-                </a:solidFill>
-                <a:latin typeface="Menlo" panose="020B0609030804020204" pitchFamily="49" charset="0"/>
-              </a:rPr>
-              <a:t> </a:t>
+              <a:rPr lang="en-GB" sz="1100" dirty="0">
+                <a:solidFill>
+                  <a:srgbClr val="A6ACCD"/>
+                </a:solidFill>
+                <a:latin typeface="Menlo" panose="020B0609030804020204" pitchFamily="49" charset="0"/>
+              </a:rPr>
+              <a:t>numbers </a:t>
             </a:r>
             <a:r>
               <a:rPr lang="en-GB" sz="1100" dirty="0">
@@ -13369,13 +16955,58 @@
               <a:buNone/>
             </a:pPr>
             <a:r>
-              <a:rPr lang="en-GB" sz="1100" i="1" dirty="0">
+              <a:rPr lang="en-GB" sz="1100" dirty="0">
+                <a:solidFill>
+                  <a:srgbClr val="A6ACCD"/>
+                </a:solidFill>
+                <a:latin typeface="Menlo" panose="020B0609030804020204" pitchFamily="49" charset="0"/>
+              </a:rPr>
+              <a:t>		</a:t>
+            </a:r>
+            <a:r>
+              <a:rPr lang="en-GB" sz="1100" dirty="0">
+                <a:solidFill>
+                  <a:srgbClr val="C792EA"/>
+                </a:solidFill>
+                <a:latin typeface="Menlo" panose="020B0609030804020204" pitchFamily="49" charset="0"/>
+              </a:rPr>
+              <a:t>let</a:t>
+            </a:r>
+            <a:r>
+              <a:rPr lang="en-GB" sz="1100" dirty="0">
+                <a:solidFill>
+                  <a:srgbClr val="F07178"/>
+                </a:solidFill>
+                <a:latin typeface="Menlo" panose="020B0609030804020204" pitchFamily="49" charset="0"/>
+              </a:rPr>
+              <a:t> </a:t>
+            </a:r>
+            <a:r>
+              <a:rPr lang="en-GB" sz="1100" dirty="0">
+                <a:solidFill>
+                  <a:srgbClr val="A6ACCD"/>
+                </a:solidFill>
+                <a:latin typeface="Menlo" panose="020B0609030804020204" pitchFamily="49" charset="0"/>
+              </a:rPr>
+              <a:t>sum</a:t>
+            </a:r>
+            <a:r>
+              <a:rPr lang="en-GB" sz="1100" dirty="0">
+                <a:solidFill>
+                  <a:srgbClr val="F07178"/>
+                </a:solidFill>
+                <a:latin typeface="Menlo" panose="020B0609030804020204" pitchFamily="49" charset="0"/>
+              </a:rPr>
+              <a:t> </a:t>
+            </a:r>
+            <a:r>
+              <a:rPr lang="en-GB" sz="1100" dirty="0">
                 <a:solidFill>
                   <a:srgbClr val="89DDFF"/>
                 </a:solidFill>
                 <a:latin typeface="Menlo" panose="020B0609030804020204" pitchFamily="49" charset="0"/>
               </a:rPr>
-              <a:t>		return</a:t>
+              <a:t>=</a:t>
             </a:r>
             <a:r>
               <a:rPr lang="en-GB" sz="1100" dirty="0">
@@ -13387,186 +17018,6 @@
               <a:t> </a:t>
             </a:r>
             <a:r>
-              <a:rPr lang="en-GB" sz="1100" dirty="0" err="1">
-                <a:solidFill>
-                  <a:srgbClr val="A6ACCD"/>
-                </a:solidFill>
-                <a:latin typeface="Menlo" panose="020B0609030804020204" pitchFamily="49" charset="0"/>
-              </a:rPr>
-              <a:t>arr</a:t>
-            </a:r>
-            <a:r>
-              <a:rPr lang="en-GB" sz="1100" dirty="0" err="1">
-                <a:solidFill>
-                  <a:srgbClr val="89DDFF"/>
-                </a:solidFill>
-                <a:latin typeface="Menlo" panose="020B0609030804020204" pitchFamily="49" charset="0"/>
-              </a:rPr>
-              <a:t>.</a:t>
-            </a:r>
-            <a:r>
-              <a:rPr lang="en-GB" sz="1100" dirty="0" err="1">
-                <a:solidFill>
-                  <a:srgbClr val="82AAFF"/>
-                </a:solidFill>
-                <a:latin typeface="Menlo" panose="020B0609030804020204" pitchFamily="49" charset="0"/>
-              </a:rPr>
-              <a:t>reduce</a:t>
-            </a:r>
-            <a:r>
-              <a:rPr lang="en-GB" sz="1100" dirty="0">
-                <a:solidFill>
-                  <a:srgbClr val="F07178"/>
-                </a:solidFill>
-                <a:latin typeface="Menlo" panose="020B0609030804020204" pitchFamily="49" charset="0"/>
-              </a:rPr>
-              <a:t>(</a:t>
-            </a:r>
-            <a:r>
-              <a:rPr lang="en-GB" sz="1100" dirty="0">
-                <a:solidFill>
-                  <a:srgbClr val="89DDFF"/>
-                </a:solidFill>
-                <a:latin typeface="Menlo" panose="020B0609030804020204" pitchFamily="49" charset="0"/>
-              </a:rPr>
-              <a:t>(</a:t>
-            </a:r>
-            <a:r>
-              <a:rPr lang="en-GB" sz="1100" dirty="0" err="1">
-                <a:solidFill>
-                  <a:srgbClr val="A6ACCD"/>
-                </a:solidFill>
-                <a:latin typeface="Menlo" panose="020B0609030804020204" pitchFamily="49" charset="0"/>
-              </a:rPr>
-              <a:t>acc</a:t>
-            </a:r>
-            <a:r>
-              <a:rPr lang="en-GB" sz="1100" dirty="0">
-                <a:solidFill>
-                  <a:srgbClr val="89DDFF"/>
-                </a:solidFill>
-                <a:latin typeface="Menlo" panose="020B0609030804020204" pitchFamily="49" charset="0"/>
-              </a:rPr>
-              <a:t>,</a:t>
-            </a:r>
-            <a:r>
-              <a:rPr lang="en-GB" sz="1100" dirty="0">
-                <a:solidFill>
-                  <a:srgbClr val="F07178"/>
-                </a:solidFill>
-                <a:latin typeface="Menlo" panose="020B0609030804020204" pitchFamily="49" charset="0"/>
-              </a:rPr>
-              <a:t> </a:t>
-            </a:r>
-            <a:r>
-              <a:rPr lang="en-GB" sz="1100" dirty="0" err="1">
-                <a:solidFill>
-                  <a:srgbClr val="A6ACCD"/>
-                </a:solidFill>
-                <a:latin typeface="Menlo" panose="020B0609030804020204" pitchFamily="49" charset="0"/>
-              </a:rPr>
-              <a:t>num</a:t>
-            </a:r>
-            <a:r>
-              <a:rPr lang="en-GB" sz="1100" dirty="0">
-                <a:solidFill>
-                  <a:srgbClr val="89DDFF"/>
-                </a:solidFill>
-                <a:latin typeface="Menlo" panose="020B0609030804020204" pitchFamily="49" charset="0"/>
-              </a:rPr>
-              <a:t>)</a:t>
-            </a:r>
-            <a:r>
-              <a:rPr lang="en-GB" sz="1100" dirty="0">
-                <a:solidFill>
-                  <a:srgbClr val="F07178"/>
-                </a:solidFill>
-                <a:latin typeface="Menlo" panose="020B0609030804020204" pitchFamily="49" charset="0"/>
-              </a:rPr>
-              <a:t> </a:t>
-            </a:r>
-            <a:r>
-              <a:rPr lang="en-GB" sz="1100" dirty="0">
-                <a:solidFill>
-                  <a:srgbClr val="C792EA"/>
-                </a:solidFill>
-                <a:latin typeface="Menlo" panose="020B0609030804020204" pitchFamily="49" charset="0"/>
-              </a:rPr>
-              <a:t>=&gt;</a:t>
-            </a:r>
-            <a:r>
-              <a:rPr lang="en-GB" sz="1100" dirty="0">
-                <a:solidFill>
-                  <a:srgbClr val="F07178"/>
-                </a:solidFill>
-                <a:latin typeface="Menlo" panose="020B0609030804020204" pitchFamily="49" charset="0"/>
-              </a:rPr>
-              <a:t> </a:t>
-            </a:r>
-            <a:r>
-              <a:rPr lang="en-GB" sz="1100" dirty="0" err="1">
-                <a:solidFill>
-                  <a:srgbClr val="A6ACCD"/>
-                </a:solidFill>
-                <a:latin typeface="Menlo" panose="020B0609030804020204" pitchFamily="49" charset="0"/>
-              </a:rPr>
-              <a:t>acc</a:t>
-            </a:r>
-            <a:r>
-              <a:rPr lang="en-GB" sz="1100" dirty="0">
-                <a:solidFill>
-                  <a:srgbClr val="F07178"/>
-                </a:solidFill>
-                <a:latin typeface="Menlo" panose="020B0609030804020204" pitchFamily="49" charset="0"/>
-              </a:rPr>
-              <a:t> </a:t>
-            </a:r>
-            <a:r>
-              <a:rPr lang="en-GB" sz="1100" dirty="0">
-                <a:solidFill>
-                  <a:srgbClr val="89DDFF"/>
-                </a:solidFill>
-                <a:latin typeface="Menlo" panose="020B0609030804020204" pitchFamily="49" charset="0"/>
-              </a:rPr>
-              <a:t>+</a:t>
-            </a:r>
-            <a:r>
-              <a:rPr lang="en-GB" sz="1100" dirty="0">
-                <a:solidFill>
-                  <a:srgbClr val="F07178"/>
-                </a:solidFill>
-                <a:latin typeface="Menlo" panose="020B0609030804020204" pitchFamily="49" charset="0"/>
-              </a:rPr>
-              <a:t> </a:t>
-            </a:r>
-            <a:r>
-              <a:rPr lang="en-GB" sz="1100" dirty="0" err="1">
-                <a:solidFill>
-                  <a:srgbClr val="A6ACCD"/>
-                </a:solidFill>
-                <a:latin typeface="Menlo" panose="020B0609030804020204" pitchFamily="49" charset="0"/>
-              </a:rPr>
-              <a:t>num</a:t>
-            </a:r>
-            <a:r>
-              <a:rPr lang="en-GB" sz="1100" dirty="0">
-                <a:solidFill>
-                  <a:srgbClr val="89DDFF"/>
-                </a:solidFill>
-                <a:latin typeface="Menlo" panose="020B0609030804020204" pitchFamily="49" charset="0"/>
-              </a:rPr>
-              <a:t>,</a:t>
-            </a:r>
-            <a:r>
-              <a:rPr lang="en-GB" sz="1100" dirty="0">
-                <a:solidFill>
-                  <a:srgbClr val="F07178"/>
-                </a:solidFill>
-                <a:latin typeface="Menlo" panose="020B0609030804020204" pitchFamily="49" charset="0"/>
-              </a:rPr>
-              <a:t> </a:t>
-            </a:r>
-            <a:r>
               <a:rPr lang="en-GB" sz="1100" dirty="0">
                 <a:solidFill>
                   <a:srgbClr val="F78C6C"/>
@@ -13574,15 +17025,6 @@
                 <a:latin typeface="Menlo" panose="020B0609030804020204" pitchFamily="49" charset="0"/>
               </a:rPr>
               <a:t>0</a:t>
-            </a:r>
-            <a:r>
-              <a:rPr lang="en-GB" sz="1100" dirty="0">
-                <a:solidFill>
-                  <a:srgbClr val="F07178"/>
-                </a:solidFill>
-                <a:latin typeface="Menlo" panose="020B0609030804020204" pitchFamily="49" charset="0"/>
-              </a:rPr>
-              <a:t>)</a:t>
             </a:r>
             <a:endParaRPr lang="en-GB" sz="1100" dirty="0">
               <a:solidFill>
@@ -13590,6 +17032,245 @@
               </a:solidFill>
               <a:latin typeface="Menlo" panose="020B0609030804020204" pitchFamily="49" charset="0"/>
             </a:endParaRPr>
+          </a:p>
+          <a:p>
+            <a:pPr marL="0" indent="0">
+              <a:buNone/>
+            </a:pPr>
+            <a:r>
+              <a:rPr lang="en-GB" sz="1100" i="1" dirty="0">
+                <a:solidFill>
+                  <a:srgbClr val="A6ACCD"/>
+                </a:solidFill>
+                <a:latin typeface="Menlo" panose="020B0609030804020204" pitchFamily="49" charset="0"/>
+              </a:rPr>
+              <a:t>		</a:t>
+            </a:r>
+            <a:r>
+              <a:rPr lang="en-GB" sz="1100" i="1" dirty="0">
+                <a:solidFill>
+                  <a:srgbClr val="89DDFF"/>
+                </a:solidFill>
+                <a:latin typeface="Menlo" panose="020B0609030804020204" pitchFamily="49" charset="0"/>
+              </a:rPr>
+              <a:t>for</a:t>
+            </a:r>
+            <a:r>
+              <a:rPr lang="en-GB" sz="1100" dirty="0">
+                <a:solidFill>
+                  <a:srgbClr val="F07178"/>
+                </a:solidFill>
+                <a:latin typeface="Menlo" panose="020B0609030804020204" pitchFamily="49" charset="0"/>
+              </a:rPr>
+              <a:t>(</a:t>
+            </a:r>
+            <a:r>
+              <a:rPr lang="en-GB" sz="1100" dirty="0" err="1">
+                <a:solidFill>
+                  <a:srgbClr val="C792EA"/>
+                </a:solidFill>
+                <a:latin typeface="Menlo" panose="020B0609030804020204" pitchFamily="49" charset="0"/>
+              </a:rPr>
+              <a:t>const</a:t>
+            </a:r>
+            <a:r>
+              <a:rPr lang="en-GB" sz="1100" dirty="0">
+                <a:solidFill>
+                  <a:srgbClr val="F07178"/>
+                </a:solidFill>
+                <a:latin typeface="Menlo" panose="020B0609030804020204" pitchFamily="49" charset="0"/>
+              </a:rPr>
+              <a:t> </a:t>
+            </a:r>
+            <a:r>
+              <a:rPr lang="en-GB" sz="1100" dirty="0">
+                <a:solidFill>
+                  <a:srgbClr val="A6ACCD"/>
+                </a:solidFill>
+                <a:latin typeface="Menlo" panose="020B0609030804020204" pitchFamily="49" charset="0"/>
+              </a:rPr>
+              <a:t>number</a:t>
+            </a:r>
+            <a:r>
+              <a:rPr lang="en-GB" sz="1100" dirty="0">
+                <a:solidFill>
+                  <a:srgbClr val="F07178"/>
+                </a:solidFill>
+                <a:latin typeface="Menlo" panose="020B0609030804020204" pitchFamily="49" charset="0"/>
+              </a:rPr>
+              <a:t> </a:t>
+            </a:r>
+            <a:r>
+              <a:rPr lang="en-GB" sz="1100" dirty="0">
+                <a:solidFill>
+                  <a:srgbClr val="89DDFF"/>
+                </a:solidFill>
+                <a:latin typeface="Menlo" panose="020B0609030804020204" pitchFamily="49" charset="0"/>
+              </a:rPr>
+              <a:t>of</a:t>
+            </a:r>
+            <a:r>
+              <a:rPr lang="en-GB" sz="1100" dirty="0">
+                <a:solidFill>
+                  <a:srgbClr val="F07178"/>
+                </a:solidFill>
+                <a:latin typeface="Menlo" panose="020B0609030804020204" pitchFamily="49" charset="0"/>
+              </a:rPr>
+              <a:t> </a:t>
+            </a:r>
+            <a:r>
+              <a:rPr lang="en-GB" sz="1100" dirty="0">
+                <a:solidFill>
+                  <a:srgbClr val="A6ACCD"/>
+                </a:solidFill>
+                <a:latin typeface="Menlo" panose="020B0609030804020204" pitchFamily="49" charset="0"/>
+              </a:rPr>
+              <a:t>numbers</a:t>
+            </a:r>
+            <a:r>
+              <a:rPr lang="en-GB" sz="1100" dirty="0">
+                <a:solidFill>
+                  <a:srgbClr val="F07178"/>
+                </a:solidFill>
+                <a:latin typeface="Menlo" panose="020B0609030804020204" pitchFamily="49" charset="0"/>
+              </a:rPr>
+              <a:t>)</a:t>
+            </a:r>
+            <a:r>
+              <a:rPr lang="en-GB" sz="1100" dirty="0">
+                <a:solidFill>
+                  <a:srgbClr val="89DDFF"/>
+                </a:solidFill>
+                <a:latin typeface="Menlo" panose="020B0609030804020204" pitchFamily="49" charset="0"/>
+              </a:rPr>
+              <a:t>{</a:t>
+            </a:r>
+            <a:endParaRPr lang="en-GB" sz="1100" dirty="0">
+              <a:solidFill>
+                <a:srgbClr val="A6ACCD"/>
+              </a:solidFill>
+              <a:latin typeface="Menlo" panose="020B0609030804020204" pitchFamily="49" charset="0"/>
+            </a:endParaRPr>
+          </a:p>
+          <a:p>
+            <a:pPr marL="0" indent="0">
+              <a:buNone/>
+            </a:pPr>
+            <a:r>
+              <a:rPr lang="en-GB" sz="1100" dirty="0">
+                <a:solidFill>
+                  <a:srgbClr val="A6ACCD"/>
+                </a:solidFill>
+                <a:latin typeface="Menlo" panose="020B0609030804020204" pitchFamily="49" charset="0"/>
+              </a:rPr>
+              <a:t>			sum</a:t>
+            </a:r>
+            <a:r>
+              <a:rPr lang="en-GB" sz="1100" dirty="0">
+                <a:solidFill>
+                  <a:srgbClr val="F07178"/>
+                </a:solidFill>
+                <a:latin typeface="Menlo" panose="020B0609030804020204" pitchFamily="49" charset="0"/>
+              </a:rPr>
+              <a:t> </a:t>
+            </a:r>
+            <a:r>
+              <a:rPr lang="en-GB" sz="1100" dirty="0">
+                <a:solidFill>
+                  <a:srgbClr val="89DDFF"/>
+                </a:solidFill>
+                <a:latin typeface="Menlo" panose="020B0609030804020204" pitchFamily="49" charset="0"/>
+              </a:rPr>
+              <a:t>+=</a:t>
+            </a:r>
+            <a:r>
+              <a:rPr lang="en-GB" sz="1100" dirty="0">
+                <a:solidFill>
+                  <a:srgbClr val="F07178"/>
+                </a:solidFill>
+                <a:latin typeface="Menlo" panose="020B0609030804020204" pitchFamily="49" charset="0"/>
+              </a:rPr>
+              <a:t> </a:t>
+            </a:r>
+            <a:r>
+              <a:rPr lang="en-GB" sz="1100" dirty="0">
+                <a:solidFill>
+                  <a:srgbClr val="A6ACCD"/>
+                </a:solidFill>
+                <a:latin typeface="Menlo" panose="020B0609030804020204" pitchFamily="49" charset="0"/>
+              </a:rPr>
+              <a:t>number</a:t>
+            </a:r>
+          </a:p>
+          <a:p>
+            <a:pPr marL="0" indent="0">
+              <a:buNone/>
+            </a:pPr>
+            <a:r>
+              <a:rPr lang="en-GB" sz="1100" dirty="0">
+                <a:solidFill>
+                  <a:srgbClr val="A6ACCD"/>
+                </a:solidFill>
+                <a:latin typeface="Menlo" panose="020B0609030804020204" pitchFamily="49" charset="0"/>
+              </a:rPr>
+              <a:t>		</a:t>
+            </a:r>
+            <a:r>
+              <a:rPr lang="en-GB" sz="1100" dirty="0">
+                <a:solidFill>
+                  <a:srgbClr val="89DDFF"/>
+                </a:solidFill>
+                <a:latin typeface="Menlo" panose="020B0609030804020204" pitchFamily="49" charset="0"/>
+              </a:rPr>
+              <a:t>}</a:t>
+            </a:r>
+            <a:endParaRPr lang="en-GB" sz="1100" dirty="0">
+              <a:solidFill>
+                <a:srgbClr val="A6ACCD"/>
+              </a:solidFill>
+              <a:latin typeface="Menlo" panose="020B0609030804020204" pitchFamily="49" charset="0"/>
+            </a:endParaRPr>
+          </a:p>
+          <a:p>
+            <a:pPr marL="0" indent="0">
+              <a:buNone/>
+            </a:pPr>
+            <a:r>
+              <a:rPr lang="en-GB" sz="1100" i="1" dirty="0">
+                <a:solidFill>
+                  <a:srgbClr val="A6ACCD"/>
+                </a:solidFill>
+                <a:latin typeface="Menlo" panose="020B0609030804020204" pitchFamily="49" charset="0"/>
+              </a:rPr>
+              <a:t>		</a:t>
+            </a:r>
+            <a:r>
+              <a:rPr lang="en-GB" sz="1100" i="1" dirty="0">
+                <a:solidFill>
+                  <a:srgbClr val="89DDFF"/>
+                </a:solidFill>
+                <a:latin typeface="Menlo" panose="020B0609030804020204" pitchFamily="49" charset="0"/>
+              </a:rPr>
+              <a:t>return</a:t>
+            </a:r>
+            <a:r>
+              <a:rPr lang="en-GB" sz="1100" dirty="0">
+                <a:solidFill>
+                  <a:srgbClr val="F07178"/>
+                </a:solidFill>
+                <a:latin typeface="Menlo" panose="020B0609030804020204" pitchFamily="49" charset="0"/>
+              </a:rPr>
+              <a:t> </a:t>
+            </a:r>
+            <a:r>
+              <a:rPr lang="en-GB" sz="1100" dirty="0">
+                <a:solidFill>
+                  <a:srgbClr val="A6ACCD"/>
+                </a:solidFill>
+                <a:latin typeface="Menlo" panose="020B0609030804020204" pitchFamily="49" charset="0"/>
+              </a:rPr>
+              <a:t>sum</a:t>
+            </a:r>
           </a:p>
           <a:p>
             <a:pPr marL="0" indent="0">
@@ -13645,7 +17326,7 @@
               <a:t>	</a:t>
             </a:r>
             <a:r>
-              <a:rPr lang="en-GB" sz="1100" dirty="0">
+              <a:rPr lang="en-GB" sz="1100" dirty="0" err="1">
                 <a:solidFill>
                   <a:srgbClr val="C792EA"/>
                 </a:solidFill>
@@ -13732,7 +17413,16 @@
                 </a:solidFill>
                 <a:latin typeface="Menlo" panose="020B0609030804020204" pitchFamily="49" charset="0"/>
               </a:rPr>
-              <a:t> cb</a:t>
+              <a:t> </a:t>
+            </a:r>
+            <a:r>
+              <a:rPr lang="en-GB" sz="1100" dirty="0" err="1">
+                <a:solidFill>
+                  <a:srgbClr val="A6ACCD"/>
+                </a:solidFill>
+                <a:latin typeface="Menlo" panose="020B0609030804020204" pitchFamily="49" charset="0"/>
+              </a:rPr>
+              <a:t>cb</a:t>
             </a:r>
             <a:r>
               <a:rPr lang="en-GB" sz="1100" dirty="0">
@@ -13797,7 +17487,7 @@
                 </a:solidFill>
                 <a:latin typeface="Menlo" panose="020B0609030804020204" pitchFamily="49" charset="0"/>
               </a:rPr>
-              <a:t>		</a:t>
+              <a:t>	</a:t>
             </a:r>
             <a:r>
               <a:rPr lang="en-GB" sz="1100" i="1" dirty="0">
@@ -13818,7 +17508,7 @@
               <a:t> </a:t>
             </a:r>
             <a:r>
-              <a:rPr lang="en-GB" sz="1100" dirty="0">
+              <a:rPr lang="en-GB" sz="1100" dirty="0" err="1">
                 <a:solidFill>
                   <a:srgbClr val="82AAFF"/>
                 </a:solidFill>
@@ -14022,7 +17712,25 @@
                 </a:solidFill>
                 <a:latin typeface="Menlo" panose="020B0609030804020204" pitchFamily="49" charset="0"/>
               </a:rPr>
-              <a:t> sum) </a:t>
+              <a:t> </a:t>
+            </a:r>
+            <a:r>
+              <a:rPr lang="en-GB" sz="1100" dirty="0" err="1">
+                <a:solidFill>
+                  <a:srgbClr val="A6ACCD"/>
+                </a:solidFill>
+                <a:latin typeface="Menlo" panose="020B0609030804020204" pitchFamily="49" charset="0"/>
+              </a:rPr>
+              <a:t>getSum</a:t>
+            </a:r>
+            <a:r>
+              <a:rPr lang="en-GB" sz="1100" dirty="0">
+                <a:solidFill>
+                  <a:srgbClr val="A6ACCD"/>
+                </a:solidFill>
+                <a:latin typeface="Menlo" panose="020B0609030804020204" pitchFamily="49" charset="0"/>
+              </a:rPr>
+              <a:t>) </a:t>
             </a:r>
             <a:r>
               <a:rPr lang="en-GB" sz="1100" i="1" dirty="0">
@@ -14143,7 +17851,7 @@
             <a:pPr algn="ctr"/>
             <a:r>
               <a:rPr lang="en-US" dirty="0"/>
-              <a:t>Design Patterns in FP – Closures</a:t>
+              <a:t>Design Patterns in FP – Closures (1)</a:t>
             </a:r>
           </a:p>
         </p:txBody>
@@ -14796,13 +18504,13 @@
               <a:t>	</a:t>
             </a:r>
             <a:r>
-              <a:rPr lang="en-GB" sz="1100" dirty="0">
+              <a:rPr lang="en-GB" sz="1100" dirty="0" err="1">
                 <a:solidFill>
                   <a:srgbClr val="82AAFF"/>
                 </a:solidFill>
                 <a:latin typeface="Menlo" panose="020B0609030804020204" pitchFamily="49" charset="0"/>
               </a:rPr>
-              <a:t>counter</a:t>
+              <a:t>newCounter</a:t>
             </a:r>
             <a:r>
               <a:rPr lang="en-GB" sz="1100" dirty="0">
@@ -14843,13 +18551,13 @@
               <a:t>	</a:t>
             </a:r>
             <a:r>
-              <a:rPr lang="en-GB" sz="1100" dirty="0">
+              <a:rPr lang="en-GB" sz="1100" dirty="0" err="1">
                 <a:solidFill>
                   <a:srgbClr val="82AAFF"/>
                 </a:solidFill>
                 <a:latin typeface="Menlo" panose="020B0609030804020204" pitchFamily="49" charset="0"/>
               </a:rPr>
-              <a:t>counter</a:t>
+              <a:t>newCounter</a:t>
             </a:r>
             <a:r>
               <a:rPr lang="en-GB" sz="1100" dirty="0">
@@ -14941,7 +18649,7 @@
             </a:pPr>
             <a:r>
               <a:rPr lang="en-US" sz="1300" dirty="0"/>
-              <a:t>A function invocation usually creates a scope, meaning that nested functions can access the scope of their already invoked parent functions.</a:t>
+              <a:t>A function invocation usually creates a scope, meaning that nested functions can access the scope of their already invoked parent functions</a:t>
             </a:r>
           </a:p>
           <a:p>
@@ -14951,11 +18659,7 @@
             </a:pPr>
             <a:r>
               <a:rPr lang="en-US" sz="1300" dirty="0"/>
-              <a:t>JavaScript manages scopes through </a:t>
-            </a:r>
-            <a:r>
-              <a:rPr lang="en-US" sz="1300" b="1" dirty="0"/>
-              <a:t>Lexical Environments</a:t>
+              <a:t>“Private variable” in functional terms</a:t>
             </a:r>
           </a:p>
         </p:txBody>
@@ -15014,7 +18718,7 @@
             <a:pPr algn="ctr"/>
             <a:r>
               <a:rPr lang="en-US" dirty="0"/>
-              <a:t>Design Patterns in FP –Callbacks/Injection</a:t>
+              <a:t>Design Patterns in FP –Callbacks/Injection (2)</a:t>
             </a:r>
           </a:p>
         </p:txBody>
@@ -15051,7 +18755,39 @@
               <a:buNone/>
             </a:pPr>
             <a:r>
-              <a:rPr lang="en-GB" sz="1100" dirty="0">
+              <a:rPr lang="en-GB" sz="1100" i="1" dirty="0">
+                <a:solidFill>
+                  <a:srgbClr val="464B5D"/>
+                </a:solidFill>
+                <a:latin typeface="Menlo" panose="020B0609030804020204" pitchFamily="49" charset="0"/>
+              </a:rPr>
+              <a:t>// error-first </a:t>
+            </a:r>
+            <a:r>
+              <a:rPr lang="en-GB" sz="1100" i="1" dirty="0" err="1">
+                <a:solidFill>
+                  <a:srgbClr val="464B5D"/>
+                </a:solidFill>
+                <a:latin typeface="Menlo" panose="020B0609030804020204" pitchFamily="49" charset="0"/>
+              </a:rPr>
+              <a:t>callback</a:t>
+            </a:r>
+            <a:r>
+              <a:rPr lang="en-GB" sz="1100" i="1" dirty="0">
+                <a:solidFill>
+                  <a:srgbClr val="464B5D"/>
+                </a:solidFill>
+                <a:latin typeface="Menlo" panose="020B0609030804020204" pitchFamily="49" charset="0"/>
+              </a:rPr>
+              <a:t> style</a:t>
+            </a:r>
+          </a:p>
+          <a:p>
+            <a:pPr marL="0" indent="0">
+              <a:buNone/>
+            </a:pPr>
+            <a:r>
+              <a:rPr lang="en-GB" sz="1100" dirty="0" err="1">
                 <a:solidFill>
                   <a:srgbClr val="C792EA"/>
                 </a:solidFill>
@@ -15259,7 +18995,7 @@
                 </a:solidFill>
                 <a:latin typeface="Menlo" panose="020B0609030804020204" pitchFamily="49" charset="0"/>
               </a:rPr>
-              <a:t>		</a:t>
+              <a:t>		return </a:t>
             </a:r>
             <a:r>
               <a:rPr lang="en-GB" sz="1100" dirty="0" err="1">

--- a/React - The Functional Way.pptx
+++ b/React - The Functional Way.pptx
@@ -28,7 +28,8 @@
     <p:sldId id="293" r:id="rId22"/>
     <p:sldId id="295" r:id="rId23"/>
     <p:sldId id="296" r:id="rId24"/>
-    <p:sldId id="290" r:id="rId25"/>
+    <p:sldId id="298" r:id="rId25"/>
+    <p:sldId id="297" r:id="rId26"/>
   </p:sldIdLst>
   <p:sldSz cx="12192000" cy="6858000"/>
   <p:notesSz cx="6858000" cy="9144000"/>
@@ -422,7 +423,7 @@
           <a:p>
             <a:fld id="{02AC24A9-CCB6-4F8D-B8DB-C2F3692CFA5A}" type="datetimeFigureOut">
               <a:rPr lang="en-US" smtClean="0"/>
-              <a:t>11/13/20</a:t>
+              <a:t>11/15/20</a:t>
             </a:fld>
             <a:endParaRPr lang="en-US" dirty="0"/>
           </a:p>
@@ -740,7 +741,7 @@
           <a:p>
             <a:fld id="{02AC24A9-CCB6-4F8D-B8DB-C2F3692CFA5A}" type="datetimeFigureOut">
               <a:rPr lang="en-US" smtClean="0"/>
-              <a:t>11/13/20</a:t>
+              <a:t>11/15/20</a:t>
             </a:fld>
             <a:endParaRPr lang="en-US"/>
           </a:p>
@@ -1228,7 +1229,7 @@
           <a:p>
             <a:fld id="{02AC24A9-CCB6-4F8D-B8DB-C2F3692CFA5A}" type="datetimeFigureOut">
               <a:rPr lang="en-US" smtClean="0"/>
-              <a:t>11/13/20</a:t>
+              <a:t>11/15/20</a:t>
             </a:fld>
             <a:endParaRPr lang="en-US"/>
           </a:p>
@@ -1597,7 +1598,7 @@
           <a:p>
             <a:fld id="{02AC24A9-CCB6-4F8D-B8DB-C2F3692CFA5A}" type="datetimeFigureOut">
               <a:rPr lang="en-US" smtClean="0"/>
-              <a:t>11/13/20</a:t>
+              <a:t>11/15/20</a:t>
             </a:fld>
             <a:endParaRPr lang="en-US"/>
           </a:p>
@@ -1870,7 +1871,7 @@
           <a:p>
             <a:fld id="{02AC24A9-CCB6-4F8D-B8DB-C2F3692CFA5A}" type="datetimeFigureOut">
               <a:rPr lang="en-US" smtClean="0"/>
-              <a:t>11/13/20</a:t>
+              <a:t>11/15/20</a:t>
             </a:fld>
             <a:endParaRPr lang="en-US"/>
           </a:p>
@@ -2155,7 +2156,7 @@
           <a:p>
             <a:fld id="{02AC24A9-CCB6-4F8D-B8DB-C2F3692CFA5A}" type="datetimeFigureOut">
               <a:rPr lang="en-US" smtClean="0"/>
-              <a:t>11/13/20</a:t>
+              <a:t>11/15/20</a:t>
             </a:fld>
             <a:endParaRPr lang="en-US"/>
           </a:p>
@@ -2438,7 +2439,7 @@
           <a:p>
             <a:fld id="{02AC24A9-CCB6-4F8D-B8DB-C2F3692CFA5A}" type="datetimeFigureOut">
               <a:rPr lang="en-US" smtClean="0"/>
-              <a:t>11/13/20</a:t>
+              <a:t>11/15/20</a:t>
             </a:fld>
             <a:endParaRPr lang="en-US"/>
           </a:p>
@@ -2781,7 +2782,7 @@
           <a:p>
             <a:fld id="{02AC24A9-CCB6-4F8D-B8DB-C2F3692CFA5A}" type="datetimeFigureOut">
               <a:rPr lang="en-US" smtClean="0"/>
-              <a:t>11/13/20</a:t>
+              <a:t>11/15/20</a:t>
             </a:fld>
             <a:endParaRPr lang="en-US"/>
           </a:p>
@@ -3120,7 +3121,7 @@
           <a:p>
             <a:fld id="{02AC24A9-CCB6-4F8D-B8DB-C2F3692CFA5A}" type="datetimeFigureOut">
               <a:rPr lang="en-US" smtClean="0"/>
-              <a:t>11/13/20</a:t>
+              <a:t>11/15/20</a:t>
             </a:fld>
             <a:endParaRPr lang="en-US"/>
           </a:p>
@@ -3602,7 +3603,7 @@
           <a:p>
             <a:fld id="{02AC24A9-CCB6-4F8D-B8DB-C2F3692CFA5A}" type="datetimeFigureOut">
               <a:rPr lang="en-US" smtClean="0"/>
-              <a:t>11/13/20</a:t>
+              <a:t>11/15/20</a:t>
             </a:fld>
             <a:endParaRPr lang="en-US"/>
           </a:p>
@@ -3823,7 +3824,7 @@
           <a:p>
             <a:fld id="{02AC24A9-CCB6-4F8D-B8DB-C2F3692CFA5A}" type="datetimeFigureOut">
               <a:rPr lang="en-US" smtClean="0"/>
-              <a:t>11/13/20</a:t>
+              <a:t>11/15/20</a:t>
             </a:fld>
             <a:endParaRPr lang="en-US"/>
           </a:p>
@@ -3918,7 +3919,7 @@
           <a:p>
             <a:fld id="{02AC24A9-CCB6-4F8D-B8DB-C2F3692CFA5A}" type="datetimeFigureOut">
               <a:rPr lang="en-US" smtClean="0"/>
-              <a:t>11/13/20</a:t>
+              <a:t>11/15/20</a:t>
             </a:fld>
             <a:endParaRPr lang="en-US"/>
           </a:p>
@@ -4385,7 +4386,7 @@
           <a:p>
             <a:fld id="{02AC24A9-CCB6-4F8D-B8DB-C2F3692CFA5A}" type="datetimeFigureOut">
               <a:rPr lang="en-US" smtClean="0"/>
-              <a:t>11/13/20</a:t>
+              <a:t>11/15/20</a:t>
             </a:fld>
             <a:endParaRPr lang="en-US"/>
           </a:p>
@@ -4703,7 +4704,7 @@
           <a:p>
             <a:fld id="{02AC24A9-CCB6-4F8D-B8DB-C2F3692CFA5A}" type="datetimeFigureOut">
               <a:rPr lang="en-US" smtClean="0"/>
-              <a:t>11/13/20</a:t>
+              <a:t>11/15/20</a:t>
             </a:fld>
             <a:endParaRPr lang="en-US"/>
           </a:p>
@@ -4973,7 +4974,7 @@
           <a:p>
             <a:fld id="{02AC24A9-CCB6-4F8D-B8DB-C2F3692CFA5A}" type="datetimeFigureOut">
               <a:rPr lang="en-US" smtClean="0"/>
-              <a:t>11/13/20</a:t>
+              <a:t>11/15/20</a:t>
             </a:fld>
             <a:endParaRPr lang="en-US"/>
           </a:p>
@@ -14760,10 +14761,143 @@
       </p:grpSpPr>
       <p:sp>
         <p:nvSpPr>
+          <p:cNvPr id="4" name="TextBox 3">
+            <a:extLst>
+              <a:ext uri="{FF2B5EF4-FFF2-40B4-BE49-F238E27FC236}">
+                <a16:creationId xmlns:a16="http://schemas.microsoft.com/office/drawing/2014/main" id="{E2854F25-FBA9-244C-861A-C90EB4ED0017}"/>
+              </a:ext>
+            </a:extLst>
+          </p:cNvPr>
+          <p:cNvSpPr txBox="1"/>
+          <p:nvPr/>
+        </p:nvSpPr>
+        <p:spPr>
+          <a:xfrm>
+            <a:off x="2808750" y="3105834"/>
+            <a:ext cx="6574499" cy="646331"/>
+          </a:xfrm>
+          <a:prstGeom prst="rect">
+            <a:avLst/>
+          </a:prstGeom>
+          <a:noFill/>
+        </p:spPr>
+        <p:txBody>
+          <a:bodyPr wrap="square" rtlCol="0">
+            <a:spAutoFit/>
+          </a:bodyPr>
+          <a:lstStyle/>
+          <a:p>
+            <a:r>
+              <a:rPr lang="en-US" sz="3600" b="1" dirty="0"/>
+              <a:t>Where you should look next?</a:t>
+            </a:r>
+          </a:p>
+        </p:txBody>
+      </p:sp>
+    </p:spTree>
+    <p:extLst>
+      <p:ext uri="{BB962C8B-B14F-4D97-AF65-F5344CB8AC3E}">
+        <p14:creationId xmlns:p14="http://schemas.microsoft.com/office/powerpoint/2010/main" val="859261334"/>
+      </p:ext>
+    </p:extLst>
+  </p:cSld>
+  <p:clrMapOvr>
+    <a:masterClrMapping/>
+  </p:clrMapOvr>
+</p:sld>
+</file>
+
+<file path=ppt/slides/slide25.xml><?xml version="1.0" encoding="utf-8"?>
+<p:sld xmlns:a="http://schemas.openxmlformats.org/drawingml/2006/main" xmlns:r="http://schemas.openxmlformats.org/officeDocument/2006/relationships" xmlns:p="http://schemas.openxmlformats.org/presentationml/2006/main">
+  <p:cSld>
+    <p:bg>
+      <p:bgPr>
+        <a:solidFill>
+          <a:schemeClr val="bg2"/>
+        </a:solidFill>
+        <a:effectLst/>
+      </p:bgPr>
+    </p:bg>
+    <p:spTree>
+      <p:nvGrpSpPr>
+        <p:cNvPr id="1" name=""/>
+        <p:cNvGrpSpPr/>
+        <p:nvPr/>
+      </p:nvGrpSpPr>
+      <p:grpSpPr>
+        <a:xfrm>
+          <a:off x="0" y="0"/>
+          <a:ext cx="0" cy="0"/>
+          <a:chOff x="0" y="0"/>
+          <a:chExt cx="0" cy="0"/>
+        </a:xfrm>
+      </p:grpSpPr>
+      <p:sp useBgFill="1">
+        <p:nvSpPr>
+          <p:cNvPr id="16" name="Rectangle 15">
+            <a:extLst>
+              <a:ext uri="{FF2B5EF4-FFF2-40B4-BE49-F238E27FC236}">
+                <a16:creationId xmlns:a16="http://schemas.microsoft.com/office/drawing/2014/main" id="{597EA66B-2AAB-42B0-9F9D-38920D8D82D7}"/>
+              </a:ext>
+              <a:ext uri="{C183D7F6-B498-43B3-948B-1728B52AA6E4}">
+                <adec:decorative xmlns:adec="http://schemas.microsoft.com/office/drawing/2017/decorative" val="1"/>
+              </a:ext>
+            </a:extLst>
+          </p:cNvPr>
+          <p:cNvSpPr>
+            <a:spLocks noGrp="1" noRot="1" noChangeAspect="1" noMove="1" noResize="1" noEditPoints="1" noAdjustHandles="1" noChangeArrowheads="1" noChangeShapeType="1" noTextEdit="1"/>
+          </p:cNvSpPr>
+          <p:nvPr>
+            <p:extLst>
+              <p:ext uri="{386F3935-93C4-4BCD-93E2-E3B085C9AB24}">
+                <p16:designElem xmlns:p16="http://schemas.microsoft.com/office/powerpoint/2015/main" val="1"/>
+              </p:ext>
+            </p:extLst>
+          </p:nvPr>
+        </p:nvSpPr>
+        <p:spPr>
+          <a:xfrm>
+            <a:off x="0" y="0"/>
+            <a:ext cx="12192000" cy="6858000"/>
+          </a:xfrm>
+          <a:prstGeom prst="rect">
+            <a:avLst/>
+          </a:prstGeom>
+          <a:ln>
+            <a:noFill/>
+          </a:ln>
+        </p:spPr>
+        <p:style>
+          <a:lnRef idx="2">
+            <a:schemeClr val="accent1">
+              <a:shade val="50000"/>
+            </a:schemeClr>
+          </a:lnRef>
+          <a:fillRef idx="1">
+            <a:schemeClr val="accent1"/>
+          </a:fillRef>
+          <a:effectRef idx="0">
+            <a:schemeClr val="accent1"/>
+          </a:effectRef>
+          <a:fontRef idx="minor">
+            <a:schemeClr val="lt1"/>
+          </a:fontRef>
+        </p:style>
+        <p:txBody>
+          <a:bodyPr rtlCol="0" anchor="ctr"/>
+          <a:lstStyle/>
+          <a:p>
+            <a:pPr algn="ctr"/>
+            <a:endParaRPr lang="en-US"/>
+          </a:p>
+        </p:txBody>
+      </p:sp>
+      <p:sp>
+        <p:nvSpPr>
           <p:cNvPr id="2" name="Title 1">
             <a:extLst>
               <a:ext uri="{FF2B5EF4-FFF2-40B4-BE49-F238E27FC236}">
-                <a16:creationId xmlns:a16="http://schemas.microsoft.com/office/drawing/2014/main" id="{DAC6BC1C-E50A-F444-A5C6-38B25B642C28}"/>
+                <a16:creationId xmlns:a16="http://schemas.microsoft.com/office/drawing/2014/main" id="{2C9EAA21-6983-7047-8D55-44D6E93CBE24}"/>
               </a:ext>
             </a:extLst>
           </p:cNvPr>
@@ -14771,17 +14905,20 @@
             <a:spLocks noGrp="1"/>
           </p:cNvSpPr>
           <p:nvPr>
-            <p:ph type="title" idx="4294967295"/>
+            <p:ph type="ctrTitle"/>
           </p:nvPr>
         </p:nvSpPr>
         <p:spPr>
           <a:xfrm>
-            <a:off x="2090090" y="2944018"/>
-            <a:ext cx="8011819" cy="969963"/>
+            <a:off x="810000" y="2248738"/>
+            <a:ext cx="10572000" cy="890909"/>
           </a:xfrm>
+          <a:effectLst/>
         </p:spPr>
         <p:txBody>
-          <a:bodyPr anchor="ctr"/>
+          <a:bodyPr anchor="t">
+            <a:normAutofit fontScale="90000"/>
+          </a:bodyPr>
           <a:lstStyle/>
           <a:p>
             <a:pPr algn="ctr"/>
@@ -14789,13 +14926,525 @@
               <a:rPr lang="en-US" dirty="0"/>
               <a:t>Thank you for listening!!!</a:t>
             </a:r>
+            <a:endParaRPr lang="en-US" dirty="0">
+              <a:solidFill>
+                <a:schemeClr val="tx1"/>
+              </a:solidFill>
+            </a:endParaRPr>
+          </a:p>
+        </p:txBody>
+      </p:sp>
+      <p:sp>
+        <p:nvSpPr>
+          <p:cNvPr id="18" name="Freeform: Shape 17">
+            <a:extLst>
+              <a:ext uri="{FF2B5EF4-FFF2-40B4-BE49-F238E27FC236}">
+                <a16:creationId xmlns:a16="http://schemas.microsoft.com/office/drawing/2014/main" id="{D360EBE3-31BB-422F-AA87-FA3873DAE484}"/>
+              </a:ext>
+              <a:ext uri="{C183D7F6-B498-43B3-948B-1728B52AA6E4}">
+                <adec:decorative xmlns:adec="http://schemas.microsoft.com/office/drawing/2017/decorative" val="1"/>
+              </a:ext>
+            </a:extLst>
+          </p:cNvPr>
+          <p:cNvSpPr>
+            <a:spLocks noGrp="1" noRot="1" noChangeAspect="1" noMove="1" noResize="1" noEditPoints="1" noAdjustHandles="1" noChangeArrowheads="1" noChangeShapeType="1" noTextEdit="1"/>
+          </p:cNvSpPr>
+          <p:nvPr>
+            <p:extLst>
+              <p:ext uri="{386F3935-93C4-4BCD-93E2-E3B085C9AB24}">
+                <p16:designElem xmlns:p16="http://schemas.microsoft.com/office/powerpoint/2015/main" val="1"/>
+              </p:ext>
+            </p:extLst>
+          </p:nvPr>
+        </p:nvSpPr>
+        <p:spPr bwMode="auto">
+          <a:xfrm rot="10800000">
+            <a:off x="0" y="5388384"/>
+            <a:ext cx="12192000" cy="1469616"/>
+          </a:xfrm>
+          <a:custGeom>
+            <a:avLst/>
+            <a:gdLst>
+              <a:gd name="connsiteX0" fmla="*/ 6113881 w 12192000"/>
+              <a:gd name="connsiteY0" fmla="*/ 1469616 h 1469616"/>
+              <a:gd name="connsiteX1" fmla="*/ 6101181 w 12192000"/>
+              <a:gd name="connsiteY1" fmla="*/ 1469616 h 1469616"/>
+              <a:gd name="connsiteX2" fmla="*/ 6090598 w 12192000"/>
+              <a:gd name="connsiteY2" fmla="*/ 1469616 h 1469616"/>
+              <a:gd name="connsiteX3" fmla="*/ 6077897 w 12192000"/>
+              <a:gd name="connsiteY3" fmla="*/ 1464854 h 1469616"/>
+              <a:gd name="connsiteX4" fmla="*/ 6065198 w 12192000"/>
+              <a:gd name="connsiteY4" fmla="*/ 1460091 h 1469616"/>
+              <a:gd name="connsiteX5" fmla="*/ 6056731 w 12192000"/>
+              <a:gd name="connsiteY5" fmla="*/ 1456916 h 1469616"/>
+              <a:gd name="connsiteX6" fmla="*/ 5678033 w 12192000"/>
+              <a:gd name="connsiteY6" fmla="*/ 1172892 h 1469616"/>
+              <a:gd name="connsiteX7" fmla="*/ 0 w 12192000"/>
+              <a:gd name="connsiteY7" fmla="*/ 1172892 h 1469616"/>
+              <a:gd name="connsiteX8" fmla="*/ 0 w 12192000"/>
+              <a:gd name="connsiteY8" fmla="*/ 1162370 h 1469616"/>
+              <a:gd name="connsiteX9" fmla="*/ 0 w 12192000"/>
+              <a:gd name="connsiteY9" fmla="*/ 403347 h 1469616"/>
+              <a:gd name="connsiteX10" fmla="*/ 0 w 12192000"/>
+              <a:gd name="connsiteY10" fmla="*/ 0 h 1469616"/>
+              <a:gd name="connsiteX11" fmla="*/ 12192000 w 12192000"/>
+              <a:gd name="connsiteY11" fmla="*/ 0 h 1469616"/>
+              <a:gd name="connsiteX12" fmla="*/ 12192000 w 12192000"/>
+              <a:gd name="connsiteY12" fmla="*/ 403347 h 1469616"/>
+              <a:gd name="connsiteX13" fmla="*/ 12192000 w 12192000"/>
+              <a:gd name="connsiteY13" fmla="*/ 1162370 h 1469616"/>
+              <a:gd name="connsiteX14" fmla="*/ 12192000 w 12192000"/>
+              <a:gd name="connsiteY14" fmla="*/ 1172892 h 1469616"/>
+              <a:gd name="connsiteX15" fmla="*/ 6524330 w 12192000"/>
+              <a:gd name="connsiteY15" fmla="*/ 1172892 h 1469616"/>
+              <a:gd name="connsiteX16" fmla="*/ 6145631 w 12192000"/>
+              <a:gd name="connsiteY16" fmla="*/ 1456916 h 1469616"/>
+              <a:gd name="connsiteX17" fmla="*/ 6137163 w 12192000"/>
+              <a:gd name="connsiteY17" fmla="*/ 1460091 h 1469616"/>
+              <a:gd name="connsiteX18" fmla="*/ 6124463 w 12192000"/>
+              <a:gd name="connsiteY18" fmla="*/ 1464854 h 1469616"/>
+            </a:gdLst>
+            <a:ahLst/>
+            <a:cxnLst>
+              <a:cxn ang="0">
+                <a:pos x="connsiteX0" y="connsiteY0"/>
+              </a:cxn>
+              <a:cxn ang="0">
+                <a:pos x="connsiteX1" y="connsiteY1"/>
+              </a:cxn>
+              <a:cxn ang="0">
+                <a:pos x="connsiteX2" y="connsiteY2"/>
+              </a:cxn>
+              <a:cxn ang="0">
+                <a:pos x="connsiteX3" y="connsiteY3"/>
+              </a:cxn>
+              <a:cxn ang="0">
+                <a:pos x="connsiteX4" y="connsiteY4"/>
+              </a:cxn>
+              <a:cxn ang="0">
+                <a:pos x="connsiteX5" y="connsiteY5"/>
+              </a:cxn>
+              <a:cxn ang="0">
+                <a:pos x="connsiteX6" y="connsiteY6"/>
+              </a:cxn>
+              <a:cxn ang="0">
+                <a:pos x="connsiteX7" y="connsiteY7"/>
+              </a:cxn>
+              <a:cxn ang="0">
+                <a:pos x="connsiteX8" y="connsiteY8"/>
+              </a:cxn>
+              <a:cxn ang="0">
+                <a:pos x="connsiteX9" y="connsiteY9"/>
+              </a:cxn>
+              <a:cxn ang="0">
+                <a:pos x="connsiteX10" y="connsiteY10"/>
+              </a:cxn>
+              <a:cxn ang="0">
+                <a:pos x="connsiteX11" y="connsiteY11"/>
+              </a:cxn>
+              <a:cxn ang="0">
+                <a:pos x="connsiteX12" y="connsiteY12"/>
+              </a:cxn>
+              <a:cxn ang="0">
+                <a:pos x="connsiteX13" y="connsiteY13"/>
+              </a:cxn>
+              <a:cxn ang="0">
+                <a:pos x="connsiteX14" y="connsiteY14"/>
+              </a:cxn>
+              <a:cxn ang="0">
+                <a:pos x="connsiteX15" y="connsiteY15"/>
+              </a:cxn>
+              <a:cxn ang="0">
+                <a:pos x="connsiteX16" y="connsiteY16"/>
+              </a:cxn>
+              <a:cxn ang="0">
+                <a:pos x="connsiteX17" y="connsiteY17"/>
+              </a:cxn>
+              <a:cxn ang="0">
+                <a:pos x="connsiteX18" y="connsiteY18"/>
+              </a:cxn>
+            </a:cxnLst>
+            <a:rect l="l" t="t" r="r" b="b"/>
+            <a:pathLst>
+              <a:path w="12192000" h="1469616">
+                <a:moveTo>
+                  <a:pt x="6113881" y="1469616"/>
+                </a:moveTo>
+                <a:lnTo>
+                  <a:pt x="6101181" y="1469616"/>
+                </a:lnTo>
+                <a:lnTo>
+                  <a:pt x="6090598" y="1469616"/>
+                </a:lnTo>
+                <a:lnTo>
+                  <a:pt x="6077897" y="1464854"/>
+                </a:lnTo>
+                <a:lnTo>
+                  <a:pt x="6065198" y="1460091"/>
+                </a:lnTo>
+                <a:lnTo>
+                  <a:pt x="6056731" y="1456916"/>
+                </a:lnTo>
+                <a:lnTo>
+                  <a:pt x="5678033" y="1172892"/>
+                </a:lnTo>
+                <a:lnTo>
+                  <a:pt x="0" y="1172892"/>
+                </a:lnTo>
+                <a:lnTo>
+                  <a:pt x="0" y="1162370"/>
+                </a:lnTo>
+                <a:lnTo>
+                  <a:pt x="0" y="403347"/>
+                </a:lnTo>
+                <a:lnTo>
+                  <a:pt x="0" y="0"/>
+                </a:lnTo>
+                <a:lnTo>
+                  <a:pt x="12192000" y="0"/>
+                </a:lnTo>
+                <a:lnTo>
+                  <a:pt x="12192000" y="403347"/>
+                </a:lnTo>
+                <a:lnTo>
+                  <a:pt x="12192000" y="1162370"/>
+                </a:lnTo>
+                <a:lnTo>
+                  <a:pt x="12192000" y="1172892"/>
+                </a:lnTo>
+                <a:lnTo>
+                  <a:pt x="6524330" y="1172892"/>
+                </a:lnTo>
+                <a:lnTo>
+                  <a:pt x="6145631" y="1456916"/>
+                </a:lnTo>
+                <a:lnTo>
+                  <a:pt x="6137163" y="1460091"/>
+                </a:lnTo>
+                <a:lnTo>
+                  <a:pt x="6124463" y="1464854"/>
+                </a:lnTo>
+                <a:close/>
+              </a:path>
+            </a:pathLst>
+          </a:custGeom>
+          <a:ln>
+            <a:noFill/>
+          </a:ln>
+          <a:effectLst/>
+          <a:extLst>
+            <a:ext uri="{91240B29-F687-4f45-9708-019B960494DF}">
+              <a14:hiddenLine xmlns:a16="http://schemas.microsoft.com/office/drawing/2014/main" xmlns:p14="http://schemas.microsoft.com/office/powerpoint/2010/main" xmlns:a14="http://schemas.microsoft.com/office/drawing/2010/main" xmlns="" w="9525">
+                <a:solidFill>
+                  <a:srgbClr val="000000"/>
+                </a:solidFill>
+                <a:round/>
+                <a:headEnd/>
+                <a:tailEnd/>
+              </a14:hiddenLine>
+            </a:ext>
+          </a:extLst>
+        </p:spPr>
+        <p:style>
+          <a:lnRef idx="1">
+            <a:schemeClr val="accent1"/>
+          </a:lnRef>
+          <a:fillRef idx="3">
+            <a:schemeClr val="accent1"/>
+          </a:fillRef>
+          <a:effectRef idx="2">
+            <a:schemeClr val="accent1"/>
+          </a:effectRef>
+          <a:fontRef idx="minor">
+            <a:schemeClr val="lt1"/>
+          </a:fontRef>
+        </p:style>
+      </p:sp>
+      <p:pic>
+        <p:nvPicPr>
+          <p:cNvPr id="6" name="Picture 5" descr="A picture containing ax, vector graphics&#10;&#10;Description automatically generated">
+            <a:extLst>
+              <a:ext uri="{FF2B5EF4-FFF2-40B4-BE49-F238E27FC236}">
+                <a16:creationId xmlns:a16="http://schemas.microsoft.com/office/drawing/2014/main" id="{51205437-D025-0542-AE03-9975EF69D9B1}"/>
+              </a:ext>
+            </a:extLst>
+          </p:cNvPr>
+          <p:cNvPicPr>
+            <a:picLocks noChangeAspect="1"/>
+          </p:cNvPicPr>
+          <p:nvPr/>
+        </p:nvPicPr>
+        <p:blipFill>
+          <a:blip r:embed="rId2"/>
+          <a:stretch>
+            <a:fillRect/>
+          </a:stretch>
+        </p:blipFill>
+        <p:spPr>
+          <a:xfrm>
+            <a:off x="997398" y="5010239"/>
+            <a:ext cx="266009" cy="216000"/>
+          </a:xfrm>
+          <a:prstGeom prst="rect">
+            <a:avLst/>
+          </a:prstGeom>
+        </p:spPr>
+      </p:pic>
+      <p:sp>
+        <p:nvSpPr>
+          <p:cNvPr id="7" name="TextBox 6">
+            <a:extLst>
+              <a:ext uri="{FF2B5EF4-FFF2-40B4-BE49-F238E27FC236}">
+                <a16:creationId xmlns:a16="http://schemas.microsoft.com/office/drawing/2014/main" id="{22729263-BC1D-A24D-B453-14EF1A98ACB1}"/>
+              </a:ext>
+            </a:extLst>
+          </p:cNvPr>
+          <p:cNvSpPr txBox="1"/>
+          <p:nvPr/>
+        </p:nvSpPr>
+        <p:spPr>
+          <a:xfrm>
+            <a:off x="1263407" y="5003371"/>
+            <a:ext cx="1585727" cy="230832"/>
+          </a:xfrm>
+          <a:prstGeom prst="rect">
+            <a:avLst/>
+          </a:prstGeom>
+          <a:noFill/>
+        </p:spPr>
+        <p:txBody>
+          <a:bodyPr wrap="square" rtlCol="0">
+            <a:spAutoFit/>
+          </a:bodyPr>
+          <a:lstStyle/>
+          <a:p>
+            <a:r>
+              <a:rPr lang="en-GB" sz="900" dirty="0"/>
+              <a:t>@masimou2</a:t>
+            </a:r>
+            <a:endParaRPr lang="en-US" sz="900" dirty="0"/>
+          </a:p>
+        </p:txBody>
+      </p:sp>
+      <p:pic>
+        <p:nvPicPr>
+          <p:cNvPr id="20" name="Picture 19">
+            <a:extLst>
+              <a:ext uri="{FF2B5EF4-FFF2-40B4-BE49-F238E27FC236}">
+                <a16:creationId xmlns:a16="http://schemas.microsoft.com/office/drawing/2014/main" id="{E4964492-2F7B-0444-B2A9-673A37F803AA}"/>
+              </a:ext>
+            </a:extLst>
+          </p:cNvPr>
+          <p:cNvPicPr>
+            <a:picLocks noChangeAspect="1"/>
+          </p:cNvPicPr>
+          <p:nvPr/>
+        </p:nvPicPr>
+        <p:blipFill>
+          <a:blip r:embed="rId3"/>
+          <a:stretch>
+            <a:fillRect/>
+          </a:stretch>
+        </p:blipFill>
+        <p:spPr>
+          <a:xfrm>
+            <a:off x="3958519" y="4974240"/>
+            <a:ext cx="251999" cy="251999"/>
+          </a:xfrm>
+          <a:prstGeom prst="rect">
+            <a:avLst/>
+          </a:prstGeom>
+        </p:spPr>
+      </p:pic>
+      <p:pic>
+        <p:nvPicPr>
+          <p:cNvPr id="22" name="Picture 21" descr="Logo&#10;&#10;Description automatically generated">
+            <a:extLst>
+              <a:ext uri="{FF2B5EF4-FFF2-40B4-BE49-F238E27FC236}">
+                <a16:creationId xmlns:a16="http://schemas.microsoft.com/office/drawing/2014/main" id="{4C61CBC6-A02E-D24E-82E6-1F57BF3488C0}"/>
+              </a:ext>
+            </a:extLst>
+          </p:cNvPr>
+          <p:cNvPicPr>
+            <a:picLocks noChangeAspect="1"/>
+          </p:cNvPicPr>
+          <p:nvPr/>
+        </p:nvPicPr>
+        <p:blipFill>
+          <a:blip r:embed="rId4"/>
+          <a:stretch>
+            <a:fillRect/>
+          </a:stretch>
+        </p:blipFill>
+        <p:spPr>
+          <a:xfrm>
+            <a:off x="2400695" y="4978222"/>
+            <a:ext cx="251999" cy="251999"/>
+          </a:xfrm>
+          <a:prstGeom prst="rect">
+            <a:avLst/>
+          </a:prstGeom>
+        </p:spPr>
+      </p:pic>
+      <p:sp>
+        <p:nvSpPr>
+          <p:cNvPr id="23" name="TextBox 22">
+            <a:extLst>
+              <a:ext uri="{FF2B5EF4-FFF2-40B4-BE49-F238E27FC236}">
+                <a16:creationId xmlns:a16="http://schemas.microsoft.com/office/drawing/2014/main" id="{657F6C4B-B83B-C546-B2F8-A7059EE34D28}"/>
+              </a:ext>
+            </a:extLst>
+          </p:cNvPr>
+          <p:cNvSpPr txBox="1"/>
+          <p:nvPr/>
+        </p:nvSpPr>
+        <p:spPr>
+          <a:xfrm>
+            <a:off x="2690882" y="4986410"/>
+            <a:ext cx="3067055" cy="230832"/>
+          </a:xfrm>
+          <a:prstGeom prst="rect">
+            <a:avLst/>
+          </a:prstGeom>
+          <a:noFill/>
+        </p:spPr>
+        <p:txBody>
+          <a:bodyPr wrap="square" rtlCol="0">
+            <a:spAutoFit/>
+          </a:bodyPr>
+          <a:lstStyle/>
+          <a:p>
+            <a:r>
+              <a:rPr lang="en-GB" sz="900" dirty="0"/>
+              <a:t>marios.simou.184</a:t>
+            </a:r>
+            <a:endParaRPr lang="en-US" sz="900" dirty="0"/>
+          </a:p>
+        </p:txBody>
+      </p:sp>
+      <p:sp>
+        <p:nvSpPr>
+          <p:cNvPr id="26" name="TextBox 25">
+            <a:extLst>
+              <a:ext uri="{FF2B5EF4-FFF2-40B4-BE49-F238E27FC236}">
+                <a16:creationId xmlns:a16="http://schemas.microsoft.com/office/drawing/2014/main" id="{76807C40-72C4-714E-8F34-8BB2EB841198}"/>
+              </a:ext>
+            </a:extLst>
+          </p:cNvPr>
+          <p:cNvSpPr txBox="1"/>
+          <p:nvPr/>
+        </p:nvSpPr>
+        <p:spPr>
+          <a:xfrm>
+            <a:off x="4290101" y="4990909"/>
+            <a:ext cx="1585727" cy="230832"/>
+          </a:xfrm>
+          <a:prstGeom prst="rect">
+            <a:avLst/>
+          </a:prstGeom>
+          <a:noFill/>
+        </p:spPr>
+        <p:txBody>
+          <a:bodyPr wrap="square" rtlCol="0">
+            <a:spAutoFit/>
+          </a:bodyPr>
+          <a:lstStyle/>
+          <a:p>
+            <a:r>
+              <a:rPr lang="en-US" sz="900" dirty="0" err="1"/>
+              <a:t>MarioSimou</a:t>
+            </a:r>
+            <a:endParaRPr lang="en-US" sz="900" dirty="0"/>
+          </a:p>
+        </p:txBody>
+      </p:sp>
+      <p:sp>
+        <p:nvSpPr>
+          <p:cNvPr id="30" name="TextBox 29">
+            <a:extLst>
+              <a:ext uri="{FF2B5EF4-FFF2-40B4-BE49-F238E27FC236}">
+                <a16:creationId xmlns:a16="http://schemas.microsoft.com/office/drawing/2014/main" id="{4A56A658-B2C9-D546-9834-60AD74F46682}"/>
+              </a:ext>
+            </a:extLst>
+          </p:cNvPr>
+          <p:cNvSpPr txBox="1"/>
+          <p:nvPr/>
+        </p:nvSpPr>
+        <p:spPr>
+          <a:xfrm>
+            <a:off x="7883120" y="4524597"/>
+            <a:ext cx="5017273" cy="307777"/>
+          </a:xfrm>
+          <a:prstGeom prst="rect">
+            <a:avLst/>
+          </a:prstGeom>
+          <a:noFill/>
+        </p:spPr>
+        <p:txBody>
+          <a:bodyPr wrap="square" rtlCol="0">
+            <a:spAutoFit/>
+          </a:bodyPr>
+          <a:lstStyle/>
+          <a:p>
+            <a:r>
+              <a:rPr lang="en-US" sz="1400" b="1" dirty="0"/>
+              <a:t>Portfolio: </a:t>
+            </a:r>
+            <a:r>
+              <a:rPr lang="en-US" sz="1400" dirty="0"/>
+              <a:t>https://www.mariossimou.dev</a:t>
+            </a:r>
+          </a:p>
+        </p:txBody>
+      </p:sp>
+      <p:sp>
+        <p:nvSpPr>
+          <p:cNvPr id="31" name="TextBox 30">
+            <a:extLst>
+              <a:ext uri="{FF2B5EF4-FFF2-40B4-BE49-F238E27FC236}">
+                <a16:creationId xmlns:a16="http://schemas.microsoft.com/office/drawing/2014/main" id="{78CAF7E9-7AF4-D243-AF07-F090894B7F31}"/>
+              </a:ext>
+            </a:extLst>
+          </p:cNvPr>
+          <p:cNvSpPr txBox="1"/>
+          <p:nvPr/>
+        </p:nvSpPr>
+        <p:spPr>
+          <a:xfrm>
+            <a:off x="7883121" y="4909465"/>
+            <a:ext cx="5017273" cy="307777"/>
+          </a:xfrm>
+          <a:prstGeom prst="rect">
+            <a:avLst/>
+          </a:prstGeom>
+          <a:noFill/>
+        </p:spPr>
+        <p:txBody>
+          <a:bodyPr wrap="square" rtlCol="0">
+            <a:spAutoFit/>
+          </a:bodyPr>
+          <a:lstStyle/>
+          <a:p>
+            <a:r>
+              <a:rPr lang="en-US" sz="1400" b="1" dirty="0"/>
+              <a:t>Blog: </a:t>
+            </a:r>
+            <a:r>
+              <a:rPr lang="en-US" sz="1400" dirty="0"/>
+              <a:t>https://</a:t>
+            </a:r>
+            <a:r>
+              <a:rPr lang="en-US" sz="1400" dirty="0" err="1"/>
+              <a:t>www.blog.mariossimou.dev</a:t>
+            </a:r>
+            <a:endParaRPr lang="en-US" sz="1400" dirty="0"/>
           </a:p>
         </p:txBody>
       </p:sp>
     </p:spTree>
     <p:extLst>
       <p:ext uri="{BB962C8B-B14F-4D97-AF65-F5344CB8AC3E}">
-        <p14:creationId xmlns:p14="http://schemas.microsoft.com/office/powerpoint/2010/main" val="1161814831"/>
+        <p14:creationId xmlns:p14="http://schemas.microsoft.com/office/powerpoint/2010/main" val="161403908"/>
       </p:ext>
     </p:extLst>
   </p:cSld>

--- a/React - The Functional Way.pptx
+++ b/React - The Functional Way.pptx
@@ -29,7 +29,8 @@
     <p:sldId id="295" r:id="rId23"/>
     <p:sldId id="296" r:id="rId24"/>
     <p:sldId id="298" r:id="rId25"/>
-    <p:sldId id="297" r:id="rId26"/>
+    <p:sldId id="299" r:id="rId26"/>
+    <p:sldId id="297" r:id="rId27"/>
   </p:sldIdLst>
   <p:sldSz cx="12192000" cy="6858000"/>
   <p:notesSz cx="6858000" cy="9144000"/>
@@ -231,7 +232,7 @@
           <a:effectLst/>
           <a:extLst>
             <a:ext uri="{91240B29-F687-4f45-9708-019B960494DF}">
-              <a14:hiddenLine xmlns:a14="http://schemas.microsoft.com/office/drawing/2010/main" xmlns="" w="9525">
+              <a14:hiddenLine xmlns="" xmlns:a14="http://schemas.microsoft.com/office/drawing/2010/main" w="9525">
                 <a:solidFill>
                   <a:srgbClr val="000000"/>
                 </a:solidFill>
@@ -423,7 +424,7 @@
           <a:p>
             <a:fld id="{02AC24A9-CCB6-4F8D-B8DB-C2F3692CFA5A}" type="datetimeFigureOut">
               <a:rPr lang="en-US" smtClean="0"/>
-              <a:t>11/15/20</a:t>
+              <a:t>11/18/20</a:t>
             </a:fld>
             <a:endParaRPr lang="en-US" dirty="0"/>
           </a:p>
@@ -741,7 +742,7 @@
           <a:p>
             <a:fld id="{02AC24A9-CCB6-4F8D-B8DB-C2F3692CFA5A}" type="datetimeFigureOut">
               <a:rPr lang="en-US" smtClean="0"/>
-              <a:t>11/15/20</a:t>
+              <a:t>11/18/20</a:t>
             </a:fld>
             <a:endParaRPr lang="en-US"/>
           </a:p>
@@ -1229,7 +1230,7 @@
           <a:p>
             <a:fld id="{02AC24A9-CCB6-4F8D-B8DB-C2F3692CFA5A}" type="datetimeFigureOut">
               <a:rPr lang="en-US" smtClean="0"/>
-              <a:t>11/15/20</a:t>
+              <a:t>11/18/20</a:t>
             </a:fld>
             <a:endParaRPr lang="en-US"/>
           </a:p>
@@ -1598,7 +1599,7 @@
           <a:p>
             <a:fld id="{02AC24A9-CCB6-4F8D-B8DB-C2F3692CFA5A}" type="datetimeFigureOut">
               <a:rPr lang="en-US" smtClean="0"/>
-              <a:t>11/15/20</a:t>
+              <a:t>11/18/20</a:t>
             </a:fld>
             <a:endParaRPr lang="en-US"/>
           </a:p>
@@ -1753,7 +1754,7 @@
           <a:ln/>
           <a:extLst>
             <a:ext uri="{91240B29-F687-4f45-9708-019B960494DF}">
-              <a14:hiddenLine xmlns:a14="http://schemas.microsoft.com/office/drawing/2010/main" xmlns="" w="9525">
+              <a14:hiddenLine xmlns="" xmlns:a14="http://schemas.microsoft.com/office/drawing/2010/main" w="9525">
                 <a:solidFill>
                   <a:srgbClr val="000000"/>
                 </a:solidFill>
@@ -1871,7 +1872,7 @@
           <a:p>
             <a:fld id="{02AC24A9-CCB6-4F8D-B8DB-C2F3692CFA5A}" type="datetimeFigureOut">
               <a:rPr lang="en-US" smtClean="0"/>
-              <a:t>11/15/20</a:t>
+              <a:t>11/18/20</a:t>
             </a:fld>
             <a:endParaRPr lang="en-US"/>
           </a:p>
@@ -2028,7 +2029,7 @@
           <a:ln/>
           <a:extLst>
             <a:ext uri="{91240B29-F687-4f45-9708-019B960494DF}">
-              <a14:hiddenLine xmlns:a14="http://schemas.microsoft.com/office/drawing/2010/main" xmlns="" w="9525">
+              <a14:hiddenLine xmlns="" xmlns:a14="http://schemas.microsoft.com/office/drawing/2010/main" w="9525">
                 <a:solidFill>
                   <a:srgbClr val="000000"/>
                 </a:solidFill>
@@ -2156,7 +2157,7 @@
           <a:p>
             <a:fld id="{02AC24A9-CCB6-4F8D-B8DB-C2F3692CFA5A}" type="datetimeFigureOut">
               <a:rPr lang="en-US" smtClean="0"/>
-              <a:t>11/15/20</a:t>
+              <a:t>11/18/20</a:t>
             </a:fld>
             <a:endParaRPr lang="en-US"/>
           </a:p>
@@ -2311,7 +2312,7 @@
           <a:ln/>
           <a:extLst>
             <a:ext uri="{91240B29-F687-4f45-9708-019B960494DF}">
-              <a14:hiddenLine xmlns:a14="http://schemas.microsoft.com/office/drawing/2010/main" xmlns="" w="9525">
+              <a14:hiddenLine xmlns="" xmlns:a14="http://schemas.microsoft.com/office/drawing/2010/main" w="9525">
                 <a:solidFill>
                   <a:srgbClr val="000000"/>
                 </a:solidFill>
@@ -2439,7 +2440,7 @@
           <a:p>
             <a:fld id="{02AC24A9-CCB6-4F8D-B8DB-C2F3692CFA5A}" type="datetimeFigureOut">
               <a:rPr lang="en-US" smtClean="0"/>
-              <a:t>11/15/20</a:t>
+              <a:t>11/18/20</a:t>
             </a:fld>
             <a:endParaRPr lang="en-US"/>
           </a:p>
@@ -2782,7 +2783,7 @@
           <a:p>
             <a:fld id="{02AC24A9-CCB6-4F8D-B8DB-C2F3692CFA5A}" type="datetimeFigureOut">
               <a:rPr lang="en-US" smtClean="0"/>
-              <a:t>11/15/20</a:t>
+              <a:t>11/18/20</a:t>
             </a:fld>
             <a:endParaRPr lang="en-US"/>
           </a:p>
@@ -2937,7 +2938,7 @@
           <a:ln/>
           <a:extLst>
             <a:ext uri="{91240B29-F687-4f45-9708-019B960494DF}">
-              <a14:hiddenLine xmlns:a14="http://schemas.microsoft.com/office/drawing/2010/main" xmlns="" w="9525">
+              <a14:hiddenLine xmlns="" xmlns:a14="http://schemas.microsoft.com/office/drawing/2010/main" w="9525">
                 <a:solidFill>
                   <a:srgbClr val="000000"/>
                 </a:solidFill>
@@ -3121,7 +3122,7 @@
           <a:p>
             <a:fld id="{02AC24A9-CCB6-4F8D-B8DB-C2F3692CFA5A}" type="datetimeFigureOut">
               <a:rPr lang="en-US" smtClean="0"/>
-              <a:t>11/15/20</a:t>
+              <a:t>11/18/20</a:t>
             </a:fld>
             <a:endParaRPr lang="en-US"/>
           </a:p>
@@ -3281,7 +3282,7 @@
           <a:ln/>
           <a:extLst>
             <a:ext uri="{91240B29-F687-4f45-9708-019B960494DF}">
-              <a14:hiddenLine xmlns:a14="http://schemas.microsoft.com/office/drawing/2010/main" xmlns="" w="9525">
+              <a14:hiddenLine xmlns="" xmlns:a14="http://schemas.microsoft.com/office/drawing/2010/main" w="9525">
                 <a:solidFill>
                   <a:srgbClr val="000000"/>
                 </a:solidFill>
@@ -3603,7 +3604,7 @@
           <a:p>
             <a:fld id="{02AC24A9-CCB6-4F8D-B8DB-C2F3692CFA5A}" type="datetimeFigureOut">
               <a:rPr lang="en-US" smtClean="0"/>
-              <a:t>11/15/20</a:t>
+              <a:t>11/18/20</a:t>
             </a:fld>
             <a:endParaRPr lang="en-US"/>
           </a:p>
@@ -3758,7 +3759,7 @@
           <a:ln/>
           <a:extLst>
             <a:ext uri="{91240B29-F687-4f45-9708-019B960494DF}">
-              <a14:hiddenLine xmlns:a14="http://schemas.microsoft.com/office/drawing/2010/main" xmlns="" w="9525">
+              <a14:hiddenLine xmlns="" xmlns:a14="http://schemas.microsoft.com/office/drawing/2010/main" w="9525">
                 <a:solidFill>
                   <a:srgbClr val="000000"/>
                 </a:solidFill>
@@ -3824,7 +3825,7 @@
           <a:p>
             <a:fld id="{02AC24A9-CCB6-4F8D-B8DB-C2F3692CFA5A}" type="datetimeFigureOut">
               <a:rPr lang="en-US" smtClean="0"/>
-              <a:t>11/15/20</a:t>
+              <a:t>11/18/20</a:t>
             </a:fld>
             <a:endParaRPr lang="en-US"/>
           </a:p>
@@ -3919,7 +3920,7 @@
           <a:p>
             <a:fld id="{02AC24A9-CCB6-4F8D-B8DB-C2F3692CFA5A}" type="datetimeFigureOut">
               <a:rPr lang="en-US" smtClean="0"/>
-              <a:t>11/15/20</a:t>
+              <a:t>11/18/20</a:t>
             </a:fld>
             <a:endParaRPr lang="en-US"/>
           </a:p>
@@ -4187,7 +4188,7 @@
           <a:ln/>
           <a:extLst>
             <a:ext uri="{91240B29-F687-4f45-9708-019B960494DF}">
-              <a14:hiddenLine xmlns:a14="http://schemas.microsoft.com/office/drawing/2010/main" xmlns="" w="9525">
+              <a14:hiddenLine xmlns="" xmlns:a14="http://schemas.microsoft.com/office/drawing/2010/main" w="9525">
                 <a:solidFill>
                   <a:srgbClr val="000000"/>
                 </a:solidFill>
@@ -4386,7 +4387,7 @@
           <a:p>
             <a:fld id="{02AC24A9-CCB6-4F8D-B8DB-C2F3692CFA5A}" type="datetimeFigureOut">
               <a:rPr lang="en-US" smtClean="0"/>
-              <a:t>11/15/20</a:t>
+              <a:t>11/18/20</a:t>
             </a:fld>
             <a:endParaRPr lang="en-US"/>
           </a:p>
@@ -4704,7 +4705,7 @@
           <a:p>
             <a:fld id="{02AC24A9-CCB6-4F8D-B8DB-C2F3692CFA5A}" type="datetimeFigureOut">
               <a:rPr lang="en-US" smtClean="0"/>
-              <a:t>11/15/20</a:t>
+              <a:t>11/18/20</a:t>
             </a:fld>
             <a:endParaRPr lang="en-US"/>
           </a:p>
@@ -4974,7 +4975,7 @@
           <a:p>
             <a:fld id="{02AC24A9-CCB6-4F8D-B8DB-C2F3692CFA5A}" type="datetimeFigureOut">
               <a:rPr lang="en-US" smtClean="0"/>
-              <a:t>11/15/20</a:t>
+              <a:t>11/18/20</a:t>
             </a:fld>
             <a:endParaRPr lang="en-US"/>
           </a:p>
@@ -5787,7 +5788,7 @@
           <a:effectLst/>
           <a:extLst>
             <a:ext uri="{91240B29-F687-4f45-9708-019B960494DF}">
-              <a14:hiddenLine xmlns="" xmlns:a14="http://schemas.microsoft.com/office/drawing/2010/main" xmlns:p14="http://schemas.microsoft.com/office/powerpoint/2010/main" xmlns:a16="http://schemas.microsoft.com/office/drawing/2014/main" w="9525">
+              <a14:hiddenLine xmlns:a16="http://schemas.microsoft.com/office/drawing/2014/main" xmlns:p14="http://schemas.microsoft.com/office/powerpoint/2010/main" xmlns:a14="http://schemas.microsoft.com/office/drawing/2010/main" xmlns="" w="9525">
                 <a:solidFill>
                   <a:srgbClr val="000000"/>
                 </a:solidFill>
@@ -6121,6 +6122,56 @@
               <a:t>www.blog.mariossimou.dev</a:t>
             </a:r>
             <a:endParaRPr lang="en-US" sz="1400" dirty="0"/>
+          </a:p>
+        </p:txBody>
+      </p:sp>
+      <p:sp>
+        <p:nvSpPr>
+          <p:cNvPr id="3" name="Rectangle 2">
+            <a:extLst>
+              <a:ext uri="{FF2B5EF4-FFF2-40B4-BE49-F238E27FC236}">
+                <a16:creationId xmlns:a16="http://schemas.microsoft.com/office/drawing/2014/main" id="{9E97E10E-1196-D845-AAB5-D19019107AB8}"/>
+              </a:ext>
+            </a:extLst>
+          </p:cNvPr>
+          <p:cNvSpPr/>
+          <p:nvPr/>
+        </p:nvSpPr>
+        <p:spPr>
+          <a:xfrm>
+            <a:off x="4084518" y="6304003"/>
+            <a:ext cx="8262730" cy="369332"/>
+          </a:xfrm>
+          <a:prstGeom prst="rect">
+            <a:avLst/>
+          </a:prstGeom>
+        </p:spPr>
+        <p:txBody>
+          <a:bodyPr wrap="square">
+            <a:spAutoFit/>
+          </a:bodyPr>
+          <a:lstStyle/>
+          <a:p>
+            <a:r>
+              <a:rPr lang="en-US" dirty="0"/>
+              <a:t>https://</a:t>
+            </a:r>
+            <a:r>
+              <a:rPr lang="en-US" dirty="0" err="1"/>
+              <a:t>github.com</a:t>
+            </a:r>
+            <a:r>
+              <a:rPr lang="en-US" dirty="0"/>
+              <a:t>/</a:t>
+            </a:r>
+            <a:r>
+              <a:rPr lang="en-US" dirty="0" err="1"/>
+              <a:t>MarioSimou</a:t>
+            </a:r>
+            <a:r>
+              <a:rPr lang="en-US" dirty="0"/>
+              <a:t>/react-the-functional-way-presentation</a:t>
+            </a:r>
           </a:p>
         </p:txBody>
       </p:sp>
@@ -14810,6 +14861,71 @@
 <file path=ppt/slides/slide25.xml><?xml version="1.0" encoding="utf-8"?>
 <p:sld xmlns:a="http://schemas.openxmlformats.org/drawingml/2006/main" xmlns:r="http://schemas.openxmlformats.org/officeDocument/2006/relationships" xmlns:p="http://schemas.openxmlformats.org/presentationml/2006/main">
   <p:cSld>
+    <p:spTree>
+      <p:nvGrpSpPr>
+        <p:cNvPr id="1" name=""/>
+        <p:cNvGrpSpPr/>
+        <p:nvPr/>
+      </p:nvGrpSpPr>
+      <p:grpSpPr>
+        <a:xfrm>
+          <a:off x="0" y="0"/>
+          <a:ext cx="0" cy="0"/>
+          <a:chOff x="0" y="0"/>
+          <a:chExt cx="0" cy="0"/>
+        </a:xfrm>
+      </p:grpSpPr>
+      <p:sp>
+        <p:nvSpPr>
+          <p:cNvPr id="4" name="TextBox 3">
+            <a:extLst>
+              <a:ext uri="{FF2B5EF4-FFF2-40B4-BE49-F238E27FC236}">
+                <a16:creationId xmlns:a16="http://schemas.microsoft.com/office/drawing/2014/main" id="{E2854F25-FBA9-244C-861A-C90EB4ED0017}"/>
+              </a:ext>
+            </a:extLst>
+          </p:cNvPr>
+          <p:cNvSpPr txBox="1"/>
+          <p:nvPr/>
+        </p:nvSpPr>
+        <p:spPr>
+          <a:xfrm>
+            <a:off x="2366814" y="3105834"/>
+            <a:ext cx="7458372" cy="646331"/>
+          </a:xfrm>
+          <a:prstGeom prst="rect">
+            <a:avLst/>
+          </a:prstGeom>
+          <a:noFill/>
+        </p:spPr>
+        <p:txBody>
+          <a:bodyPr wrap="square" rtlCol="0">
+            <a:spAutoFit/>
+          </a:bodyPr>
+          <a:lstStyle/>
+          <a:p>
+            <a:r>
+              <a:rPr lang="en-US" sz="3600" b="1" dirty="0"/>
+              <a:t>Things you should take with you</a:t>
+            </a:r>
+          </a:p>
+        </p:txBody>
+      </p:sp>
+    </p:spTree>
+    <p:extLst>
+      <p:ext uri="{BB962C8B-B14F-4D97-AF65-F5344CB8AC3E}">
+        <p14:creationId xmlns:p14="http://schemas.microsoft.com/office/powerpoint/2010/main" val="937293417"/>
+      </p:ext>
+    </p:extLst>
+  </p:cSld>
+  <p:clrMapOvr>
+    <a:masterClrMapping/>
+  </p:clrMapOvr>
+</p:sld>
+</file>
+
+<file path=ppt/slides/slide26.xml><?xml version="1.0" encoding="utf-8"?>
+<p:sld xmlns:a="http://schemas.openxmlformats.org/drawingml/2006/main" xmlns:r="http://schemas.openxmlformats.org/officeDocument/2006/relationships" xmlns:p="http://schemas.openxmlformats.org/presentationml/2006/main">
+  <p:cSld>
     <p:bg>
       <p:bgPr>
         <a:solidFill>
@@ -15134,7 +15250,7 @@
           <a:effectLst/>
           <a:extLst>
             <a:ext uri="{91240B29-F687-4f45-9708-019B960494DF}">
-              <a14:hiddenLine xmlns:a16="http://schemas.microsoft.com/office/drawing/2014/main" xmlns:p14="http://schemas.microsoft.com/office/powerpoint/2010/main" xmlns:a14="http://schemas.microsoft.com/office/drawing/2010/main" xmlns="" w="9525">
+              <a14:hiddenLine xmlns="" xmlns:a14="http://schemas.microsoft.com/office/drawing/2010/main" xmlns:p14="http://schemas.microsoft.com/office/powerpoint/2010/main" xmlns:a16="http://schemas.microsoft.com/office/drawing/2014/main" w="9525">
                 <a:solidFill>
                   <a:srgbClr val="000000"/>
                 </a:solidFill>
@@ -15438,6 +15554,56 @@
               <a:t>www.blog.mariossimou.dev</a:t>
             </a:r>
             <a:endParaRPr lang="en-US" sz="1400" dirty="0"/>
+          </a:p>
+        </p:txBody>
+      </p:sp>
+      <p:sp>
+        <p:nvSpPr>
+          <p:cNvPr id="3" name="Rectangle 2">
+            <a:extLst>
+              <a:ext uri="{FF2B5EF4-FFF2-40B4-BE49-F238E27FC236}">
+                <a16:creationId xmlns:a16="http://schemas.microsoft.com/office/drawing/2014/main" id="{BEC2E367-EDDD-0E48-8B2A-9DCB9E01EED2}"/>
+              </a:ext>
+            </a:extLst>
+          </p:cNvPr>
+          <p:cNvSpPr/>
+          <p:nvPr/>
+        </p:nvSpPr>
+        <p:spPr>
+          <a:xfrm>
+            <a:off x="3958519" y="6312483"/>
+            <a:ext cx="8334000" cy="369332"/>
+          </a:xfrm>
+          <a:prstGeom prst="rect">
+            <a:avLst/>
+          </a:prstGeom>
+        </p:spPr>
+        <p:txBody>
+          <a:bodyPr wrap="square">
+            <a:spAutoFit/>
+          </a:bodyPr>
+          <a:lstStyle/>
+          <a:p>
+            <a:r>
+              <a:rPr lang="en-US" dirty="0"/>
+              <a:t>https://</a:t>
+            </a:r>
+            <a:r>
+              <a:rPr lang="en-US" dirty="0" err="1"/>
+              <a:t>github.com</a:t>
+            </a:r>
+            <a:r>
+              <a:rPr lang="en-US" dirty="0"/>
+              <a:t>/</a:t>
+            </a:r>
+            <a:r>
+              <a:rPr lang="en-US" dirty="0" err="1"/>
+              <a:t>MarioSimou</a:t>
+            </a:r>
+            <a:r>
+              <a:rPr lang="en-US" dirty="0"/>
+              <a:t>/react-the-functional-way-presentation</a:t>
+            </a:r>
           </a:p>
         </p:txBody>
       </p:sp>
